--- a/предзащита.pptx
+++ b/предзащита.pptx
@@ -1,9 +1,12 @@
 
 <file path=ppt/presentation.xml><?xml version="1.0" encoding="utf-8"?>
-<p:presentation xmlns:a="http://schemas.openxmlformats.org/drawingml/2006/main" xmlns:r="http://schemas.openxmlformats.org/officeDocument/2006/relationships" xmlns:p="http://schemas.openxmlformats.org/presentationml/2006/main" saveSubsetFonts="1">
+<p:presentation xmlns:a="http://schemas.openxmlformats.org/drawingml/2006/main" xmlns:r="http://schemas.openxmlformats.org/officeDocument/2006/relationships" xmlns:p="http://schemas.openxmlformats.org/presentationml/2006/main" showSpecialPlsOnTitleSld="0" saveSubsetFonts="1">
   <p:sldMasterIdLst>
     <p:sldMasterId id="2147483648" r:id="rId1"/>
   </p:sldMasterIdLst>
+  <p:notesMasterIdLst>
+    <p:notesMasterId r:id="rId16"/>
+  </p:notesMasterIdLst>
   <p:sldIdLst>
     <p:sldId id="256" r:id="rId2"/>
     <p:sldId id="258" r:id="rId3"/>
@@ -11,10 +14,14 @@
     <p:sldId id="263" r:id="rId5"/>
     <p:sldId id="264" r:id="rId6"/>
     <p:sldId id="268" r:id="rId7"/>
-    <p:sldId id="265" r:id="rId8"/>
-    <p:sldId id="266" r:id="rId9"/>
+    <p:sldId id="270" r:id="rId8"/>
+    <p:sldId id="265" r:id="rId9"/>
     <p:sldId id="267" r:id="rId10"/>
     <p:sldId id="269" r:id="rId11"/>
+    <p:sldId id="271" r:id="rId12"/>
+    <p:sldId id="266" r:id="rId13"/>
+    <p:sldId id="272" r:id="rId14"/>
+    <p:sldId id="273" r:id="rId15"/>
   </p:sldIdLst>
   <p:sldSz cx="12192000" cy="6858000"/>
   <p:notesSz cx="6858000" cy="9144000"/>
@@ -124,16 +131,874 @@
             <p14:sldId id="263"/>
             <p14:sldId id="264"/>
             <p14:sldId id="268"/>
+            <p14:sldId id="270"/>
             <p14:sldId id="265"/>
-            <p14:sldId id="266"/>
             <p14:sldId id="267"/>
             <p14:sldId id="269"/>
+            <p14:sldId id="271"/>
+            <p14:sldId id="266"/>
+            <p14:sldId id="272"/>
+            <p14:sldId id="273"/>
           </p14:sldIdLst>
         </p14:section>
       </p14:sectionLst>
     </p:ext>
+    <p:ext uri="{EFAFB233-063F-42B5-8137-9DF3F51BA10A}">
+      <p15:sldGuideLst xmlns:p15="http://schemas.microsoft.com/office/powerpoint/2012/main"/>
+    </p:ext>
   </p:extLst>
 </p:presentation>
+</file>
+
+<file path=ppt/changesInfos/changesInfo1.xml><?xml version="1.0" encoding="utf-8"?>
+<pc:chgInfo xmlns:a="http://schemas.openxmlformats.org/drawingml/2006/main" xmlns:r="http://schemas.openxmlformats.org/officeDocument/2006/relationships" xmlns:ac="http://schemas.microsoft.com/office/drawing/2013/main/command" xmlns:pc="http://schemas.microsoft.com/office/powerpoint/2013/main/command">
+  <pc:docChgLst>
+    <pc:chgData name="Бурлаков Илья" userId="421651f7c7e77a74" providerId="LiveId" clId="{D3BFDA4D-75E1-4BB0-88EA-4C8450DA5B7C}"/>
+    <pc:docChg chg="undo custSel addSld delSld modSld sldOrd modSection">
+      <pc:chgData name="Бурлаков Илья" userId="421651f7c7e77a74" providerId="LiveId" clId="{D3BFDA4D-75E1-4BB0-88EA-4C8450DA5B7C}" dt="2023-01-08T08:23:54.816" v="1839" actId="122"/>
+      <pc:docMkLst>
+        <pc:docMk/>
+      </pc:docMkLst>
+      <pc:sldChg chg="modSp mod">
+        <pc:chgData name="Бурлаков Илья" userId="421651f7c7e77a74" providerId="LiveId" clId="{D3BFDA4D-75E1-4BB0-88EA-4C8450DA5B7C}" dt="2023-01-07T12:10:19.142" v="116" actId="20577"/>
+        <pc:sldMkLst>
+          <pc:docMk/>
+          <pc:sldMk cId="1370489536" sldId="256"/>
+        </pc:sldMkLst>
+        <pc:spChg chg="mod">
+          <ac:chgData name="Бурлаков Илья" userId="421651f7c7e77a74" providerId="LiveId" clId="{D3BFDA4D-75E1-4BB0-88EA-4C8450DA5B7C}" dt="2023-01-07T12:10:19.142" v="116" actId="20577"/>
+          <ac:spMkLst>
+            <pc:docMk/>
+            <pc:sldMk cId="1370489536" sldId="256"/>
+            <ac:spMk id="2" creationId="{64E72D3D-ED7D-48C8-AF87-07F9527501E0}"/>
+          </ac:spMkLst>
+        </pc:spChg>
+      </pc:sldChg>
+      <pc:sldChg chg="addSp modSp mod">
+        <pc:chgData name="Бурлаков Илья" userId="421651f7c7e77a74" providerId="LiveId" clId="{D3BFDA4D-75E1-4BB0-88EA-4C8450DA5B7C}" dt="2023-01-08T08:21:25.704" v="1801"/>
+        <pc:sldMkLst>
+          <pc:docMk/>
+          <pc:sldMk cId="1022473243" sldId="258"/>
+        </pc:sldMkLst>
+        <pc:spChg chg="mod">
+          <ac:chgData name="Бурлаков Илья" userId="421651f7c7e77a74" providerId="LiveId" clId="{D3BFDA4D-75E1-4BB0-88EA-4C8450DA5B7C}" dt="2023-01-08T07:41:27.640" v="1106" actId="20577"/>
+          <ac:spMkLst>
+            <pc:docMk/>
+            <pc:sldMk cId="1022473243" sldId="258"/>
+            <ac:spMk id="3" creationId="{683E6F9C-C384-43D9-B4ED-A6A4E1577B59}"/>
+          </ac:spMkLst>
+        </pc:spChg>
+        <pc:spChg chg="add mod">
+          <ac:chgData name="Бурлаков Илья" userId="421651f7c7e77a74" providerId="LiveId" clId="{D3BFDA4D-75E1-4BB0-88EA-4C8450DA5B7C}" dt="2023-01-08T08:21:25.704" v="1801"/>
+          <ac:spMkLst>
+            <pc:docMk/>
+            <pc:sldMk cId="1022473243" sldId="258"/>
+            <ac:spMk id="4" creationId="{F49BAC97-6E28-4B1F-BBD1-45A548CD1F56}"/>
+          </ac:spMkLst>
+        </pc:spChg>
+        <pc:spChg chg="mod">
+          <ac:chgData name="Бурлаков Илья" userId="421651f7c7e77a74" providerId="LiveId" clId="{D3BFDA4D-75E1-4BB0-88EA-4C8450DA5B7C}" dt="2023-01-08T08:21:24.425" v="1800" actId="1076"/>
+          <ac:spMkLst>
+            <pc:docMk/>
+            <pc:sldMk cId="1022473243" sldId="258"/>
+            <ac:spMk id="5" creationId="{8C25A11D-B904-4885-9A17-51A91EF3A02D}"/>
+          </ac:spMkLst>
+        </pc:spChg>
+      </pc:sldChg>
+      <pc:sldChg chg="addSp delSp modSp mod">
+        <pc:chgData name="Бурлаков Илья" userId="421651f7c7e77a74" providerId="LiveId" clId="{D3BFDA4D-75E1-4BB0-88EA-4C8450DA5B7C}" dt="2023-01-08T08:21:25.704" v="1801"/>
+        <pc:sldMkLst>
+          <pc:docMk/>
+          <pc:sldMk cId="2129993449" sldId="259"/>
+        </pc:sldMkLst>
+        <pc:spChg chg="add del mod">
+          <ac:chgData name="Бурлаков Илья" userId="421651f7c7e77a74" providerId="LiveId" clId="{D3BFDA4D-75E1-4BB0-88EA-4C8450DA5B7C}" dt="2023-01-08T06:38:08.143" v="844"/>
+          <ac:spMkLst>
+            <pc:docMk/>
+            <pc:sldMk cId="2129993449" sldId="259"/>
+            <ac:spMk id="5" creationId="{0DC541BA-B5A5-4AEE-9782-8A889B33F995}"/>
+          </ac:spMkLst>
+        </pc:spChg>
+        <pc:spChg chg="add">
+          <ac:chgData name="Бурлаков Илья" userId="421651f7c7e77a74" providerId="LiveId" clId="{D3BFDA4D-75E1-4BB0-88EA-4C8450DA5B7C}" dt="2023-01-08T08:21:25.704" v="1801"/>
+          <ac:spMkLst>
+            <pc:docMk/>
+            <pc:sldMk cId="2129993449" sldId="259"/>
+            <ac:spMk id="8" creationId="{131EF971-889E-477D-A017-4D51246596D4}"/>
+          </ac:spMkLst>
+        </pc:spChg>
+        <pc:picChg chg="del mod">
+          <ac:chgData name="Бурлаков Илья" userId="421651f7c7e77a74" providerId="LiveId" clId="{D3BFDA4D-75E1-4BB0-88EA-4C8450DA5B7C}" dt="2023-01-08T06:38:07.850" v="842" actId="478"/>
+          <ac:picMkLst>
+            <pc:docMk/>
+            <pc:sldMk cId="2129993449" sldId="259"/>
+            <ac:picMk id="4" creationId="{5B627D69-7823-4FD5-B440-36769BAF19BF}"/>
+          </ac:picMkLst>
+        </pc:picChg>
+        <pc:picChg chg="add mod ord modCrop">
+          <ac:chgData name="Бурлаков Илья" userId="421651f7c7e77a74" providerId="LiveId" clId="{D3BFDA4D-75E1-4BB0-88EA-4C8450DA5B7C}" dt="2023-01-08T06:38:37.024" v="848" actId="1076"/>
+          <ac:picMkLst>
+            <pc:docMk/>
+            <pc:sldMk cId="2129993449" sldId="259"/>
+            <ac:picMk id="7" creationId="{9EF04754-B621-4D59-9705-1BD3FB0DF838}"/>
+          </ac:picMkLst>
+        </pc:picChg>
+      </pc:sldChg>
+      <pc:sldChg chg="addSp modSp mod">
+        <pc:chgData name="Бурлаков Илья" userId="421651f7c7e77a74" providerId="LiveId" clId="{D3BFDA4D-75E1-4BB0-88EA-4C8450DA5B7C}" dt="2023-01-08T08:23:01.440" v="1806" actId="20577"/>
+        <pc:sldMkLst>
+          <pc:docMk/>
+          <pc:sldMk cId="1968425598" sldId="263"/>
+        </pc:sldMkLst>
+        <pc:spChg chg="mod">
+          <ac:chgData name="Бурлаков Илья" userId="421651f7c7e77a74" providerId="LiveId" clId="{D3BFDA4D-75E1-4BB0-88EA-4C8450DA5B7C}" dt="2023-01-08T08:23:01.440" v="1806" actId="20577"/>
+          <ac:spMkLst>
+            <pc:docMk/>
+            <pc:sldMk cId="1968425598" sldId="263"/>
+            <ac:spMk id="2" creationId="{43AF4AC9-C96E-4371-8B84-1B9A37F7CC03}"/>
+          </ac:spMkLst>
+        </pc:spChg>
+        <pc:spChg chg="mod">
+          <ac:chgData name="Бурлаков Илья" userId="421651f7c7e77a74" providerId="LiveId" clId="{D3BFDA4D-75E1-4BB0-88EA-4C8450DA5B7C}" dt="2023-01-05T11:21:37.436" v="3" actId="20577"/>
+          <ac:spMkLst>
+            <pc:docMk/>
+            <pc:sldMk cId="1968425598" sldId="263"/>
+            <ac:spMk id="3" creationId="{6B46DF0E-6A99-45F6-94C2-7353F468DBD1}"/>
+          </ac:spMkLst>
+        </pc:spChg>
+        <pc:spChg chg="add">
+          <ac:chgData name="Бурлаков Илья" userId="421651f7c7e77a74" providerId="LiveId" clId="{D3BFDA4D-75E1-4BB0-88EA-4C8450DA5B7C}" dt="2023-01-08T08:21:25.704" v="1801"/>
+          <ac:spMkLst>
+            <pc:docMk/>
+            <pc:sldMk cId="1968425598" sldId="263"/>
+            <ac:spMk id="6" creationId="{232E4FB7-08F7-4B9F-B40C-8E34A2497672}"/>
+          </ac:spMkLst>
+        </pc:spChg>
+      </pc:sldChg>
+      <pc:sldChg chg="addSp modSp mod">
+        <pc:chgData name="Бурлаков Илья" userId="421651f7c7e77a74" providerId="LiveId" clId="{D3BFDA4D-75E1-4BB0-88EA-4C8450DA5B7C}" dt="2023-01-08T08:21:25.704" v="1801"/>
+        <pc:sldMkLst>
+          <pc:docMk/>
+          <pc:sldMk cId="3522647510" sldId="264"/>
+        </pc:sldMkLst>
+        <pc:spChg chg="mod">
+          <ac:chgData name="Бурлаков Илья" userId="421651f7c7e77a74" providerId="LiveId" clId="{D3BFDA4D-75E1-4BB0-88EA-4C8450DA5B7C}" dt="2023-01-08T06:47:01.457" v="891" actId="20577"/>
+          <ac:spMkLst>
+            <pc:docMk/>
+            <pc:sldMk cId="3522647510" sldId="264"/>
+            <ac:spMk id="2" creationId="{DF6A7631-A2A9-4AEA-81D1-DB258BEBF91A}"/>
+          </ac:spMkLst>
+        </pc:spChg>
+        <pc:spChg chg="add">
+          <ac:chgData name="Бурлаков Илья" userId="421651f7c7e77a74" providerId="LiveId" clId="{D3BFDA4D-75E1-4BB0-88EA-4C8450DA5B7C}" dt="2023-01-08T08:21:25.704" v="1801"/>
+          <ac:spMkLst>
+            <pc:docMk/>
+            <pc:sldMk cId="3522647510" sldId="264"/>
+            <ac:spMk id="4" creationId="{086041A4-564A-44D6-BBCC-4C7F84DFD264}"/>
+          </ac:spMkLst>
+        </pc:spChg>
+      </pc:sldChg>
+      <pc:sldChg chg="addSp modSp mod">
+        <pc:chgData name="Бурлаков Илья" userId="421651f7c7e77a74" providerId="LiveId" clId="{D3BFDA4D-75E1-4BB0-88EA-4C8450DA5B7C}" dt="2023-01-08T08:21:25.704" v="1801"/>
+        <pc:sldMkLst>
+          <pc:docMk/>
+          <pc:sldMk cId="3119075717" sldId="265"/>
+        </pc:sldMkLst>
+        <pc:spChg chg="mod">
+          <ac:chgData name="Бурлаков Илья" userId="421651f7c7e77a74" providerId="LiveId" clId="{D3BFDA4D-75E1-4BB0-88EA-4C8450DA5B7C}" dt="2023-01-08T07:41:06.872" v="1095" actId="20577"/>
+          <ac:spMkLst>
+            <pc:docMk/>
+            <pc:sldMk cId="3119075717" sldId="265"/>
+            <ac:spMk id="2" creationId="{27C8CE0E-2E88-4A7D-9269-12F80B3081E8}"/>
+          </ac:spMkLst>
+        </pc:spChg>
+        <pc:spChg chg="mod">
+          <ac:chgData name="Бурлаков Илья" userId="421651f7c7e77a74" providerId="LiveId" clId="{D3BFDA4D-75E1-4BB0-88EA-4C8450DA5B7C}" dt="2023-01-08T07:53:32.928" v="1142" actId="20577"/>
+          <ac:spMkLst>
+            <pc:docMk/>
+            <pc:sldMk cId="3119075717" sldId="265"/>
+            <ac:spMk id="3" creationId="{7E13E4AD-E1CB-49FF-A07F-F7CA0DBBF794}"/>
+          </ac:spMkLst>
+        </pc:spChg>
+        <pc:spChg chg="add">
+          <ac:chgData name="Бурлаков Илья" userId="421651f7c7e77a74" providerId="LiveId" clId="{D3BFDA4D-75E1-4BB0-88EA-4C8450DA5B7C}" dt="2023-01-08T08:21:25.704" v="1801"/>
+          <ac:spMkLst>
+            <pc:docMk/>
+            <pc:sldMk cId="3119075717" sldId="265"/>
+            <ac:spMk id="4" creationId="{C7FA4E9F-FDC4-418C-84BE-ADA9829A97EB}"/>
+          </ac:spMkLst>
+        </pc:spChg>
+      </pc:sldChg>
+      <pc:sldChg chg="addSp modSp mod ord">
+        <pc:chgData name="Бурлаков Илья" userId="421651f7c7e77a74" providerId="LiveId" clId="{D3BFDA4D-75E1-4BB0-88EA-4C8450DA5B7C}" dt="2023-01-08T08:21:25.704" v="1801"/>
+        <pc:sldMkLst>
+          <pc:docMk/>
+          <pc:sldMk cId="782455063" sldId="266"/>
+        </pc:sldMkLst>
+        <pc:spChg chg="mod">
+          <ac:chgData name="Бурлаков Илья" userId="421651f7c7e77a74" providerId="LiveId" clId="{D3BFDA4D-75E1-4BB0-88EA-4C8450DA5B7C}" dt="2023-01-08T07:48:35.272" v="1113" actId="20577"/>
+          <ac:spMkLst>
+            <pc:docMk/>
+            <pc:sldMk cId="782455063" sldId="266"/>
+            <ac:spMk id="2" creationId="{47E75CCB-7293-444D-B22B-99FF5F44CB03}"/>
+          </ac:spMkLst>
+        </pc:spChg>
+        <pc:spChg chg="add">
+          <ac:chgData name="Бурлаков Илья" userId="421651f7c7e77a74" providerId="LiveId" clId="{D3BFDA4D-75E1-4BB0-88EA-4C8450DA5B7C}" dt="2023-01-08T08:21:25.704" v="1801"/>
+          <ac:spMkLst>
+            <pc:docMk/>
+            <pc:sldMk cId="782455063" sldId="266"/>
+            <ac:spMk id="3" creationId="{8F8644A4-F60D-409D-99BC-8FE9CC2DB997}"/>
+          </ac:spMkLst>
+        </pc:spChg>
+      </pc:sldChg>
+      <pc:sldChg chg="addSp modSp mod ord">
+        <pc:chgData name="Бурлаков Илья" userId="421651f7c7e77a74" providerId="LiveId" clId="{D3BFDA4D-75E1-4BB0-88EA-4C8450DA5B7C}" dt="2023-01-08T08:21:25.704" v="1801"/>
+        <pc:sldMkLst>
+          <pc:docMk/>
+          <pc:sldMk cId="242446589" sldId="267"/>
+        </pc:sldMkLst>
+        <pc:spChg chg="mod">
+          <ac:chgData name="Бурлаков Илья" userId="421651f7c7e77a74" providerId="LiveId" clId="{D3BFDA4D-75E1-4BB0-88EA-4C8450DA5B7C}" dt="2023-01-08T07:52:07.006" v="1136" actId="20577"/>
+          <ac:spMkLst>
+            <pc:docMk/>
+            <pc:sldMk cId="242446589" sldId="267"/>
+            <ac:spMk id="2" creationId="{206A3440-1942-41C6-88D0-3296CEB61B67}"/>
+          </ac:spMkLst>
+        </pc:spChg>
+        <pc:spChg chg="add mod">
+          <ac:chgData name="Бурлаков Илья" userId="421651f7c7e77a74" providerId="LiveId" clId="{D3BFDA4D-75E1-4BB0-88EA-4C8450DA5B7C}" dt="2023-01-08T08:09:33.286" v="1582" actId="404"/>
+          <ac:spMkLst>
+            <pc:docMk/>
+            <pc:sldMk cId="242446589" sldId="267"/>
+            <ac:spMk id="3" creationId="{FC92E169-71FF-464E-B631-E71E76C9B764}"/>
+          </ac:spMkLst>
+        </pc:spChg>
+        <pc:spChg chg="add">
+          <ac:chgData name="Бурлаков Илья" userId="421651f7c7e77a74" providerId="LiveId" clId="{D3BFDA4D-75E1-4BB0-88EA-4C8450DA5B7C}" dt="2023-01-08T08:21:25.704" v="1801"/>
+          <ac:spMkLst>
+            <pc:docMk/>
+            <pc:sldMk cId="242446589" sldId="267"/>
+            <ac:spMk id="4" creationId="{ADC1A330-63DB-4843-910D-45EADD442C99}"/>
+          </ac:spMkLst>
+        </pc:spChg>
+        <pc:picChg chg="mod">
+          <ac:chgData name="Бурлаков Илья" userId="421651f7c7e77a74" providerId="LiveId" clId="{D3BFDA4D-75E1-4BB0-88EA-4C8450DA5B7C}" dt="2023-01-08T07:51:42.253" v="1119" actId="14100"/>
+          <ac:picMkLst>
+            <pc:docMk/>
+            <pc:sldMk cId="242446589" sldId="267"/>
+            <ac:picMk id="13" creationId="{4BF92414-0AD7-4407-A376-F85BB82E67F2}"/>
+          </ac:picMkLst>
+        </pc:picChg>
+      </pc:sldChg>
+      <pc:sldChg chg="addSp modSp mod">
+        <pc:chgData name="Бурлаков Илья" userId="421651f7c7e77a74" providerId="LiveId" clId="{D3BFDA4D-75E1-4BB0-88EA-4C8450DA5B7C}" dt="2023-01-08T08:21:25.704" v="1801"/>
+        <pc:sldMkLst>
+          <pc:docMk/>
+          <pc:sldMk cId="3955348596" sldId="268"/>
+        </pc:sldMkLst>
+        <pc:spChg chg="mod">
+          <ac:chgData name="Бурлаков Илья" userId="421651f7c7e77a74" providerId="LiveId" clId="{D3BFDA4D-75E1-4BB0-88EA-4C8450DA5B7C}" dt="2023-01-08T07:23:46.720" v="977" actId="20577"/>
+          <ac:spMkLst>
+            <pc:docMk/>
+            <pc:sldMk cId="3955348596" sldId="268"/>
+            <ac:spMk id="2" creationId="{E750F1A4-C46A-4533-93D5-83ABE046E914}"/>
+          </ac:spMkLst>
+        </pc:spChg>
+        <pc:spChg chg="add mod">
+          <ac:chgData name="Бурлаков Илья" userId="421651f7c7e77a74" providerId="LiveId" clId="{D3BFDA4D-75E1-4BB0-88EA-4C8450DA5B7C}" dt="2023-01-08T07:25:38.820" v="1047" actId="20577"/>
+          <ac:spMkLst>
+            <pc:docMk/>
+            <pc:sldMk cId="3955348596" sldId="268"/>
+            <ac:spMk id="3" creationId="{9829CADA-93CF-490B-ABF1-A5BCACFADED1}"/>
+          </ac:spMkLst>
+        </pc:spChg>
+        <pc:spChg chg="add">
+          <ac:chgData name="Бурлаков Илья" userId="421651f7c7e77a74" providerId="LiveId" clId="{D3BFDA4D-75E1-4BB0-88EA-4C8450DA5B7C}" dt="2023-01-08T08:21:25.704" v="1801"/>
+          <ac:spMkLst>
+            <pc:docMk/>
+            <pc:sldMk cId="3955348596" sldId="268"/>
+            <ac:spMk id="4" creationId="{9556CE1D-BD61-4FB7-8EE9-79D2DFC5C315}"/>
+          </ac:spMkLst>
+        </pc:spChg>
+        <pc:picChg chg="mod modCrop">
+          <ac:chgData name="Бурлаков Илья" userId="421651f7c7e77a74" providerId="LiveId" clId="{D3BFDA4D-75E1-4BB0-88EA-4C8450DA5B7C}" dt="2023-01-08T07:23:08.338" v="937" actId="732"/>
+          <ac:picMkLst>
+            <pc:docMk/>
+            <pc:sldMk cId="3955348596" sldId="268"/>
+            <ac:picMk id="5" creationId="{E92E5594-3893-4F18-838F-BA2437EF0549}"/>
+          </ac:picMkLst>
+        </pc:picChg>
+        <pc:picChg chg="mod modCrop">
+          <ac:chgData name="Бурлаков Илья" userId="421651f7c7e77a74" providerId="LiveId" clId="{D3BFDA4D-75E1-4BB0-88EA-4C8450DA5B7C}" dt="2023-01-08T07:23:30.052" v="941" actId="732"/>
+          <ac:picMkLst>
+            <pc:docMk/>
+            <pc:sldMk cId="3955348596" sldId="268"/>
+            <ac:picMk id="7" creationId="{263EC222-B6A6-484A-B5F5-8D6C5BA6AE19}"/>
+          </ac:picMkLst>
+        </pc:picChg>
+      </pc:sldChg>
+      <pc:sldChg chg="addSp modSp mod ord">
+        <pc:chgData name="Бурлаков Илья" userId="421651f7c7e77a74" providerId="LiveId" clId="{D3BFDA4D-75E1-4BB0-88EA-4C8450DA5B7C}" dt="2023-01-08T08:21:25.704" v="1801"/>
+        <pc:sldMkLst>
+          <pc:docMk/>
+          <pc:sldMk cId="597353075" sldId="269"/>
+        </pc:sldMkLst>
+        <pc:spChg chg="mod">
+          <ac:chgData name="Бурлаков Илья" userId="421651f7c7e77a74" providerId="LiveId" clId="{D3BFDA4D-75E1-4BB0-88EA-4C8450DA5B7C}" dt="2023-01-08T08:11:41.918" v="1663" actId="20577"/>
+          <ac:spMkLst>
+            <pc:docMk/>
+            <pc:sldMk cId="597353075" sldId="269"/>
+            <ac:spMk id="2" creationId="{50032F43-9947-4602-8A47-2C86092D6306}"/>
+          </ac:spMkLst>
+        </pc:spChg>
+        <pc:spChg chg="add">
+          <ac:chgData name="Бурлаков Илья" userId="421651f7c7e77a74" providerId="LiveId" clId="{D3BFDA4D-75E1-4BB0-88EA-4C8450DA5B7C}" dt="2023-01-08T08:21:25.704" v="1801"/>
+          <ac:spMkLst>
+            <pc:docMk/>
+            <pc:sldMk cId="597353075" sldId="269"/>
+            <ac:spMk id="3" creationId="{E0125259-671E-4215-BE3F-0428E92186F2}"/>
+          </ac:spMkLst>
+        </pc:spChg>
+      </pc:sldChg>
+      <pc:sldChg chg="addSp delSp modSp new mod">
+        <pc:chgData name="Бурлаков Илья" userId="421651f7c7e77a74" providerId="LiveId" clId="{D3BFDA4D-75E1-4BB0-88EA-4C8450DA5B7C}" dt="2023-01-08T08:21:25.704" v="1801"/>
+        <pc:sldMkLst>
+          <pc:docMk/>
+          <pc:sldMk cId="3731822640" sldId="270"/>
+        </pc:sldMkLst>
+        <pc:spChg chg="mod">
+          <ac:chgData name="Бурлаков Илья" userId="421651f7c7e77a74" providerId="LiveId" clId="{D3BFDA4D-75E1-4BB0-88EA-4C8450DA5B7C}" dt="2023-01-08T07:26:03.056" v="1058" actId="20577"/>
+          <ac:spMkLst>
+            <pc:docMk/>
+            <pc:sldMk cId="3731822640" sldId="270"/>
+            <ac:spMk id="2" creationId="{2902B110-33EF-4253-86F5-DA70308D6076}"/>
+          </ac:spMkLst>
+        </pc:spChg>
+        <pc:spChg chg="del">
+          <ac:chgData name="Бурлаков Илья" userId="421651f7c7e77a74" providerId="LiveId" clId="{D3BFDA4D-75E1-4BB0-88EA-4C8450DA5B7C}" dt="2023-01-05T11:51:57.581" v="36"/>
+          <ac:spMkLst>
+            <pc:docMk/>
+            <pc:sldMk cId="3731822640" sldId="270"/>
+            <ac:spMk id="3" creationId="{619025F6-5DC2-4CBC-BC38-39C5CAC349C8}"/>
+          </ac:spMkLst>
+        </pc:spChg>
+        <pc:spChg chg="add">
+          <ac:chgData name="Бурлаков Илья" userId="421651f7c7e77a74" providerId="LiveId" clId="{D3BFDA4D-75E1-4BB0-88EA-4C8450DA5B7C}" dt="2023-01-08T08:21:25.704" v="1801"/>
+          <ac:spMkLst>
+            <pc:docMk/>
+            <pc:sldMk cId="3731822640" sldId="270"/>
+            <ac:spMk id="3" creationId="{8F0F98C0-81A7-4F8E-9EDF-1AE6817CC51A}"/>
+          </ac:spMkLst>
+        </pc:spChg>
+        <pc:picChg chg="add mod ord">
+          <ac:chgData name="Бурлаков Илья" userId="421651f7c7e77a74" providerId="LiveId" clId="{D3BFDA4D-75E1-4BB0-88EA-4C8450DA5B7C}" dt="2023-01-05T11:54:33.119" v="46" actId="1076"/>
+          <ac:picMkLst>
+            <pc:docMk/>
+            <pc:sldMk cId="3731822640" sldId="270"/>
+            <ac:picMk id="5" creationId="{4CAEB3C4-FF99-4E2E-BB4A-4735456C3004}"/>
+          </ac:picMkLst>
+        </pc:picChg>
+        <pc:picChg chg="add del mod modCrop">
+          <ac:chgData name="Бурлаков Илья" userId="421651f7c7e77a74" providerId="LiveId" clId="{D3BFDA4D-75E1-4BB0-88EA-4C8450DA5B7C}" dt="2023-01-05T11:56:23.023" v="68" actId="478"/>
+          <ac:picMkLst>
+            <pc:docMk/>
+            <pc:sldMk cId="3731822640" sldId="270"/>
+            <ac:picMk id="6" creationId="{E4238BF5-2ECE-4A72-A4FC-102B2F08AE77}"/>
+          </ac:picMkLst>
+        </pc:picChg>
+        <pc:picChg chg="add del mod modCrop">
+          <ac:chgData name="Бурлаков Илья" userId="421651f7c7e77a74" providerId="LiveId" clId="{D3BFDA4D-75E1-4BB0-88EA-4C8450DA5B7C}" dt="2023-01-05T11:57:23.730" v="75" actId="478"/>
+          <ac:picMkLst>
+            <pc:docMk/>
+            <pc:sldMk cId="3731822640" sldId="270"/>
+            <ac:picMk id="8" creationId="{8DBFC8C6-FBBD-471D-BDF3-13B1B4D10B1E}"/>
+          </ac:picMkLst>
+        </pc:picChg>
+        <pc:picChg chg="add mod">
+          <ac:chgData name="Бурлаков Илья" userId="421651f7c7e77a74" providerId="LiveId" clId="{D3BFDA4D-75E1-4BB0-88EA-4C8450DA5B7C}" dt="2023-01-05T11:57:29.705" v="77" actId="1076"/>
+          <ac:picMkLst>
+            <pc:docMk/>
+            <pc:sldMk cId="3731822640" sldId="270"/>
+            <ac:picMk id="10" creationId="{053A18BC-AA7D-4DC0-934D-BD70424485C8}"/>
+          </ac:picMkLst>
+        </pc:picChg>
+      </pc:sldChg>
+      <pc:sldChg chg="addSp delSp modSp new mod">
+        <pc:chgData name="Бурлаков Илья" userId="421651f7c7e77a74" providerId="LiveId" clId="{D3BFDA4D-75E1-4BB0-88EA-4C8450DA5B7C}" dt="2023-01-08T08:21:25.704" v="1801"/>
+        <pc:sldMkLst>
+          <pc:docMk/>
+          <pc:sldMk cId="980304354" sldId="271"/>
+        </pc:sldMkLst>
+        <pc:spChg chg="mod">
+          <ac:chgData name="Бурлаков Илья" userId="421651f7c7e77a74" providerId="LiveId" clId="{D3BFDA4D-75E1-4BB0-88EA-4C8450DA5B7C}" dt="2023-01-08T07:54:12.765" v="1185" actId="20577"/>
+          <ac:spMkLst>
+            <pc:docMk/>
+            <pc:sldMk cId="980304354" sldId="271"/>
+            <ac:spMk id="2" creationId="{E04A7298-58A8-4E77-BF4E-C17E2F183468}"/>
+          </ac:spMkLst>
+        </pc:spChg>
+        <pc:spChg chg="del">
+          <ac:chgData name="Бурлаков Илья" userId="421651f7c7e77a74" providerId="LiveId" clId="{D3BFDA4D-75E1-4BB0-88EA-4C8450DA5B7C}" dt="2023-01-07T13:13:46.920" v="119"/>
+          <ac:spMkLst>
+            <pc:docMk/>
+            <pc:sldMk cId="980304354" sldId="271"/>
+            <ac:spMk id="3" creationId="{D4D27A8F-AF15-4237-9650-03CB57972F5A}"/>
+          </ac:spMkLst>
+        </pc:spChg>
+        <pc:spChg chg="add">
+          <ac:chgData name="Бурлаков Илья" userId="421651f7c7e77a74" providerId="LiveId" clId="{D3BFDA4D-75E1-4BB0-88EA-4C8450DA5B7C}" dt="2023-01-08T08:21:25.704" v="1801"/>
+          <ac:spMkLst>
+            <pc:docMk/>
+            <pc:sldMk cId="980304354" sldId="271"/>
+            <ac:spMk id="3" creationId="{E5DAE80C-12A3-4B58-8029-0A2A121BC73C}"/>
+          </ac:spMkLst>
+        </pc:spChg>
+        <pc:picChg chg="add mod ord">
+          <ac:chgData name="Бурлаков Илья" userId="421651f7c7e77a74" providerId="LiveId" clId="{D3BFDA4D-75E1-4BB0-88EA-4C8450DA5B7C}" dt="2023-01-07T13:13:46.920" v="119"/>
+          <ac:picMkLst>
+            <pc:docMk/>
+            <pc:sldMk cId="980304354" sldId="271"/>
+            <ac:picMk id="5" creationId="{937B20B5-C1DC-4889-BC8F-75600D1455D6}"/>
+          </ac:picMkLst>
+        </pc:picChg>
+      </pc:sldChg>
+      <pc:sldChg chg="addSp modSp new mod">
+        <pc:chgData name="Бурлаков Илья" userId="421651f7c7e77a74" providerId="LiveId" clId="{D3BFDA4D-75E1-4BB0-88EA-4C8450DA5B7C}" dt="2023-01-08T08:21:25.704" v="1801"/>
+        <pc:sldMkLst>
+          <pc:docMk/>
+          <pc:sldMk cId="1447176953" sldId="272"/>
+        </pc:sldMkLst>
+        <pc:spChg chg="mod">
+          <ac:chgData name="Бурлаков Илья" userId="421651f7c7e77a74" providerId="LiveId" clId="{D3BFDA4D-75E1-4BB0-88EA-4C8450DA5B7C}" dt="2023-01-08T08:18:20.514" v="1734" actId="1076"/>
+          <ac:spMkLst>
+            <pc:docMk/>
+            <pc:sldMk cId="1447176953" sldId="272"/>
+            <ac:spMk id="2" creationId="{FF06CF63-AA01-49BE-AC28-7187A6341A7D}"/>
+          </ac:spMkLst>
+        </pc:spChg>
+        <pc:spChg chg="mod">
+          <ac:chgData name="Бурлаков Илья" userId="421651f7c7e77a74" providerId="LiveId" clId="{D3BFDA4D-75E1-4BB0-88EA-4C8450DA5B7C}" dt="2023-01-08T08:19:07.911" v="1797" actId="20577"/>
+          <ac:spMkLst>
+            <pc:docMk/>
+            <pc:sldMk cId="1447176953" sldId="272"/>
+            <ac:spMk id="3" creationId="{5D197CC2-D298-466A-BBE0-0C2248A932C6}"/>
+          </ac:spMkLst>
+        </pc:spChg>
+        <pc:spChg chg="add">
+          <ac:chgData name="Бурлаков Илья" userId="421651f7c7e77a74" providerId="LiveId" clId="{D3BFDA4D-75E1-4BB0-88EA-4C8450DA5B7C}" dt="2023-01-08T08:21:25.704" v="1801"/>
+          <ac:spMkLst>
+            <pc:docMk/>
+            <pc:sldMk cId="1447176953" sldId="272"/>
+            <ac:spMk id="5" creationId="{6506F552-C260-4A61-84D9-8B33BC7CE980}"/>
+          </ac:spMkLst>
+        </pc:spChg>
+        <pc:graphicFrameChg chg="add mod modGraphic">
+          <ac:chgData name="Бурлаков Илья" userId="421651f7c7e77a74" providerId="LiveId" clId="{D3BFDA4D-75E1-4BB0-88EA-4C8450DA5B7C}" dt="2023-01-08T08:18:31.834" v="1736" actId="1076"/>
+          <ac:graphicFrameMkLst>
+            <pc:docMk/>
+            <pc:sldMk cId="1447176953" sldId="272"/>
+            <ac:graphicFrameMk id="4" creationId="{5516F915-C546-4500-830C-6E41BB24CC64}"/>
+          </ac:graphicFrameMkLst>
+        </pc:graphicFrameChg>
+      </pc:sldChg>
+      <pc:sldChg chg="modSp new del mod">
+        <pc:chgData name="Бурлаков Илья" userId="421651f7c7e77a74" providerId="LiveId" clId="{D3BFDA4D-75E1-4BB0-88EA-4C8450DA5B7C}" dt="2023-01-08T07:23:55.321" v="978" actId="2696"/>
+        <pc:sldMkLst>
+          <pc:docMk/>
+          <pc:sldMk cId="1018306128" sldId="273"/>
+        </pc:sldMkLst>
+        <pc:spChg chg="mod">
+          <ac:chgData name="Бурлаков Илья" userId="421651f7c7e77a74" providerId="LiveId" clId="{D3BFDA4D-75E1-4BB0-88EA-4C8450DA5B7C}" dt="2023-01-08T07:21:21.406" v="929" actId="20577"/>
+          <ac:spMkLst>
+            <pc:docMk/>
+            <pc:sldMk cId="1018306128" sldId="273"/>
+            <ac:spMk id="2" creationId="{EF6264C7-A403-4575-9F17-25A88D84087D}"/>
+          </ac:spMkLst>
+        </pc:spChg>
+      </pc:sldChg>
+      <pc:sldChg chg="new del">
+        <pc:chgData name="Бурлаков Илья" userId="421651f7c7e77a74" providerId="LiveId" clId="{D3BFDA4D-75E1-4BB0-88EA-4C8450DA5B7C}" dt="2023-01-08T05:55:19.207" v="183" actId="2696"/>
+        <pc:sldMkLst>
+          <pc:docMk/>
+          <pc:sldMk cId="1102150430" sldId="273"/>
+        </pc:sldMkLst>
+      </pc:sldChg>
+      <pc:sldChg chg="delSp modSp new mod">
+        <pc:chgData name="Бурлаков Илья" userId="421651f7c7e77a74" providerId="LiveId" clId="{D3BFDA4D-75E1-4BB0-88EA-4C8450DA5B7C}" dt="2023-01-08T08:23:54.816" v="1839" actId="122"/>
+        <pc:sldMkLst>
+          <pc:docMk/>
+          <pc:sldMk cId="2430972263" sldId="273"/>
+        </pc:sldMkLst>
+        <pc:spChg chg="mod">
+          <ac:chgData name="Бурлаков Илья" userId="421651f7c7e77a74" providerId="LiveId" clId="{D3BFDA4D-75E1-4BB0-88EA-4C8450DA5B7C}" dt="2023-01-08T08:23:54.816" v="1839" actId="122"/>
+          <ac:spMkLst>
+            <pc:docMk/>
+            <pc:sldMk cId="2430972263" sldId="273"/>
+            <ac:spMk id="2" creationId="{72B6967A-6F20-4DD0-ADC1-27FACD2F9B3B}"/>
+          </ac:spMkLst>
+        </pc:spChg>
+        <pc:spChg chg="del mod">
+          <ac:chgData name="Бурлаков Илья" userId="421651f7c7e77a74" providerId="LiveId" clId="{D3BFDA4D-75E1-4BB0-88EA-4C8450DA5B7C}" dt="2023-01-08T08:23:35.452" v="1808" actId="478"/>
+          <ac:spMkLst>
+            <pc:docMk/>
+            <pc:sldMk cId="2430972263" sldId="273"/>
+            <ac:spMk id="3" creationId="{6E82C032-6673-465F-A13A-C84F7EFD7AA1}"/>
+          </ac:spMkLst>
+        </pc:spChg>
+      </pc:sldChg>
+    </pc:docChg>
+  </pc:docChgLst>
+</pc:chgInfo>
+</file>
+
+<file path=ppt/notesMasters/notesMaster1.xml><?xml version="1.0" encoding="utf-8"?>
+<p:notesMaster xmlns:a="http://schemas.openxmlformats.org/drawingml/2006/main" xmlns:r="http://schemas.openxmlformats.org/officeDocument/2006/relationships" xmlns:p="http://schemas.openxmlformats.org/presentationml/2006/main">
+  <p:cSld>
+    <p:bg>
+      <p:bgRef idx="1001">
+        <a:schemeClr val="bg1"/>
+      </p:bgRef>
+    </p:bg>
+    <p:spTree>
+      <p:nvGrpSpPr>
+        <p:cNvPr id="1" name=""/>
+        <p:cNvGrpSpPr/>
+        <p:nvPr/>
+      </p:nvGrpSpPr>
+      <p:grpSpPr>
+        <a:xfrm>
+          <a:off x="0" y="0"/>
+          <a:ext cx="0" cy="0"/>
+          <a:chOff x="0" y="0"/>
+          <a:chExt cx="0" cy="0"/>
+        </a:xfrm>
+      </p:grpSpPr>
+      <p:sp>
+        <p:nvSpPr>
+          <p:cNvPr id="2" name="Верхний колонтитул 1"/>
+          <p:cNvSpPr>
+            <a:spLocks noGrp="1"/>
+          </p:cNvSpPr>
+          <p:nvPr>
+            <p:ph type="hdr" sz="quarter"/>
+          </p:nvPr>
+        </p:nvSpPr>
+        <p:spPr>
+          <a:xfrm>
+            <a:off x="0" y="0"/>
+            <a:ext cx="2971800" cy="458788"/>
+          </a:xfrm>
+          <a:prstGeom prst="rect">
+            <a:avLst/>
+          </a:prstGeom>
+        </p:spPr>
+        <p:txBody>
+          <a:bodyPr vert="horz" lIns="91440" tIns="45720" rIns="91440" bIns="45720" rtlCol="0"/>
+          <a:lstStyle>
+            <a:lvl1pPr algn="l">
+              <a:defRPr sz="1200"/>
+            </a:lvl1pPr>
+          </a:lstStyle>
+          <a:p>
+            <a:endParaRPr lang="ru-RU"/>
+          </a:p>
+        </p:txBody>
+      </p:sp>
+      <p:sp>
+        <p:nvSpPr>
+          <p:cNvPr id="3" name="Дата 2"/>
+          <p:cNvSpPr>
+            <a:spLocks noGrp="1"/>
+          </p:cNvSpPr>
+          <p:nvPr>
+            <p:ph type="dt" idx="1"/>
+          </p:nvPr>
+        </p:nvSpPr>
+        <p:spPr>
+          <a:xfrm>
+            <a:off x="3884613" y="0"/>
+            <a:ext cx="2971800" cy="458788"/>
+          </a:xfrm>
+          <a:prstGeom prst="rect">
+            <a:avLst/>
+          </a:prstGeom>
+        </p:spPr>
+        <p:txBody>
+          <a:bodyPr vert="horz" lIns="91440" tIns="45720" rIns="91440" bIns="45720" rtlCol="0"/>
+          <a:lstStyle>
+            <a:lvl1pPr algn="r">
+              <a:defRPr sz="1200"/>
+            </a:lvl1pPr>
+          </a:lstStyle>
+          <a:p>
+            <a:fld id="{CF7115F3-DAAC-47D8-B0AD-8D93AF4FF2E5}" type="datetimeFigureOut">
+              <a:rPr lang="ru-RU" smtClean="0"/>
+              <a:t>08.01.2023</a:t>
+            </a:fld>
+            <a:endParaRPr lang="ru-RU"/>
+          </a:p>
+        </p:txBody>
+      </p:sp>
+      <p:sp>
+        <p:nvSpPr>
+          <p:cNvPr id="4" name="Образ слайда 3"/>
+          <p:cNvSpPr>
+            <a:spLocks noGrp="1" noRot="1" noChangeAspect="1"/>
+          </p:cNvSpPr>
+          <p:nvPr>
+            <p:ph type="sldImg" idx="2"/>
+          </p:nvPr>
+        </p:nvSpPr>
+        <p:spPr>
+          <a:xfrm>
+            <a:off x="685800" y="1143000"/>
+            <a:ext cx="5486400" cy="3086100"/>
+          </a:xfrm>
+          <a:prstGeom prst="rect">
+            <a:avLst/>
+          </a:prstGeom>
+          <a:noFill/>
+          <a:ln w="12700">
+            <a:solidFill>
+              <a:prstClr val="black"/>
+            </a:solidFill>
+          </a:ln>
+        </p:spPr>
+        <p:txBody>
+          <a:bodyPr vert="horz" lIns="91440" tIns="45720" rIns="91440" bIns="45720" rtlCol="0" anchor="ctr"/>
+          <a:lstStyle/>
+          <a:p>
+            <a:endParaRPr lang="ru-RU"/>
+          </a:p>
+        </p:txBody>
+      </p:sp>
+      <p:sp>
+        <p:nvSpPr>
+          <p:cNvPr id="5" name="Заметки 4"/>
+          <p:cNvSpPr>
+            <a:spLocks noGrp="1"/>
+          </p:cNvSpPr>
+          <p:nvPr>
+            <p:ph type="body" sz="quarter" idx="3"/>
+          </p:nvPr>
+        </p:nvSpPr>
+        <p:spPr>
+          <a:xfrm>
+            <a:off x="685800" y="4400550"/>
+            <a:ext cx="5486400" cy="3600450"/>
+          </a:xfrm>
+          <a:prstGeom prst="rect">
+            <a:avLst/>
+          </a:prstGeom>
+        </p:spPr>
+        <p:txBody>
+          <a:bodyPr vert="horz" lIns="91440" tIns="45720" rIns="91440" bIns="45720" rtlCol="0"/>
+          <a:lstStyle/>
+          <a:p>
+            <a:pPr lvl="0"/>
+            <a:r>
+              <a:rPr lang="ru-RU"/>
+              <a:t>Образец текста</a:t>
+            </a:r>
+          </a:p>
+          <a:p>
+            <a:pPr lvl="1"/>
+            <a:r>
+              <a:rPr lang="ru-RU"/>
+              <a:t>Второй уровень</a:t>
+            </a:r>
+          </a:p>
+          <a:p>
+            <a:pPr lvl="2"/>
+            <a:r>
+              <a:rPr lang="ru-RU"/>
+              <a:t>Третий уровень</a:t>
+            </a:r>
+          </a:p>
+          <a:p>
+            <a:pPr lvl="3"/>
+            <a:r>
+              <a:rPr lang="ru-RU"/>
+              <a:t>Четвертый уровень</a:t>
+            </a:r>
+          </a:p>
+          <a:p>
+            <a:pPr lvl="4"/>
+            <a:r>
+              <a:rPr lang="ru-RU"/>
+              <a:t>Пятый уровень</a:t>
+            </a:r>
+          </a:p>
+        </p:txBody>
+      </p:sp>
+      <p:sp>
+        <p:nvSpPr>
+          <p:cNvPr id="6" name="Нижний колонтитул 5"/>
+          <p:cNvSpPr>
+            <a:spLocks noGrp="1"/>
+          </p:cNvSpPr>
+          <p:nvPr>
+            <p:ph type="ftr" sz="quarter" idx="4"/>
+          </p:nvPr>
+        </p:nvSpPr>
+        <p:spPr>
+          <a:xfrm>
+            <a:off x="0" y="8685213"/>
+            <a:ext cx="2971800" cy="458787"/>
+          </a:xfrm>
+          <a:prstGeom prst="rect">
+            <a:avLst/>
+          </a:prstGeom>
+        </p:spPr>
+        <p:txBody>
+          <a:bodyPr vert="horz" lIns="91440" tIns="45720" rIns="91440" bIns="45720" rtlCol="0" anchor="b"/>
+          <a:lstStyle>
+            <a:lvl1pPr algn="l">
+              <a:defRPr sz="1200"/>
+            </a:lvl1pPr>
+          </a:lstStyle>
+          <a:p>
+            <a:endParaRPr lang="ru-RU"/>
+          </a:p>
+        </p:txBody>
+      </p:sp>
+      <p:sp>
+        <p:nvSpPr>
+          <p:cNvPr id="7" name="Номер слайда 6"/>
+          <p:cNvSpPr>
+            <a:spLocks noGrp="1"/>
+          </p:cNvSpPr>
+          <p:nvPr>
+            <p:ph type="sldNum" sz="quarter" idx="5"/>
+          </p:nvPr>
+        </p:nvSpPr>
+        <p:spPr>
+          <a:xfrm>
+            <a:off x="3884613" y="8685213"/>
+            <a:ext cx="2971800" cy="458787"/>
+          </a:xfrm>
+          <a:prstGeom prst="rect">
+            <a:avLst/>
+          </a:prstGeom>
+        </p:spPr>
+        <p:txBody>
+          <a:bodyPr vert="horz" lIns="91440" tIns="45720" rIns="91440" bIns="45720" rtlCol="0" anchor="b"/>
+          <a:lstStyle>
+            <a:lvl1pPr algn="r">
+              <a:defRPr sz="1200"/>
+            </a:lvl1pPr>
+          </a:lstStyle>
+          <a:p>
+            <a:fld id="{CA2463A1-4810-4DF2-B21A-7B3E67BBBE75}" type="slidenum">
+              <a:rPr lang="ru-RU" smtClean="0"/>
+              <a:t>‹#›</a:t>
+            </a:fld>
+            <a:endParaRPr lang="ru-RU"/>
+          </a:p>
+        </p:txBody>
+      </p:sp>
+    </p:spTree>
+    <p:extLst>
+      <p:ext uri="{BB962C8B-B14F-4D97-AF65-F5344CB8AC3E}">
+        <p14:creationId xmlns:p14="http://schemas.microsoft.com/office/powerpoint/2010/main" val="1969035809"/>
+      </p:ext>
+    </p:extLst>
+  </p:cSld>
+  <p:clrMap bg1="lt1" tx1="dk1" bg2="lt2" tx2="dk2" accent1="accent1" accent2="accent2" accent3="accent3" accent4="accent4" accent5="accent5" accent6="accent6" hlink="hlink" folHlink="folHlink"/>
+  <p:notesStyle>
+    <a:lvl1pPr marL="0" algn="l" defTabSz="914400" rtl="0" eaLnBrk="1" latinLnBrk="0" hangingPunct="1">
+      <a:defRPr sz="1200" kern="1200">
+        <a:solidFill>
+          <a:schemeClr val="tx1"/>
+        </a:solidFill>
+        <a:latin typeface="+mn-lt"/>
+        <a:ea typeface="+mn-ea"/>
+        <a:cs typeface="+mn-cs"/>
+      </a:defRPr>
+    </a:lvl1pPr>
+    <a:lvl2pPr marL="457200" algn="l" defTabSz="914400" rtl="0" eaLnBrk="1" latinLnBrk="0" hangingPunct="1">
+      <a:defRPr sz="1200" kern="1200">
+        <a:solidFill>
+          <a:schemeClr val="tx1"/>
+        </a:solidFill>
+        <a:latin typeface="+mn-lt"/>
+        <a:ea typeface="+mn-ea"/>
+        <a:cs typeface="+mn-cs"/>
+      </a:defRPr>
+    </a:lvl2pPr>
+    <a:lvl3pPr marL="914400" algn="l" defTabSz="914400" rtl="0" eaLnBrk="1" latinLnBrk="0" hangingPunct="1">
+      <a:defRPr sz="1200" kern="1200">
+        <a:solidFill>
+          <a:schemeClr val="tx1"/>
+        </a:solidFill>
+        <a:latin typeface="+mn-lt"/>
+        <a:ea typeface="+mn-ea"/>
+        <a:cs typeface="+mn-cs"/>
+      </a:defRPr>
+    </a:lvl3pPr>
+    <a:lvl4pPr marL="1371600" algn="l" defTabSz="914400" rtl="0" eaLnBrk="1" latinLnBrk="0" hangingPunct="1">
+      <a:defRPr sz="1200" kern="1200">
+        <a:solidFill>
+          <a:schemeClr val="tx1"/>
+        </a:solidFill>
+        <a:latin typeface="+mn-lt"/>
+        <a:ea typeface="+mn-ea"/>
+        <a:cs typeface="+mn-cs"/>
+      </a:defRPr>
+    </a:lvl4pPr>
+    <a:lvl5pPr marL="1828800" algn="l" defTabSz="914400" rtl="0" eaLnBrk="1" latinLnBrk="0" hangingPunct="1">
+      <a:defRPr sz="1200" kern="1200">
+        <a:solidFill>
+          <a:schemeClr val="tx1"/>
+        </a:solidFill>
+        <a:latin typeface="+mn-lt"/>
+        <a:ea typeface="+mn-ea"/>
+        <a:cs typeface="+mn-cs"/>
+      </a:defRPr>
+    </a:lvl5pPr>
+    <a:lvl6pPr marL="2286000" algn="l" defTabSz="914400" rtl="0" eaLnBrk="1" latinLnBrk="0" hangingPunct="1">
+      <a:defRPr sz="1200" kern="1200">
+        <a:solidFill>
+          <a:schemeClr val="tx1"/>
+        </a:solidFill>
+        <a:latin typeface="+mn-lt"/>
+        <a:ea typeface="+mn-ea"/>
+        <a:cs typeface="+mn-cs"/>
+      </a:defRPr>
+    </a:lvl6pPr>
+    <a:lvl7pPr marL="2743200" algn="l" defTabSz="914400" rtl="0" eaLnBrk="1" latinLnBrk="0" hangingPunct="1">
+      <a:defRPr sz="1200" kern="1200">
+        <a:solidFill>
+          <a:schemeClr val="tx1"/>
+        </a:solidFill>
+        <a:latin typeface="+mn-lt"/>
+        <a:ea typeface="+mn-ea"/>
+        <a:cs typeface="+mn-cs"/>
+      </a:defRPr>
+    </a:lvl7pPr>
+    <a:lvl8pPr marL="3200400" algn="l" defTabSz="914400" rtl="0" eaLnBrk="1" latinLnBrk="0" hangingPunct="1">
+      <a:defRPr sz="1200" kern="1200">
+        <a:solidFill>
+          <a:schemeClr val="tx1"/>
+        </a:solidFill>
+        <a:latin typeface="+mn-lt"/>
+        <a:ea typeface="+mn-ea"/>
+        <a:cs typeface="+mn-cs"/>
+      </a:defRPr>
+    </a:lvl8pPr>
+    <a:lvl9pPr marL="3657600" algn="l" defTabSz="914400" rtl="0" eaLnBrk="1" latinLnBrk="0" hangingPunct="1">
+      <a:defRPr sz="1200" kern="1200">
+        <a:solidFill>
+          <a:schemeClr val="tx1"/>
+        </a:solidFill>
+        <a:latin typeface="+mn-lt"/>
+        <a:ea typeface="+mn-ea"/>
+        <a:cs typeface="+mn-cs"/>
+      </a:defRPr>
+    </a:lvl9pPr>
+  </p:notesStyle>
+</p:notesMaster>
 </file>
 
 <file path=ppt/slideLayouts/slideLayout1.xml><?xml version="1.0" encoding="utf-8"?>
@@ -281,9 +1146,9 @@
           <a:bodyPr/>
           <a:lstStyle/>
           <a:p>
-            <a:fld id="{9DF06D49-E8C3-4E26-B11B-C6B252DCCBC2}" type="datetimeFigureOut">
+            <a:fld id="{0FB03B81-BC02-4D2B-8544-1D8BF89D9D82}" type="datetime1">
               <a:rPr lang="ru-RU" smtClean="0"/>
-              <a:t>02.01.2023</a:t>
+              <a:t>08.01.2023</a:t>
             </a:fld>
             <a:endParaRPr lang="ru-RU"/>
           </a:p>
@@ -479,9 +1344,9 @@
           <a:bodyPr/>
           <a:lstStyle/>
           <a:p>
-            <a:fld id="{9DF06D49-E8C3-4E26-B11B-C6B252DCCBC2}" type="datetimeFigureOut">
+            <a:fld id="{B8E3E3F2-3828-48D7-A73C-77304DE35259}" type="datetime1">
               <a:rPr lang="ru-RU" smtClean="0"/>
-              <a:t>02.01.2023</a:t>
+              <a:t>08.01.2023</a:t>
             </a:fld>
             <a:endParaRPr lang="ru-RU"/>
           </a:p>
@@ -687,9 +1552,9 @@
           <a:bodyPr/>
           <a:lstStyle/>
           <a:p>
-            <a:fld id="{9DF06D49-E8C3-4E26-B11B-C6B252DCCBC2}" type="datetimeFigureOut">
+            <a:fld id="{E046AC51-696B-4A25-A274-F1FF383DCE33}" type="datetime1">
               <a:rPr lang="ru-RU" smtClean="0"/>
-              <a:t>02.01.2023</a:t>
+              <a:t>08.01.2023</a:t>
             </a:fld>
             <a:endParaRPr lang="ru-RU"/>
           </a:p>
@@ -885,9 +1750,9 @@
           <a:bodyPr/>
           <a:lstStyle/>
           <a:p>
-            <a:fld id="{9DF06D49-E8C3-4E26-B11B-C6B252DCCBC2}" type="datetimeFigureOut">
+            <a:fld id="{0DCA8091-AC45-4425-87CC-18B85B0C7DE6}" type="datetime1">
               <a:rPr lang="ru-RU" smtClean="0"/>
-              <a:t>02.01.2023</a:t>
+              <a:t>08.01.2023</a:t>
             </a:fld>
             <a:endParaRPr lang="ru-RU"/>
           </a:p>
@@ -1160,9 +2025,9 @@
           <a:bodyPr/>
           <a:lstStyle/>
           <a:p>
-            <a:fld id="{9DF06D49-E8C3-4E26-B11B-C6B252DCCBC2}" type="datetimeFigureOut">
+            <a:fld id="{F73E88FE-26A8-4FF4-9935-1F27F121C4E0}" type="datetime1">
               <a:rPr lang="ru-RU" smtClean="0"/>
-              <a:t>02.01.2023</a:t>
+              <a:t>08.01.2023</a:t>
             </a:fld>
             <a:endParaRPr lang="ru-RU"/>
           </a:p>
@@ -1425,9 +2290,9 @@
           <a:bodyPr/>
           <a:lstStyle/>
           <a:p>
-            <a:fld id="{9DF06D49-E8C3-4E26-B11B-C6B252DCCBC2}" type="datetimeFigureOut">
+            <a:fld id="{12045DB3-1A9B-4A36-8977-F1B8A93C28BA}" type="datetime1">
               <a:rPr lang="ru-RU" smtClean="0"/>
-              <a:t>02.01.2023</a:t>
+              <a:t>08.01.2023</a:t>
             </a:fld>
             <a:endParaRPr lang="ru-RU"/>
           </a:p>
@@ -1837,9 +2702,9 @@
           <a:bodyPr/>
           <a:lstStyle/>
           <a:p>
-            <a:fld id="{9DF06D49-E8C3-4E26-B11B-C6B252DCCBC2}" type="datetimeFigureOut">
+            <a:fld id="{5CBE8D17-1CD2-43B6-B3C2-8151CDB63738}" type="datetime1">
               <a:rPr lang="ru-RU" smtClean="0"/>
-              <a:t>02.01.2023</a:t>
+              <a:t>08.01.2023</a:t>
             </a:fld>
             <a:endParaRPr lang="ru-RU"/>
           </a:p>
@@ -1978,9 +2843,9 @@
           <a:bodyPr/>
           <a:lstStyle/>
           <a:p>
-            <a:fld id="{9DF06D49-E8C3-4E26-B11B-C6B252DCCBC2}" type="datetimeFigureOut">
+            <a:fld id="{EFB94E9D-86EE-4516-A4E4-D9F6AE4CB70A}" type="datetime1">
               <a:rPr lang="ru-RU" smtClean="0"/>
-              <a:t>02.01.2023</a:t>
+              <a:t>08.01.2023</a:t>
             </a:fld>
             <a:endParaRPr lang="ru-RU"/>
           </a:p>
@@ -2091,9 +2956,9 @@
           <a:bodyPr/>
           <a:lstStyle/>
           <a:p>
-            <a:fld id="{9DF06D49-E8C3-4E26-B11B-C6B252DCCBC2}" type="datetimeFigureOut">
+            <a:fld id="{F8D60708-4C19-4A66-8E4D-E36BF991784B}" type="datetime1">
               <a:rPr lang="ru-RU" smtClean="0"/>
-              <a:t>02.01.2023</a:t>
+              <a:t>08.01.2023</a:t>
             </a:fld>
             <a:endParaRPr lang="ru-RU"/>
           </a:p>
@@ -2402,9 +3267,9 @@
           <a:bodyPr/>
           <a:lstStyle/>
           <a:p>
-            <a:fld id="{9DF06D49-E8C3-4E26-B11B-C6B252DCCBC2}" type="datetimeFigureOut">
+            <a:fld id="{292704AC-C8DD-4B62-8652-1C9B7D56290D}" type="datetime1">
               <a:rPr lang="ru-RU" smtClean="0"/>
-              <a:t>02.01.2023</a:t>
+              <a:t>08.01.2023</a:t>
             </a:fld>
             <a:endParaRPr lang="ru-RU"/>
           </a:p>
@@ -2690,9 +3555,9 @@
           <a:bodyPr/>
           <a:lstStyle/>
           <a:p>
-            <a:fld id="{9DF06D49-E8C3-4E26-B11B-C6B252DCCBC2}" type="datetimeFigureOut">
+            <a:fld id="{F0E1AE85-C9F4-49A8-9156-56EFCDC1485C}" type="datetime1">
               <a:rPr lang="ru-RU" smtClean="0"/>
-              <a:t>02.01.2023</a:t>
+              <a:t>08.01.2023</a:t>
             </a:fld>
             <a:endParaRPr lang="ru-RU"/>
           </a:p>
@@ -2931,9 +3796,9 @@
             </a:lvl1pPr>
           </a:lstStyle>
           <a:p>
-            <a:fld id="{9DF06D49-E8C3-4E26-B11B-C6B252DCCBC2}" type="datetimeFigureOut">
+            <a:fld id="{5923A161-D9CE-444D-A322-4A10BC4A154B}" type="datetime1">
               <a:rPr lang="ru-RU" smtClean="0"/>
-              <a:t>02.01.2023</a:t>
+              <a:t>08.01.2023</a:t>
             </a:fld>
             <a:endParaRPr lang="ru-RU"/>
           </a:p>
@@ -3050,6 +3915,7 @@
     <p:sldLayoutId id="2147483658" r:id="rId10"/>
     <p:sldLayoutId id="2147483659" r:id="rId11"/>
   </p:sldLayoutIdLst>
+  <p:hf sldNum="0" hdr="0" dt="0"/>
   <p:txStyles>
     <p:titleStyle>
       <a:lvl1pPr algn="l" defTabSz="914400" rtl="0" eaLnBrk="1" latinLnBrk="0" hangingPunct="1">
@@ -3380,7 +4246,7 @@
           <a:p>
             <a:r>
               <a:rPr lang="ru-RU" dirty="0"/>
-              <a:t>Разработка низкоскоростной дуплексной системы связи для применения в комплексах БПЛА</a:t>
+              <a:t>Разработка ПО для низкоскоростной дуплексной системы связи для применения в комплексах БПЛА</a:t>
             </a:r>
           </a:p>
         </p:txBody>
@@ -3466,12 +4332,38 @@
         </p:nvSpPr>
         <p:spPr/>
         <p:txBody>
-          <a:bodyPr/>
+          <a:bodyPr>
+            <a:normAutofit fontScale="90000"/>
+          </a:bodyPr>
           <a:lstStyle/>
           <a:p>
             <a:r>
               <a:rPr lang="ru-RU" dirty="0"/>
-              <a:t>Корректировка синхронизирующего таймера</a:t>
+              <a:t>Корректировка синхронизирующего таймера (Подписать кадры </a:t>
+            </a:r>
+            <a:r>
+              <a:rPr lang="en-US" dirty="0"/>
+              <a:t>MASTER_REQ </a:t>
+            </a:r>
+            <a:r>
+              <a:rPr lang="ru-RU" dirty="0"/>
+              <a:t>И </a:t>
+            </a:r>
+            <a:r>
+              <a:rPr lang="en-US" dirty="0"/>
+              <a:t>SLAVE_RESP</a:t>
+            </a:r>
+            <a:r>
+              <a:rPr lang="ru-RU" dirty="0"/>
+              <a:t> и сделать несколько </a:t>
+            </a:r>
+            <a:r>
+              <a:rPr lang="ru-RU" dirty="0" err="1"/>
+              <a:t>рассинхронизированных</a:t>
+            </a:r>
+            <a:r>
+              <a:rPr lang="ru-RU" dirty="0"/>
+              <a:t> тайм-слотов и вставить формулы)</a:t>
             </a:r>
           </a:p>
         </p:txBody>
@@ -3511,10 +4403,894 @@
           </a:xfrm>
         </p:spPr>
       </p:pic>
+      <p:sp>
+        <p:nvSpPr>
+          <p:cNvPr id="3" name="Нижний колонтитул 2">
+            <a:extLst>
+              <a:ext uri="{FF2B5EF4-FFF2-40B4-BE49-F238E27FC236}">
+                <a16:creationId xmlns:a16="http://schemas.microsoft.com/office/drawing/2014/main" id="{E0125259-671E-4215-BE3F-0428E92186F2}"/>
+              </a:ext>
+            </a:extLst>
+          </p:cNvPr>
+          <p:cNvSpPr>
+            <a:spLocks noGrp="1"/>
+          </p:cNvSpPr>
+          <p:nvPr>
+            <p:ph type="ftr" sz="quarter" idx="11"/>
+          </p:nvPr>
+        </p:nvSpPr>
+        <p:spPr/>
+        <p:txBody>
+          <a:bodyPr/>
+          <a:lstStyle/>
+          <a:p>
+            <a:endParaRPr lang="ru-RU"/>
+          </a:p>
+        </p:txBody>
+      </p:sp>
     </p:spTree>
     <p:extLst>
       <p:ext uri="{BB962C8B-B14F-4D97-AF65-F5344CB8AC3E}">
         <p14:creationId xmlns:p14="http://schemas.microsoft.com/office/powerpoint/2010/main" val="597353075"/>
+      </p:ext>
+    </p:extLst>
+  </p:cSld>
+  <p:clrMapOvr>
+    <a:masterClrMapping/>
+  </p:clrMapOvr>
+</p:sld>
+</file>
+
+<file path=ppt/slides/slide11.xml><?xml version="1.0" encoding="utf-8"?>
+<p:sld xmlns:a="http://schemas.openxmlformats.org/drawingml/2006/main" xmlns:r="http://schemas.openxmlformats.org/officeDocument/2006/relationships" xmlns:p="http://schemas.openxmlformats.org/presentationml/2006/main">
+  <p:cSld>
+    <p:spTree>
+      <p:nvGrpSpPr>
+        <p:cNvPr id="1" name=""/>
+        <p:cNvGrpSpPr/>
+        <p:nvPr/>
+      </p:nvGrpSpPr>
+      <p:grpSpPr>
+        <a:xfrm>
+          <a:off x="0" y="0"/>
+          <a:ext cx="0" cy="0"/>
+          <a:chOff x="0" y="0"/>
+          <a:chExt cx="0" cy="0"/>
+        </a:xfrm>
+      </p:grpSpPr>
+      <p:sp>
+        <p:nvSpPr>
+          <p:cNvPr id="2" name="Заголовок 1">
+            <a:extLst>
+              <a:ext uri="{FF2B5EF4-FFF2-40B4-BE49-F238E27FC236}">
+                <a16:creationId xmlns:a16="http://schemas.microsoft.com/office/drawing/2014/main" id="{E04A7298-58A8-4E77-BF4E-C17E2F183468}"/>
+              </a:ext>
+            </a:extLst>
+          </p:cNvPr>
+          <p:cNvSpPr>
+            <a:spLocks noGrp="1"/>
+          </p:cNvSpPr>
+          <p:nvPr>
+            <p:ph type="title"/>
+          </p:nvPr>
+        </p:nvSpPr>
+        <p:spPr/>
+        <p:txBody>
+          <a:bodyPr/>
+          <a:lstStyle/>
+          <a:p>
+            <a:r>
+              <a:rPr lang="ru-RU" dirty="0"/>
+              <a:t>Алгоритм стандартного режима работы системы</a:t>
+            </a:r>
+          </a:p>
+        </p:txBody>
+      </p:sp>
+      <p:pic>
+        <p:nvPicPr>
+          <p:cNvPr id="5" name="Объект 4">
+            <a:extLst>
+              <a:ext uri="{FF2B5EF4-FFF2-40B4-BE49-F238E27FC236}">
+                <a16:creationId xmlns:a16="http://schemas.microsoft.com/office/drawing/2014/main" id="{937B20B5-C1DC-4889-BC8F-75600D1455D6}"/>
+              </a:ext>
+            </a:extLst>
+          </p:cNvPr>
+          <p:cNvPicPr>
+            <a:picLocks noGrp="1" noChangeAspect="1"/>
+          </p:cNvPicPr>
+          <p:nvPr>
+            <p:ph idx="1"/>
+          </p:nvPr>
+        </p:nvPicPr>
+        <p:blipFill>
+          <a:blip r:embed="rId2">
+            <a:extLst>
+              <a:ext uri="{28A0092B-C50C-407E-A947-70E740481C1C}">
+                <a14:useLocalDpi xmlns:a14="http://schemas.microsoft.com/office/drawing/2010/main" val="0"/>
+              </a:ext>
+            </a:extLst>
+          </a:blip>
+          <a:stretch>
+            <a:fillRect/>
+          </a:stretch>
+        </p:blipFill>
+        <p:spPr>
+          <a:xfrm>
+            <a:off x="1383332" y="1825625"/>
+            <a:ext cx="9425336" cy="4351338"/>
+          </a:xfrm>
+        </p:spPr>
+      </p:pic>
+      <p:sp>
+        <p:nvSpPr>
+          <p:cNvPr id="3" name="Нижний колонтитул 2">
+            <a:extLst>
+              <a:ext uri="{FF2B5EF4-FFF2-40B4-BE49-F238E27FC236}">
+                <a16:creationId xmlns:a16="http://schemas.microsoft.com/office/drawing/2014/main" id="{E5DAE80C-12A3-4B58-8029-0A2A121BC73C}"/>
+              </a:ext>
+            </a:extLst>
+          </p:cNvPr>
+          <p:cNvSpPr>
+            <a:spLocks noGrp="1"/>
+          </p:cNvSpPr>
+          <p:nvPr>
+            <p:ph type="ftr" sz="quarter" idx="11"/>
+          </p:nvPr>
+        </p:nvSpPr>
+        <p:spPr/>
+        <p:txBody>
+          <a:bodyPr/>
+          <a:lstStyle/>
+          <a:p>
+            <a:endParaRPr lang="ru-RU"/>
+          </a:p>
+        </p:txBody>
+      </p:sp>
+    </p:spTree>
+    <p:extLst>
+      <p:ext uri="{BB962C8B-B14F-4D97-AF65-F5344CB8AC3E}">
+        <p14:creationId xmlns:p14="http://schemas.microsoft.com/office/powerpoint/2010/main" val="980304354"/>
+      </p:ext>
+    </p:extLst>
+  </p:cSld>
+  <p:clrMapOvr>
+    <a:masterClrMapping/>
+  </p:clrMapOvr>
+</p:sld>
+</file>
+
+<file path=ppt/slides/slide12.xml><?xml version="1.0" encoding="utf-8"?>
+<p:sld xmlns:a="http://schemas.openxmlformats.org/drawingml/2006/main" xmlns:r="http://schemas.openxmlformats.org/officeDocument/2006/relationships" xmlns:p="http://schemas.openxmlformats.org/presentationml/2006/main">
+  <p:cSld>
+    <p:spTree>
+      <p:nvGrpSpPr>
+        <p:cNvPr id="1" name=""/>
+        <p:cNvGrpSpPr/>
+        <p:nvPr/>
+      </p:nvGrpSpPr>
+      <p:grpSpPr>
+        <a:xfrm>
+          <a:off x="0" y="0"/>
+          <a:ext cx="0" cy="0"/>
+          <a:chOff x="0" y="0"/>
+          <a:chExt cx="0" cy="0"/>
+        </a:xfrm>
+      </p:grpSpPr>
+      <p:sp>
+        <p:nvSpPr>
+          <p:cNvPr id="2" name="Заголовок 1">
+            <a:extLst>
+              <a:ext uri="{FF2B5EF4-FFF2-40B4-BE49-F238E27FC236}">
+                <a16:creationId xmlns:a16="http://schemas.microsoft.com/office/drawing/2014/main" id="{47E75CCB-7293-444D-B22B-99FF5F44CB03}"/>
+              </a:ext>
+            </a:extLst>
+          </p:cNvPr>
+          <p:cNvSpPr>
+            <a:spLocks noGrp="1"/>
+          </p:cNvSpPr>
+          <p:nvPr>
+            <p:ph type="title"/>
+          </p:nvPr>
+        </p:nvSpPr>
+        <p:spPr/>
+        <p:txBody>
+          <a:bodyPr/>
+          <a:lstStyle/>
+          <a:p>
+            <a:r>
+              <a:rPr lang="ru-RU" dirty="0"/>
+              <a:t>Диаграмма потока данных ПО ?</a:t>
+            </a:r>
+          </a:p>
+        </p:txBody>
+      </p:sp>
+      <p:pic>
+        <p:nvPicPr>
+          <p:cNvPr id="5" name="Объект 4">
+            <a:extLst>
+              <a:ext uri="{FF2B5EF4-FFF2-40B4-BE49-F238E27FC236}">
+                <a16:creationId xmlns:a16="http://schemas.microsoft.com/office/drawing/2014/main" id="{F6C9301D-3EDD-4694-B2CE-CA73E65F9027}"/>
+              </a:ext>
+            </a:extLst>
+          </p:cNvPr>
+          <p:cNvPicPr>
+            <a:picLocks noGrp="1" noChangeAspect="1"/>
+          </p:cNvPicPr>
+          <p:nvPr>
+            <p:ph idx="1"/>
+          </p:nvPr>
+        </p:nvPicPr>
+        <p:blipFill>
+          <a:blip r:embed="rId2">
+            <a:extLst>
+              <a:ext uri="{28A0092B-C50C-407E-A947-70E740481C1C}">
+                <a14:useLocalDpi xmlns:a14="http://schemas.microsoft.com/office/drawing/2010/main" val="0"/>
+              </a:ext>
+            </a:extLst>
+          </a:blip>
+          <a:stretch>
+            <a:fillRect/>
+          </a:stretch>
+        </p:blipFill>
+        <p:spPr>
+          <a:xfrm>
+            <a:off x="3031881" y="1825625"/>
+            <a:ext cx="6128237" cy="4351338"/>
+          </a:xfrm>
+        </p:spPr>
+      </p:pic>
+      <p:sp>
+        <p:nvSpPr>
+          <p:cNvPr id="3" name="Нижний колонтитул 2">
+            <a:extLst>
+              <a:ext uri="{FF2B5EF4-FFF2-40B4-BE49-F238E27FC236}">
+                <a16:creationId xmlns:a16="http://schemas.microsoft.com/office/drawing/2014/main" id="{8F8644A4-F60D-409D-99BC-8FE9CC2DB997}"/>
+              </a:ext>
+            </a:extLst>
+          </p:cNvPr>
+          <p:cNvSpPr>
+            <a:spLocks noGrp="1"/>
+          </p:cNvSpPr>
+          <p:nvPr>
+            <p:ph type="ftr" sz="quarter" idx="11"/>
+          </p:nvPr>
+        </p:nvSpPr>
+        <p:spPr/>
+        <p:txBody>
+          <a:bodyPr/>
+          <a:lstStyle/>
+          <a:p>
+            <a:endParaRPr lang="ru-RU"/>
+          </a:p>
+        </p:txBody>
+      </p:sp>
+    </p:spTree>
+    <p:extLst>
+      <p:ext uri="{BB962C8B-B14F-4D97-AF65-F5344CB8AC3E}">
+        <p14:creationId xmlns:p14="http://schemas.microsoft.com/office/powerpoint/2010/main" val="782455063"/>
+      </p:ext>
+    </p:extLst>
+  </p:cSld>
+  <p:clrMapOvr>
+    <a:masterClrMapping/>
+  </p:clrMapOvr>
+</p:sld>
+</file>
+
+<file path=ppt/slides/slide13.xml><?xml version="1.0" encoding="utf-8"?>
+<p:sld xmlns:a="http://schemas.openxmlformats.org/drawingml/2006/main" xmlns:r="http://schemas.openxmlformats.org/officeDocument/2006/relationships" xmlns:p="http://schemas.openxmlformats.org/presentationml/2006/main">
+  <p:cSld>
+    <p:spTree>
+      <p:nvGrpSpPr>
+        <p:cNvPr id="1" name=""/>
+        <p:cNvGrpSpPr/>
+        <p:nvPr/>
+      </p:nvGrpSpPr>
+      <p:grpSpPr>
+        <a:xfrm>
+          <a:off x="0" y="0"/>
+          <a:ext cx="0" cy="0"/>
+          <a:chOff x="0" y="0"/>
+          <a:chExt cx="0" cy="0"/>
+        </a:xfrm>
+      </p:grpSpPr>
+      <p:sp>
+        <p:nvSpPr>
+          <p:cNvPr id="2" name="Заголовок 1">
+            <a:extLst>
+              <a:ext uri="{FF2B5EF4-FFF2-40B4-BE49-F238E27FC236}">
+                <a16:creationId xmlns:a16="http://schemas.microsoft.com/office/drawing/2014/main" id="{FF06CF63-AA01-49BE-AC28-7187A6341A7D}"/>
+              </a:ext>
+            </a:extLst>
+          </p:cNvPr>
+          <p:cNvSpPr>
+            <a:spLocks noGrp="1"/>
+          </p:cNvSpPr>
+          <p:nvPr>
+            <p:ph type="title"/>
+          </p:nvPr>
+        </p:nvSpPr>
+        <p:spPr>
+          <a:xfrm>
+            <a:off x="0" y="-279799"/>
+            <a:ext cx="10515600" cy="1325563"/>
+          </a:xfrm>
+        </p:spPr>
+        <p:txBody>
+          <a:bodyPr/>
+          <a:lstStyle/>
+          <a:p>
+            <a:r>
+              <a:rPr lang="ru-RU" dirty="0"/>
+              <a:t>Тестирование работоспособности системы</a:t>
+            </a:r>
+          </a:p>
+        </p:txBody>
+      </p:sp>
+      <p:sp>
+        <p:nvSpPr>
+          <p:cNvPr id="3" name="Объект 2">
+            <a:extLst>
+              <a:ext uri="{FF2B5EF4-FFF2-40B4-BE49-F238E27FC236}">
+                <a16:creationId xmlns:a16="http://schemas.microsoft.com/office/drawing/2014/main" id="{5D197CC2-D298-466A-BBE0-0C2248A932C6}"/>
+              </a:ext>
+            </a:extLst>
+          </p:cNvPr>
+          <p:cNvSpPr>
+            <a:spLocks noGrp="1"/>
+          </p:cNvSpPr>
+          <p:nvPr>
+            <p:ph idx="1"/>
+          </p:nvPr>
+        </p:nvSpPr>
+        <p:spPr>
+          <a:xfrm>
+            <a:off x="838200" y="1305718"/>
+            <a:ext cx="10515600" cy="1325563"/>
+          </a:xfrm>
+        </p:spPr>
+        <p:txBody>
+          <a:bodyPr>
+            <a:normAutofit fontScale="92500" lnSpcReduction="10000"/>
+          </a:bodyPr>
+          <a:lstStyle/>
+          <a:p>
+            <a:pPr marL="0" indent="0">
+              <a:buNone/>
+            </a:pPr>
+            <a:r>
+              <a:rPr lang="ru-RU" dirty="0"/>
+              <a:t>Длина сообщения: 250 байт</a:t>
+            </a:r>
+          </a:p>
+          <a:p>
+            <a:pPr marL="0" indent="0">
+              <a:buNone/>
+            </a:pPr>
+            <a:r>
+              <a:rPr lang="ru-RU" dirty="0"/>
+              <a:t>Выходная мощность: -30 </a:t>
+            </a:r>
+            <a:r>
+              <a:rPr lang="ru-RU" dirty="0" err="1"/>
+              <a:t>дБм</a:t>
+            </a:r>
+            <a:endParaRPr lang="ru-RU" dirty="0"/>
+          </a:p>
+          <a:p>
+            <a:pPr marL="0" indent="0">
+              <a:buNone/>
+            </a:pPr>
+            <a:r>
+              <a:rPr lang="ru-RU" dirty="0"/>
+              <a:t>Прикрепить фотографию оборудования</a:t>
+            </a:r>
+          </a:p>
+          <a:p>
+            <a:pPr marL="0" indent="0">
+              <a:buNone/>
+            </a:pPr>
+            <a:endParaRPr lang="ru-RU" dirty="0"/>
+          </a:p>
+        </p:txBody>
+      </p:sp>
+      <p:graphicFrame>
+        <p:nvGraphicFramePr>
+          <p:cNvPr id="4" name="Таблица 4">
+            <a:extLst>
+              <a:ext uri="{FF2B5EF4-FFF2-40B4-BE49-F238E27FC236}">
+                <a16:creationId xmlns:a16="http://schemas.microsoft.com/office/drawing/2014/main" id="{5516F915-C546-4500-830C-6E41BB24CC64}"/>
+              </a:ext>
+            </a:extLst>
+          </p:cNvPr>
+          <p:cNvGraphicFramePr>
+            <a:graphicFrameLocks noGrp="1"/>
+          </p:cNvGraphicFramePr>
+          <p:nvPr>
+            <p:extLst>
+              <p:ext uri="{D42A27DB-BD31-4B8C-83A1-F6EECF244321}">
+                <p14:modId xmlns:p14="http://schemas.microsoft.com/office/powerpoint/2010/main" val="2287461213"/>
+              </p:ext>
+            </p:extLst>
+          </p:nvPr>
+        </p:nvGraphicFramePr>
+        <p:xfrm>
+          <a:off x="838200" y="2778915"/>
+          <a:ext cx="10515600" cy="2747967"/>
+        </p:xfrm>
+        <a:graphic>
+          <a:graphicData uri="http://schemas.openxmlformats.org/drawingml/2006/table">
+            <a:tbl>
+              <a:tblPr firstRow="1" bandRow="1">
+                <a:tableStyleId>{5C22544A-7EE6-4342-B048-85BDC9FD1C3A}</a:tableStyleId>
+              </a:tblPr>
+              <a:tblGrid>
+                <a:gridCol w="2628900">
+                  <a:extLst>
+                    <a:ext uri="{9D8B030D-6E8A-4147-A177-3AD203B41FA5}">
+                      <a16:colId xmlns:a16="http://schemas.microsoft.com/office/drawing/2014/main" val="1497774944"/>
+                    </a:ext>
+                  </a:extLst>
+                </a:gridCol>
+                <a:gridCol w="2628900">
+                  <a:extLst>
+                    <a:ext uri="{9D8B030D-6E8A-4147-A177-3AD203B41FA5}">
+                      <a16:colId xmlns:a16="http://schemas.microsoft.com/office/drawing/2014/main" val="778992333"/>
+                    </a:ext>
+                  </a:extLst>
+                </a:gridCol>
+                <a:gridCol w="2628900">
+                  <a:extLst>
+                    <a:ext uri="{9D8B030D-6E8A-4147-A177-3AD203B41FA5}">
+                      <a16:colId xmlns:a16="http://schemas.microsoft.com/office/drawing/2014/main" val="2332124389"/>
+                    </a:ext>
+                  </a:extLst>
+                </a:gridCol>
+                <a:gridCol w="2628900">
+                  <a:extLst>
+                    <a:ext uri="{9D8B030D-6E8A-4147-A177-3AD203B41FA5}">
+                      <a16:colId xmlns:a16="http://schemas.microsoft.com/office/drawing/2014/main" val="874871730"/>
+                    </a:ext>
+                  </a:extLst>
+                </a:gridCol>
+              </a:tblGrid>
+              <a:tr h="1222479">
+                <a:tc>
+                  <a:txBody>
+                    <a:bodyPr/>
+                    <a:lstStyle/>
+                    <a:p>
+                      <a:r>
+                        <a:rPr lang="ru-RU" dirty="0"/>
+                        <a:t>Размер переданных данных</a:t>
+                      </a:r>
+                    </a:p>
+                  </a:txBody>
+                  <a:tcPr/>
+                </a:tc>
+                <a:tc>
+                  <a:txBody>
+                    <a:bodyPr/>
+                    <a:lstStyle/>
+                    <a:p>
+                      <a:r>
+                        <a:rPr lang="ru-RU" dirty="0"/>
+                        <a:t>Количество переданных пакетов</a:t>
+                      </a:r>
+                    </a:p>
+                  </a:txBody>
+                  <a:tcPr/>
+                </a:tc>
+                <a:tc>
+                  <a:txBody>
+                    <a:bodyPr/>
+                    <a:lstStyle/>
+                    <a:p>
+                      <a:r>
+                        <a:rPr lang="ru-RU" dirty="0"/>
+                        <a:t>Количество принятых пакетов в наихудшем случае</a:t>
+                      </a:r>
+                    </a:p>
+                  </a:txBody>
+                  <a:tcPr/>
+                </a:tc>
+                <a:tc>
+                  <a:txBody>
+                    <a:bodyPr/>
+                    <a:lstStyle/>
+                    <a:p>
+                      <a:r>
+                        <a:rPr lang="ru-RU" dirty="0"/>
+                        <a:t>Процент потерь в наихудшем случае</a:t>
+                      </a:r>
+                    </a:p>
+                  </a:txBody>
+                  <a:tcPr/>
+                </a:tc>
+                <a:extLst>
+                  <a:ext uri="{0D108BD9-81ED-4DB2-BD59-A6C34878D82A}">
+                    <a16:rowId xmlns:a16="http://schemas.microsoft.com/office/drawing/2014/main" val="491474941"/>
+                  </a:ext>
+                </a:extLst>
+              </a:tr>
+              <a:tr h="381372">
+                <a:tc>
+                  <a:txBody>
+                    <a:bodyPr/>
+                    <a:lstStyle/>
+                    <a:p>
+                      <a:r>
+                        <a:rPr lang="ru-RU" dirty="0"/>
+                        <a:t>570 </a:t>
+                      </a:r>
+                      <a:r>
+                        <a:rPr lang="ru-RU" dirty="0" err="1"/>
+                        <a:t>кБайт</a:t>
+                      </a:r>
+                      <a:endParaRPr lang="ru-RU" dirty="0"/>
+                    </a:p>
+                  </a:txBody>
+                  <a:tcPr/>
+                </a:tc>
+                <a:tc>
+                  <a:txBody>
+                    <a:bodyPr/>
+                    <a:lstStyle/>
+                    <a:p>
+                      <a:r>
+                        <a:rPr lang="ru-RU" dirty="0"/>
+                        <a:t>2342</a:t>
+                      </a:r>
+                    </a:p>
+                  </a:txBody>
+                  <a:tcPr/>
+                </a:tc>
+                <a:tc>
+                  <a:txBody>
+                    <a:bodyPr/>
+                    <a:lstStyle/>
+                    <a:p>
+                      <a:r>
+                        <a:rPr lang="ru-RU" dirty="0"/>
+                        <a:t>2340</a:t>
+                      </a:r>
+                    </a:p>
+                  </a:txBody>
+                  <a:tcPr/>
+                </a:tc>
+                <a:tc>
+                  <a:txBody>
+                    <a:bodyPr/>
+                    <a:lstStyle/>
+                    <a:p>
+                      <a:r>
+                        <a:rPr lang="ru-RU" dirty="0"/>
+                        <a:t>0.085 %</a:t>
+                      </a:r>
+                    </a:p>
+                  </a:txBody>
+                  <a:tcPr/>
+                </a:tc>
+                <a:extLst>
+                  <a:ext uri="{0D108BD9-81ED-4DB2-BD59-A6C34878D82A}">
+                    <a16:rowId xmlns:a16="http://schemas.microsoft.com/office/drawing/2014/main" val="244948324"/>
+                  </a:ext>
+                </a:extLst>
+              </a:tr>
+              <a:tr h="381372">
+                <a:tc>
+                  <a:txBody>
+                    <a:bodyPr/>
+                    <a:lstStyle/>
+                    <a:p>
+                      <a:r>
+                        <a:rPr lang="ru-RU" dirty="0"/>
+                        <a:t>8.9 </a:t>
+                      </a:r>
+                      <a:r>
+                        <a:rPr lang="ru-RU" dirty="0" err="1"/>
+                        <a:t>МБайт</a:t>
+                      </a:r>
+                      <a:endParaRPr lang="ru-RU" dirty="0"/>
+                    </a:p>
+                  </a:txBody>
+                  <a:tcPr/>
+                </a:tc>
+                <a:tc>
+                  <a:txBody>
+                    <a:bodyPr/>
+                    <a:lstStyle/>
+                    <a:p>
+                      <a:r>
+                        <a:rPr lang="ru-RU" dirty="0"/>
+                        <a:t>37490</a:t>
+                      </a:r>
+                    </a:p>
+                  </a:txBody>
+                  <a:tcPr/>
+                </a:tc>
+                <a:tc>
+                  <a:txBody>
+                    <a:bodyPr/>
+                    <a:lstStyle/>
+                    <a:p>
+                      <a:r>
+                        <a:rPr lang="ru-RU" dirty="0"/>
+                        <a:t>37463</a:t>
+                      </a:r>
+                    </a:p>
+                  </a:txBody>
+                  <a:tcPr/>
+                </a:tc>
+                <a:tc>
+                  <a:txBody>
+                    <a:bodyPr/>
+                    <a:lstStyle/>
+                    <a:p>
+                      <a:r>
+                        <a:rPr lang="ru-RU" dirty="0"/>
+                        <a:t>0.072 %</a:t>
+                      </a:r>
+                    </a:p>
+                  </a:txBody>
+                  <a:tcPr/>
+                </a:tc>
+                <a:extLst>
+                  <a:ext uri="{0D108BD9-81ED-4DB2-BD59-A6C34878D82A}">
+                    <a16:rowId xmlns:a16="http://schemas.microsoft.com/office/drawing/2014/main" val="2275134076"/>
+                  </a:ext>
+                </a:extLst>
+              </a:tr>
+              <a:tr h="381372">
+                <a:tc>
+                  <a:txBody>
+                    <a:bodyPr/>
+                    <a:lstStyle/>
+                    <a:p>
+                      <a:r>
+                        <a:rPr lang="ru-RU" dirty="0"/>
+                        <a:t>35.8 </a:t>
+                      </a:r>
+                      <a:r>
+                        <a:rPr lang="ru-RU" dirty="0" err="1"/>
+                        <a:t>МБайт</a:t>
+                      </a:r>
+                      <a:endParaRPr lang="ru-RU" dirty="0"/>
+                    </a:p>
+                  </a:txBody>
+                  <a:tcPr/>
+                </a:tc>
+                <a:tc>
+                  <a:txBody>
+                    <a:bodyPr/>
+                    <a:lstStyle/>
+                    <a:p>
+                      <a:r>
+                        <a:rPr lang="ru-RU" dirty="0"/>
+                        <a:t>149962</a:t>
+                      </a:r>
+                    </a:p>
+                  </a:txBody>
+                  <a:tcPr/>
+                </a:tc>
+                <a:tc>
+                  <a:txBody>
+                    <a:bodyPr/>
+                    <a:lstStyle/>
+                    <a:p>
+                      <a:r>
+                        <a:rPr lang="ru-RU" dirty="0"/>
+                        <a:t>149658</a:t>
+                      </a:r>
+                    </a:p>
+                  </a:txBody>
+                  <a:tcPr/>
+                </a:tc>
+                <a:tc>
+                  <a:txBody>
+                    <a:bodyPr/>
+                    <a:lstStyle/>
+                    <a:p>
+                      <a:r>
+                        <a:rPr lang="ru-RU" dirty="0"/>
+                        <a:t>0.203 %</a:t>
+                      </a:r>
+                    </a:p>
+                  </a:txBody>
+                  <a:tcPr/>
+                </a:tc>
+                <a:extLst>
+                  <a:ext uri="{0D108BD9-81ED-4DB2-BD59-A6C34878D82A}">
+                    <a16:rowId xmlns:a16="http://schemas.microsoft.com/office/drawing/2014/main" val="1863472940"/>
+                  </a:ext>
+                </a:extLst>
+              </a:tr>
+              <a:tr h="381372">
+                <a:tc>
+                  <a:txBody>
+                    <a:bodyPr/>
+                    <a:lstStyle/>
+                    <a:p>
+                      <a:r>
+                        <a:rPr lang="ru-RU" dirty="0"/>
+                        <a:t>140 </a:t>
+                      </a:r>
+                      <a:r>
+                        <a:rPr lang="ru-RU" dirty="0" err="1"/>
+                        <a:t>МБайт</a:t>
+                      </a:r>
+                      <a:endParaRPr lang="ru-RU" dirty="0"/>
+                    </a:p>
+                  </a:txBody>
+                  <a:tcPr/>
+                </a:tc>
+                <a:tc>
+                  <a:txBody>
+                    <a:bodyPr/>
+                    <a:lstStyle/>
+                    <a:p>
+                      <a:r>
+                        <a:rPr lang="ru-RU" dirty="0"/>
+                        <a:t>599849</a:t>
+                      </a:r>
+                    </a:p>
+                  </a:txBody>
+                  <a:tcPr/>
+                </a:tc>
+                <a:tc>
+                  <a:txBody>
+                    <a:bodyPr/>
+                    <a:lstStyle/>
+                    <a:p>
+                      <a:r>
+                        <a:rPr lang="ru-RU" dirty="0"/>
+                        <a:t>599235</a:t>
+                      </a:r>
+                    </a:p>
+                  </a:txBody>
+                  <a:tcPr/>
+                </a:tc>
+                <a:tc>
+                  <a:txBody>
+                    <a:bodyPr/>
+                    <a:lstStyle/>
+                    <a:p>
+                      <a:r>
+                        <a:rPr lang="ru-RU" dirty="0"/>
+                        <a:t>0.102 %</a:t>
+                      </a:r>
+                    </a:p>
+                  </a:txBody>
+                  <a:tcPr/>
+                </a:tc>
+                <a:extLst>
+                  <a:ext uri="{0D108BD9-81ED-4DB2-BD59-A6C34878D82A}">
+                    <a16:rowId xmlns:a16="http://schemas.microsoft.com/office/drawing/2014/main" val="471944706"/>
+                  </a:ext>
+                </a:extLst>
+              </a:tr>
+            </a:tbl>
+          </a:graphicData>
+        </a:graphic>
+      </p:graphicFrame>
+      <p:sp>
+        <p:nvSpPr>
+          <p:cNvPr id="5" name="Нижний колонтитул 4">
+            <a:extLst>
+              <a:ext uri="{FF2B5EF4-FFF2-40B4-BE49-F238E27FC236}">
+                <a16:creationId xmlns:a16="http://schemas.microsoft.com/office/drawing/2014/main" id="{6506F552-C260-4A61-84D9-8B33BC7CE980}"/>
+              </a:ext>
+            </a:extLst>
+          </p:cNvPr>
+          <p:cNvSpPr>
+            <a:spLocks noGrp="1"/>
+          </p:cNvSpPr>
+          <p:nvPr>
+            <p:ph type="ftr" sz="quarter" idx="11"/>
+          </p:nvPr>
+        </p:nvSpPr>
+        <p:spPr/>
+        <p:txBody>
+          <a:bodyPr/>
+          <a:lstStyle/>
+          <a:p>
+            <a:endParaRPr lang="ru-RU"/>
+          </a:p>
+        </p:txBody>
+      </p:sp>
+    </p:spTree>
+    <p:extLst>
+      <p:ext uri="{BB962C8B-B14F-4D97-AF65-F5344CB8AC3E}">
+        <p14:creationId xmlns:p14="http://schemas.microsoft.com/office/powerpoint/2010/main" val="1447176953"/>
+      </p:ext>
+    </p:extLst>
+  </p:cSld>
+  <p:clrMapOvr>
+    <a:masterClrMapping/>
+  </p:clrMapOvr>
+</p:sld>
+</file>
+
+<file path=ppt/slides/slide14.xml><?xml version="1.0" encoding="utf-8"?>
+<p:sld xmlns:a="http://schemas.openxmlformats.org/drawingml/2006/main" xmlns:r="http://schemas.openxmlformats.org/officeDocument/2006/relationships" xmlns:p="http://schemas.openxmlformats.org/presentationml/2006/main">
+  <p:cSld>
+    <p:spTree>
+      <p:nvGrpSpPr>
+        <p:cNvPr id="1" name=""/>
+        <p:cNvGrpSpPr/>
+        <p:nvPr/>
+      </p:nvGrpSpPr>
+      <p:grpSpPr>
+        <a:xfrm>
+          <a:off x="0" y="0"/>
+          <a:ext cx="0" cy="0"/>
+          <a:chOff x="0" y="0"/>
+          <a:chExt cx="0" cy="0"/>
+        </a:xfrm>
+      </p:grpSpPr>
+      <p:sp>
+        <p:nvSpPr>
+          <p:cNvPr id="2" name="Заголовок 1">
+            <a:extLst>
+              <a:ext uri="{FF2B5EF4-FFF2-40B4-BE49-F238E27FC236}">
+                <a16:creationId xmlns:a16="http://schemas.microsoft.com/office/drawing/2014/main" id="{72B6967A-6F20-4DD0-ADC1-27FACD2F9B3B}"/>
+              </a:ext>
+            </a:extLst>
+          </p:cNvPr>
+          <p:cNvSpPr>
+            <a:spLocks noGrp="1"/>
+          </p:cNvSpPr>
+          <p:nvPr>
+            <p:ph type="title"/>
+          </p:nvPr>
+        </p:nvSpPr>
+        <p:spPr>
+          <a:xfrm>
+            <a:off x="838200" y="2574925"/>
+            <a:ext cx="10515600" cy="1325563"/>
+          </a:xfrm>
+        </p:spPr>
+        <p:txBody>
+          <a:bodyPr/>
+          <a:lstStyle/>
+          <a:p>
+            <a:pPr algn="ctr"/>
+            <a:r>
+              <a:rPr lang="ru-RU" dirty="0"/>
+              <a:t>Спасибо за внимание</a:t>
+            </a:r>
+          </a:p>
+        </p:txBody>
+      </p:sp>
+      <p:sp>
+        <p:nvSpPr>
+          <p:cNvPr id="4" name="Нижний колонтитул 3">
+            <a:extLst>
+              <a:ext uri="{FF2B5EF4-FFF2-40B4-BE49-F238E27FC236}">
+                <a16:creationId xmlns:a16="http://schemas.microsoft.com/office/drawing/2014/main" id="{A13E869C-D74F-4858-9D80-4CDF6A7723B9}"/>
+              </a:ext>
+            </a:extLst>
+          </p:cNvPr>
+          <p:cNvSpPr>
+            <a:spLocks noGrp="1"/>
+          </p:cNvSpPr>
+          <p:nvPr>
+            <p:ph type="ftr" sz="quarter" idx="11"/>
+          </p:nvPr>
+        </p:nvSpPr>
+        <p:spPr/>
+        <p:txBody>
+          <a:bodyPr/>
+          <a:lstStyle/>
+          <a:p>
+            <a:endParaRPr lang="ru-RU"/>
+          </a:p>
+        </p:txBody>
+      </p:sp>
+    </p:spTree>
+    <p:extLst>
+      <p:ext uri="{BB962C8B-B14F-4D97-AF65-F5344CB8AC3E}">
+        <p14:creationId xmlns:p14="http://schemas.microsoft.com/office/powerpoint/2010/main" val="2430972263"/>
       </p:ext>
     </p:extLst>
   </p:cSld>
@@ -3600,7 +5376,7 @@
                 <a:ea typeface="Calibri" panose="020F0502020204030204" pitchFamily="34" charset="0"/>
                 <a:cs typeface="Times New Roman" panose="02020603050405020304" pitchFamily="18" charset="0"/>
               </a:rPr>
-              <a:t>Целью дипломного проекта является разработка дуплексной низкоскоростной системы связи для применения в комплексах БПЛА. </a:t>
+              <a:t>Целью дипломного проекта является разработка ПО для дуплексной низкоскоростной системы связи для применения в комплексах БПЛА. </a:t>
             </a:r>
           </a:p>
           <a:p>
@@ -3614,7 +5390,7 @@
                 <a:ea typeface="Calibri" panose="020F0502020204030204" pitchFamily="34" charset="0"/>
                 <a:cs typeface="Times New Roman" panose="02020603050405020304" pitchFamily="18" charset="0"/>
               </a:rPr>
-              <a:t>Данная система связи должна обеспечивать связь дальностью не менее 100 км, с вероятностью битовой ошибки не менее 10</a:t>
+              <a:t>Данная система должна обеспечивать связь на дальность не менее 100 км в условиях прямой видимости, с вероятностью битовой ошибки не менее 10</a:t>
             </a:r>
             <a:r>
               <a:rPr lang="ru-RU" sz="3600" baseline="30000" dirty="0">
@@ -3632,7 +5408,7 @@
                 <a:ea typeface="Calibri" panose="020F0502020204030204" pitchFamily="34" charset="0"/>
                 <a:cs typeface="Times New Roman" panose="02020603050405020304" pitchFamily="18" charset="0"/>
               </a:rPr>
-              <a:t>. Скорость передачи данных должна быть не меньше 20 </a:t>
+              <a:t>. Скорость передачи системы связи данных должна быть не меньше 20 </a:t>
             </a:r>
             <a:r>
               <a:rPr lang="ru-RU" sz="3600" dirty="0" err="1">
@@ -3653,6 +5429,31 @@
               <a:t>/с</a:t>
             </a:r>
           </a:p>
+          <a:p>
+            <a:endParaRPr lang="ru-RU" dirty="0"/>
+          </a:p>
+        </p:txBody>
+      </p:sp>
+      <p:sp>
+        <p:nvSpPr>
+          <p:cNvPr id="4" name="Нижний колонтитул 3">
+            <a:extLst>
+              <a:ext uri="{FF2B5EF4-FFF2-40B4-BE49-F238E27FC236}">
+                <a16:creationId xmlns:a16="http://schemas.microsoft.com/office/drawing/2014/main" id="{F49BAC97-6E28-4B1F-BBD1-45A548CD1F56}"/>
+              </a:ext>
+            </a:extLst>
+          </p:cNvPr>
+          <p:cNvSpPr>
+            <a:spLocks noGrp="1"/>
+          </p:cNvSpPr>
+          <p:nvPr>
+            <p:ph type="ftr" sz="quarter" idx="11"/>
+          </p:nvPr>
+        </p:nvSpPr>
+        <p:spPr/>
+        <p:txBody>
+          <a:bodyPr/>
+          <a:lstStyle/>
           <a:p>
             <a:endParaRPr lang="ru-RU" dirty="0"/>
           </a:p>
@@ -3718,43 +5519,63 @@
       </p:sp>
       <p:pic>
         <p:nvPicPr>
-          <p:cNvPr id="4" name="Объект 3">
-            <a:extLst>
-              <a:ext uri="{FF2B5EF4-FFF2-40B4-BE49-F238E27FC236}">
-                <a16:creationId xmlns:a16="http://schemas.microsoft.com/office/drawing/2014/main" id="{5B627D69-7823-4FD5-B440-36769BAF19BF}"/>
+          <p:cNvPr id="7" name="Объект 6">
+            <a:extLst>
+              <a:ext uri="{FF2B5EF4-FFF2-40B4-BE49-F238E27FC236}">
+                <a16:creationId xmlns:a16="http://schemas.microsoft.com/office/drawing/2014/main" id="{9EF04754-B621-4D59-9705-1BD3FB0DF838}"/>
               </a:ext>
             </a:extLst>
           </p:cNvPr>
           <p:cNvPicPr>
-            <a:picLocks noGrp="1"/>
+            <a:picLocks noGrp="1" noChangeAspect="1"/>
           </p:cNvPicPr>
           <p:nvPr>
             <p:ph idx="1"/>
           </p:nvPr>
         </p:nvPicPr>
         <p:blipFill rotWithShape="1">
-          <a:blip r:embed="rId2"/>
-          <a:srcRect l="2694" t="2701" r="2512" b="1980"/>
+          <a:blip r:embed="rId2">
+            <a:extLst>
+              <a:ext uri="{28A0092B-C50C-407E-A947-70E740481C1C}">
+                <a14:useLocalDpi xmlns:a14="http://schemas.microsoft.com/office/drawing/2010/main" val="0"/>
+              </a:ext>
+            </a:extLst>
+          </a:blip>
+          <a:srcRect r="17165" b="29880"/>
           <a:stretch/>
         </p:blipFill>
-        <p:spPr bwMode="auto">
+        <p:spPr>
           <a:xfrm>
-            <a:off x="2206513" y="1866958"/>
-            <a:ext cx="7778973" cy="3666576"/>
+            <a:off x="1195090" y="1690688"/>
+            <a:ext cx="9801819" cy="4667250"/>
           </a:xfrm>
-          <a:prstGeom prst="rect">
-            <a:avLst/>
-          </a:prstGeom>
-          <a:ln>
-            <a:noFill/>
-          </a:ln>
-          <a:extLst>
-            <a:ext uri="{53640926-AAD7-44D8-BBD7-CCE9431645EC}">
-              <a14:shadowObscured xmlns:a14="http://schemas.microsoft.com/office/drawing/2010/main"/>
-            </a:ext>
-          </a:extLst>
         </p:spPr>
       </p:pic>
+      <p:sp>
+        <p:nvSpPr>
+          <p:cNvPr id="8" name="Нижний колонтитул 7">
+            <a:extLst>
+              <a:ext uri="{FF2B5EF4-FFF2-40B4-BE49-F238E27FC236}">
+                <a16:creationId xmlns:a16="http://schemas.microsoft.com/office/drawing/2014/main" id="{131EF971-889E-477D-A017-4D51246596D4}"/>
+              </a:ext>
+            </a:extLst>
+          </p:cNvPr>
+          <p:cNvSpPr>
+            <a:spLocks noGrp="1"/>
+          </p:cNvSpPr>
+          <p:nvPr>
+            <p:ph type="ftr" sz="quarter" idx="11"/>
+          </p:nvPr>
+        </p:nvSpPr>
+        <p:spPr/>
+        <p:txBody>
+          <a:bodyPr/>
+          <a:lstStyle/>
+          <a:p>
+            <a:endParaRPr lang="ru-RU"/>
+          </a:p>
+        </p:txBody>
+      </p:sp>
     </p:spTree>
     <p:extLst>
       <p:ext uri="{BB962C8B-B14F-4D97-AF65-F5344CB8AC3E}">
@@ -3846,7 +5667,7 @@
         </p:spPr>
         <p:txBody>
           <a:bodyPr>
-            <a:normAutofit fontScale="77500" lnSpcReduction="20000"/>
+            <a:normAutofit fontScale="85000" lnSpcReduction="10000"/>
           </a:bodyPr>
           <a:lstStyle/>
           <a:p>
@@ -3900,23 +5721,6 @@
               <a:t> формируют ЛЧМ радиосигналы с шириной спектра 125, 250 или 500 кГц</a:t>
             </a:r>
             <a:endParaRPr lang="en-US" dirty="0"/>
-          </a:p>
-          <a:p>
-            <a:r>
-              <a:rPr lang="ru-RU" dirty="0"/>
-              <a:t>Принцип передачи символов информации заключается в</a:t>
-            </a:r>
-            <a:r>
-              <a:rPr lang="en-US" dirty="0"/>
-              <a:t> </a:t>
-            </a:r>
-            <a:r>
-              <a:rPr lang="ru-RU" dirty="0"/>
-              <a:t>частотном смещении относительно опорного ЛЧМ радиосигнала </a:t>
-            </a:r>
-          </a:p>
-          <a:p>
-            <a:endParaRPr lang="ru-RU" dirty="0"/>
           </a:p>
         </p:txBody>
       </p:sp>
@@ -3999,6 +5803,31 @@
           </a:ln>
         </p:spPr>
       </p:pic>
+      <p:sp>
+        <p:nvSpPr>
+          <p:cNvPr id="6" name="Нижний колонтитул 5">
+            <a:extLst>
+              <a:ext uri="{FF2B5EF4-FFF2-40B4-BE49-F238E27FC236}">
+                <a16:creationId xmlns:a16="http://schemas.microsoft.com/office/drawing/2014/main" id="{232E4FB7-08F7-4B9F-B40C-8E34A2497672}"/>
+              </a:ext>
+            </a:extLst>
+          </p:cNvPr>
+          <p:cNvSpPr>
+            <a:spLocks noGrp="1"/>
+          </p:cNvSpPr>
+          <p:nvPr>
+            <p:ph type="ftr" sz="quarter" idx="11"/>
+          </p:nvPr>
+        </p:nvSpPr>
+        <p:spPr/>
+        <p:txBody>
+          <a:bodyPr/>
+          <a:lstStyle/>
+          <a:p>
+            <a:endParaRPr lang="ru-RU"/>
+          </a:p>
+        </p:txBody>
+      </p:sp>
     </p:spTree>
     <p:extLst>
       <p:ext uri="{BB962C8B-B14F-4D97-AF65-F5344CB8AC3E}">
@@ -4057,7 +5886,7 @@
           <a:p>
             <a:r>
               <a:rPr lang="ru-RU" dirty="0"/>
-              <a:t>Структурная схема устройства</a:t>
+              <a:t>Структурная схема устройства?</a:t>
             </a:r>
           </a:p>
         </p:txBody>
@@ -4144,6 +5973,31 @@
           </a:extLst>
         </p:spPr>
       </p:pic>
+      <p:sp>
+        <p:nvSpPr>
+          <p:cNvPr id="4" name="Нижний колонтитул 3">
+            <a:extLst>
+              <a:ext uri="{FF2B5EF4-FFF2-40B4-BE49-F238E27FC236}">
+                <a16:creationId xmlns:a16="http://schemas.microsoft.com/office/drawing/2014/main" id="{086041A4-564A-44D6-BBCC-4C7F84DFD264}"/>
+              </a:ext>
+            </a:extLst>
+          </p:cNvPr>
+          <p:cNvSpPr>
+            <a:spLocks noGrp="1"/>
+          </p:cNvSpPr>
+          <p:nvPr>
+            <p:ph type="ftr" sz="quarter" idx="11"/>
+          </p:nvPr>
+        </p:nvSpPr>
+        <p:spPr/>
+        <p:txBody>
+          <a:bodyPr/>
+          <a:lstStyle/>
+          <a:p>
+            <a:endParaRPr lang="ru-RU"/>
+          </a:p>
+        </p:txBody>
+      </p:sp>
     </p:spTree>
     <p:extLst>
       <p:ext uri="{BB962C8B-B14F-4D97-AF65-F5344CB8AC3E}">
@@ -4195,7 +6049,10 @@
           <a:bodyPr/>
           <a:lstStyle/>
           <a:p>
-            <a:endParaRPr lang="ru-RU"/>
+            <a:r>
+              <a:rPr lang="ru-RU" dirty="0"/>
+              <a:t>Плата и ее основные характеристики</a:t>
+            </a:r>
           </a:p>
         </p:txBody>
       </p:sp>
@@ -4215,16 +6072,15 @@
             <p:ph idx="1"/>
           </p:nvPr>
         </p:nvPicPr>
-        <p:blipFill>
+        <p:blipFill rotWithShape="1">
           <a:blip r:embed="rId2"/>
-          <a:stretch>
-            <a:fillRect/>
-          </a:stretch>
+          <a:srcRect l="5840" t="5618" r="4455" b="6493"/>
+          <a:stretch/>
         </p:blipFill>
         <p:spPr>
           <a:xfrm>
-            <a:off x="286079" y="1690688"/>
-            <a:ext cx="5974485" cy="3988217"/>
+            <a:off x="635000" y="1371600"/>
+            <a:ext cx="5359400" cy="3505200"/>
           </a:xfrm>
         </p:spPr>
       </p:pic>
@@ -4242,22 +6098,108 @@
           </p:cNvPicPr>
           <p:nvPr/>
         </p:nvPicPr>
-        <p:blipFill>
+        <p:blipFill rotWithShape="1">
           <a:blip r:embed="rId3"/>
-          <a:stretch>
-            <a:fillRect/>
-          </a:stretch>
+          <a:srcRect l="6377" t="4926" r="5618" b="4838"/>
+          <a:stretch/>
         </p:blipFill>
         <p:spPr>
           <a:xfrm>
-            <a:off x="6096000" y="1686233"/>
-            <a:ext cx="5974485" cy="3997127"/>
+            <a:off x="6477001" y="1371601"/>
+            <a:ext cx="5257800" cy="3606800"/>
           </a:xfrm>
           <a:prstGeom prst="rect">
             <a:avLst/>
           </a:prstGeom>
         </p:spPr>
       </p:pic>
+      <p:sp>
+        <p:nvSpPr>
+          <p:cNvPr id="3" name="TextBox 2">
+            <a:extLst>
+              <a:ext uri="{FF2B5EF4-FFF2-40B4-BE49-F238E27FC236}">
+                <a16:creationId xmlns:a16="http://schemas.microsoft.com/office/drawing/2014/main" id="{9829CADA-93CF-490B-ABF1-A5BCACFADED1}"/>
+              </a:ext>
+            </a:extLst>
+          </p:cNvPr>
+          <p:cNvSpPr txBox="1"/>
+          <p:nvPr/>
+        </p:nvSpPr>
+        <p:spPr>
+          <a:xfrm>
+            <a:off x="635000" y="4978400"/>
+            <a:ext cx="11239500" cy="1754326"/>
+          </a:xfrm>
+          <a:prstGeom prst="rect">
+            <a:avLst/>
+          </a:prstGeom>
+          <a:noFill/>
+        </p:spPr>
+        <p:txBody>
+          <a:bodyPr wrap="square" rtlCol="0">
+            <a:spAutoFit/>
+          </a:bodyPr>
+          <a:lstStyle/>
+          <a:p>
+            <a:r>
+              <a:rPr lang="ru-RU" dirty="0"/>
+              <a:t>Основные характеристики:</a:t>
+            </a:r>
+          </a:p>
+          <a:p>
+            <a:r>
+              <a:rPr lang="ru-RU" dirty="0"/>
+              <a:t>-</a:t>
+            </a:r>
+          </a:p>
+          <a:p>
+            <a:r>
+              <a:rPr lang="ru-RU" dirty="0"/>
+              <a:t>-</a:t>
+            </a:r>
+          </a:p>
+          <a:p>
+            <a:r>
+              <a:rPr lang="ru-RU" dirty="0"/>
+              <a:t>-</a:t>
+            </a:r>
+          </a:p>
+          <a:p>
+            <a:r>
+              <a:rPr lang="ru-RU" dirty="0"/>
+              <a:t>-</a:t>
+            </a:r>
+          </a:p>
+          <a:p>
+            <a:endParaRPr lang="ru-RU" dirty="0"/>
+          </a:p>
+        </p:txBody>
+      </p:sp>
+      <p:sp>
+        <p:nvSpPr>
+          <p:cNvPr id="4" name="Нижний колонтитул 3">
+            <a:extLst>
+              <a:ext uri="{FF2B5EF4-FFF2-40B4-BE49-F238E27FC236}">
+                <a16:creationId xmlns:a16="http://schemas.microsoft.com/office/drawing/2014/main" id="{9556CE1D-BD61-4FB7-8EE9-79D2DFC5C315}"/>
+              </a:ext>
+            </a:extLst>
+          </p:cNvPr>
+          <p:cNvSpPr>
+            <a:spLocks noGrp="1"/>
+          </p:cNvSpPr>
+          <p:nvPr>
+            <p:ph type="ftr" sz="quarter" idx="11"/>
+          </p:nvPr>
+        </p:nvSpPr>
+        <p:spPr/>
+        <p:txBody>
+          <a:bodyPr/>
+          <a:lstStyle/>
+          <a:p>
+            <a:endParaRPr lang="ru-RU"/>
+          </a:p>
+        </p:txBody>
+      </p:sp>
     </p:spTree>
     <p:extLst>
       <p:ext uri="{BB962C8B-B14F-4D97-AF65-F5344CB8AC3E}">
@@ -4293,7 +6235,7 @@
           <p:cNvPr id="2" name="Заголовок 1">
             <a:extLst>
               <a:ext uri="{FF2B5EF4-FFF2-40B4-BE49-F238E27FC236}">
-                <a16:creationId xmlns:a16="http://schemas.microsoft.com/office/drawing/2014/main" id="{27C8CE0E-2E88-4A7D-9269-12F80B3081E8}"/>
+                <a16:creationId xmlns:a16="http://schemas.microsoft.com/office/drawing/2014/main" id="{2902B110-33EF-4253-86F5-DA70308D6076}"/>
               </a:ext>
             </a:extLst>
           </p:cNvPr>
@@ -4311,75 +6253,105 @@
           <a:p>
             <a:r>
               <a:rPr lang="ru-RU" dirty="0"/>
-              <a:t>Требования выдвигаемые к разрабатываемой программе</a:t>
-            </a:r>
-          </a:p>
-        </p:txBody>
-      </p:sp>
-      <p:sp>
-        <p:nvSpPr>
-          <p:cNvPr id="3" name="Объект 2">
-            <a:extLst>
-              <a:ext uri="{FF2B5EF4-FFF2-40B4-BE49-F238E27FC236}">
-                <a16:creationId xmlns:a16="http://schemas.microsoft.com/office/drawing/2014/main" id="{7E13E4AD-E1CB-49FF-A07F-F7CA0DBBF794}"/>
-              </a:ext>
-            </a:extLst>
-          </p:cNvPr>
-          <p:cNvSpPr>
-            <a:spLocks noGrp="1"/>
-          </p:cNvSpPr>
+              <a:t>Принцип работы устройства</a:t>
+            </a:r>
+          </a:p>
+        </p:txBody>
+      </p:sp>
+      <p:pic>
+        <p:nvPicPr>
+          <p:cNvPr id="5" name="Объект 4">
+            <a:extLst>
+              <a:ext uri="{FF2B5EF4-FFF2-40B4-BE49-F238E27FC236}">
+                <a16:creationId xmlns:a16="http://schemas.microsoft.com/office/drawing/2014/main" id="{4CAEB3C4-FF99-4E2E-BB4A-4735456C3004}"/>
+              </a:ext>
+            </a:extLst>
+          </p:cNvPr>
+          <p:cNvPicPr>
+            <a:picLocks noGrp="1" noChangeAspect="1"/>
+          </p:cNvPicPr>
           <p:nvPr>
             <p:ph idx="1"/>
           </p:nvPr>
-        </p:nvSpPr>
+        </p:nvPicPr>
+        <p:blipFill>
+          <a:blip r:embed="rId2">
+            <a:extLst>
+              <a:ext uri="{28A0092B-C50C-407E-A947-70E740481C1C}">
+                <a14:useLocalDpi xmlns:a14="http://schemas.microsoft.com/office/drawing/2010/main" val="0"/>
+              </a:ext>
+            </a:extLst>
+          </a:blip>
+          <a:stretch>
+            <a:fillRect/>
+          </a:stretch>
+        </p:blipFill>
         <p:spPr>
           <a:xfrm>
-            <a:off x="838200" y="2403835"/>
-            <a:ext cx="10515600" cy="3773128"/>
+            <a:off x="5440683" y="1690688"/>
+            <a:ext cx="6257981" cy="4008957"/>
           </a:xfrm>
         </p:spPr>
-        <p:txBody>
-          <a:bodyPr/>
-          <a:lstStyle/>
-          <a:p>
-            <a:pPr marL="0" indent="0">
-              <a:buNone/>
-            </a:pPr>
-            <a:r>
-              <a:rPr lang="ru-RU" dirty="0"/>
-              <a:t>Разрабатываемое приложение должно выполнять следующие действия:</a:t>
-            </a:r>
-          </a:p>
-          <a:p>
-            <a:r>
-              <a:rPr lang="ru-RU" dirty="0"/>
-              <a:t>Получать и обрабатывать данные от приемопередатчиков</a:t>
-            </a:r>
-          </a:p>
-          <a:p>
-            <a:r>
-              <a:rPr lang="ru-RU" dirty="0"/>
-              <a:t>Получать и обрабатывать данные из интерфейсов пользователя</a:t>
-            </a:r>
-          </a:p>
-          <a:p>
-            <a:r>
-              <a:rPr lang="ru-RU" dirty="0"/>
-              <a:t>Отправлять данные в интерфейсы пользователя и приемопередатчики</a:t>
-            </a:r>
-          </a:p>
-          <a:p>
-            <a:r>
-              <a:rPr lang="ru-RU" dirty="0"/>
-              <a:t>Удаленно контролировать синхронизацию приемопередатчиков</a:t>
-            </a:r>
+      </p:pic>
+      <p:pic>
+        <p:nvPicPr>
+          <p:cNvPr id="10" name="Рисунок 9">
+            <a:extLst>
+              <a:ext uri="{FF2B5EF4-FFF2-40B4-BE49-F238E27FC236}">
+                <a16:creationId xmlns:a16="http://schemas.microsoft.com/office/drawing/2014/main" id="{053A18BC-AA7D-4DC0-934D-BD70424485C8}"/>
+              </a:ext>
+            </a:extLst>
+          </p:cNvPr>
+          <p:cNvPicPr>
+            <a:picLocks noChangeAspect="1"/>
+          </p:cNvPicPr>
+          <p:nvPr/>
+        </p:nvPicPr>
+        <p:blipFill>
+          <a:blip r:embed="rId3"/>
+          <a:stretch>
+            <a:fillRect/>
+          </a:stretch>
+        </p:blipFill>
+        <p:spPr>
+          <a:xfrm>
+            <a:off x="792483" y="1632470"/>
+            <a:ext cx="4648200" cy="4067175"/>
+          </a:xfrm>
+          <a:prstGeom prst="rect">
+            <a:avLst/>
+          </a:prstGeom>
+        </p:spPr>
+      </p:pic>
+      <p:sp>
+        <p:nvSpPr>
+          <p:cNvPr id="3" name="Нижний колонтитул 2">
+            <a:extLst>
+              <a:ext uri="{FF2B5EF4-FFF2-40B4-BE49-F238E27FC236}">
+                <a16:creationId xmlns:a16="http://schemas.microsoft.com/office/drawing/2014/main" id="{8F0F98C0-81A7-4F8E-9EDF-1AE6817CC51A}"/>
+              </a:ext>
+            </a:extLst>
+          </p:cNvPr>
+          <p:cNvSpPr>
+            <a:spLocks noGrp="1"/>
+          </p:cNvSpPr>
+          <p:nvPr>
+            <p:ph type="ftr" sz="quarter" idx="11"/>
+          </p:nvPr>
+        </p:nvSpPr>
+        <p:spPr/>
+        <p:txBody>
+          <a:bodyPr/>
+          <a:lstStyle/>
+          <a:p>
+            <a:endParaRPr lang="ru-RU"/>
           </a:p>
         </p:txBody>
       </p:sp>
     </p:spTree>
     <p:extLst>
       <p:ext uri="{BB962C8B-B14F-4D97-AF65-F5344CB8AC3E}">
-        <p14:creationId xmlns:p14="http://schemas.microsoft.com/office/powerpoint/2010/main" val="3119075717"/>
+        <p14:creationId xmlns:p14="http://schemas.microsoft.com/office/powerpoint/2010/main" val="3731822640"/>
       </p:ext>
     </p:extLst>
   </p:cSld>
@@ -4411,7 +6383,7 @@
           <p:cNvPr id="2" name="Заголовок 1">
             <a:extLst>
               <a:ext uri="{FF2B5EF4-FFF2-40B4-BE49-F238E27FC236}">
-                <a16:creationId xmlns:a16="http://schemas.microsoft.com/office/drawing/2014/main" id="{47E75CCB-7293-444D-B22B-99FF5F44CB03}"/>
+                <a16:creationId xmlns:a16="http://schemas.microsoft.com/office/drawing/2014/main" id="{27C8CE0E-2E88-4A7D-9269-12F80B3081E8}"/>
               </a:ext>
             </a:extLst>
           </p:cNvPr>
@@ -4429,50 +6401,100 @@
           <a:p>
             <a:r>
               <a:rPr lang="ru-RU" dirty="0"/>
-              <a:t>Диаграмма потока данных программы</a:t>
-            </a:r>
-          </a:p>
-        </p:txBody>
-      </p:sp>
-      <p:pic>
-        <p:nvPicPr>
-          <p:cNvPr id="5" name="Объект 4">
-            <a:extLst>
-              <a:ext uri="{FF2B5EF4-FFF2-40B4-BE49-F238E27FC236}">
-                <a16:creationId xmlns:a16="http://schemas.microsoft.com/office/drawing/2014/main" id="{F6C9301D-3EDD-4694-B2CE-CA73E65F9027}"/>
-              </a:ext>
-            </a:extLst>
-          </p:cNvPr>
-          <p:cNvPicPr>
-            <a:picLocks noGrp="1" noChangeAspect="1"/>
-          </p:cNvPicPr>
+              <a:t>Требования выдвигаемые к ПО</a:t>
+            </a:r>
+          </a:p>
+        </p:txBody>
+      </p:sp>
+      <p:sp>
+        <p:nvSpPr>
+          <p:cNvPr id="3" name="Объект 2">
+            <a:extLst>
+              <a:ext uri="{FF2B5EF4-FFF2-40B4-BE49-F238E27FC236}">
+                <a16:creationId xmlns:a16="http://schemas.microsoft.com/office/drawing/2014/main" id="{7E13E4AD-E1CB-49FF-A07F-F7CA0DBBF794}"/>
+              </a:ext>
+            </a:extLst>
+          </p:cNvPr>
+          <p:cNvSpPr>
+            <a:spLocks noGrp="1"/>
+          </p:cNvSpPr>
           <p:nvPr>
             <p:ph idx="1"/>
           </p:nvPr>
-        </p:nvPicPr>
-        <p:blipFill>
-          <a:blip r:embed="rId2">
-            <a:extLst>
-              <a:ext uri="{28A0092B-C50C-407E-A947-70E740481C1C}">
-                <a14:useLocalDpi xmlns:a14="http://schemas.microsoft.com/office/drawing/2010/main" val="0"/>
-              </a:ext>
-            </a:extLst>
-          </a:blip>
-          <a:stretch>
-            <a:fillRect/>
-          </a:stretch>
-        </p:blipFill>
+        </p:nvSpPr>
         <p:spPr>
           <a:xfrm>
-            <a:off x="3031881" y="1825625"/>
-            <a:ext cx="6128237" cy="4351338"/>
+            <a:off x="838200" y="1946635"/>
+            <a:ext cx="10515600" cy="3773128"/>
           </a:xfrm>
         </p:spPr>
-      </p:pic>
+        <p:txBody>
+          <a:bodyPr/>
+          <a:lstStyle/>
+          <a:p>
+            <a:pPr marL="0" indent="0">
+              <a:buNone/>
+            </a:pPr>
+            <a:r>
+              <a:rPr lang="ru-RU" dirty="0"/>
+              <a:t>ПО должно выполнять следующие действия:</a:t>
+            </a:r>
+          </a:p>
+          <a:p>
+            <a:r>
+              <a:rPr lang="ru-RU" dirty="0"/>
+              <a:t>Обрабатывать данные получаемые от приемопередатчиков</a:t>
+            </a:r>
+          </a:p>
+          <a:p>
+            <a:r>
+              <a:rPr lang="ru-RU" dirty="0"/>
+              <a:t>Обрабатывать данные получаемые из интерфейсов пользователя</a:t>
+            </a:r>
+          </a:p>
+          <a:p>
+            <a:r>
+              <a:rPr lang="ru-RU" dirty="0"/>
+              <a:t>Отправлять данные в интерфейсы пользователя и приемопередатчики</a:t>
+            </a:r>
+          </a:p>
+          <a:p>
+            <a:r>
+              <a:rPr lang="ru-RU" dirty="0"/>
+              <a:t>Удаленно контролировать синхронизацию приемопередатчиков по радиоканалу</a:t>
+            </a:r>
+          </a:p>
+        </p:txBody>
+      </p:sp>
+      <p:sp>
+        <p:nvSpPr>
+          <p:cNvPr id="4" name="Нижний колонтитул 3">
+            <a:extLst>
+              <a:ext uri="{FF2B5EF4-FFF2-40B4-BE49-F238E27FC236}">
+                <a16:creationId xmlns:a16="http://schemas.microsoft.com/office/drawing/2014/main" id="{C7FA4E9F-FDC4-418C-84BE-ADA9829A97EB}"/>
+              </a:ext>
+            </a:extLst>
+          </p:cNvPr>
+          <p:cNvSpPr>
+            <a:spLocks noGrp="1"/>
+          </p:cNvSpPr>
+          <p:nvPr>
+            <p:ph type="ftr" sz="quarter" idx="11"/>
+          </p:nvPr>
+        </p:nvSpPr>
+        <p:spPr/>
+        <p:txBody>
+          <a:bodyPr/>
+          <a:lstStyle/>
+          <a:p>
+            <a:endParaRPr lang="ru-RU"/>
+          </a:p>
+        </p:txBody>
+      </p:sp>
     </p:spTree>
     <p:extLst>
       <p:ext uri="{BB962C8B-B14F-4D97-AF65-F5344CB8AC3E}">
-        <p14:creationId xmlns:p14="http://schemas.microsoft.com/office/powerpoint/2010/main" val="782455063"/>
+        <p14:creationId xmlns:p14="http://schemas.microsoft.com/office/powerpoint/2010/main" val="3119075717"/>
       </p:ext>
     </p:extLst>
   </p:cSld>
@@ -4515,14 +6537,19 @@
             <p:ph type="title"/>
           </p:nvPr>
         </p:nvSpPr>
-        <p:spPr/>
+        <p:spPr>
+          <a:xfrm>
+            <a:off x="0" y="-258729"/>
+            <a:ext cx="10515600" cy="1325563"/>
+          </a:xfrm>
+        </p:spPr>
         <p:txBody>
           <a:bodyPr/>
           <a:lstStyle/>
           <a:p>
             <a:r>
               <a:rPr lang="ru-RU" dirty="0"/>
-              <a:t>Синхронизация устройств</a:t>
+              <a:t>Алгоритм синхронизации устройств</a:t>
             </a:r>
           </a:p>
         </p:txBody>
@@ -4557,11 +6584,109 @@
         </p:blipFill>
         <p:spPr>
           <a:xfrm>
-            <a:off x="2298801" y="1326004"/>
-            <a:ext cx="7655904" cy="5478870"/>
+            <a:off x="2128348" y="689565"/>
+            <a:ext cx="8387252" cy="6002252"/>
           </a:xfrm>
         </p:spPr>
       </p:pic>
+      <p:sp>
+        <p:nvSpPr>
+          <p:cNvPr id="3" name="TextBox 2">
+            <a:extLst>
+              <a:ext uri="{FF2B5EF4-FFF2-40B4-BE49-F238E27FC236}">
+                <a16:creationId xmlns:a16="http://schemas.microsoft.com/office/drawing/2014/main" id="{FC92E169-71FF-464E-B631-E71E76C9B764}"/>
+              </a:ext>
+            </a:extLst>
+          </p:cNvPr>
+          <p:cNvSpPr txBox="1"/>
+          <p:nvPr/>
+        </p:nvSpPr>
+        <p:spPr>
+          <a:xfrm>
+            <a:off x="520700" y="1066834"/>
+            <a:ext cx="5575300" cy="2862322"/>
+          </a:xfrm>
+          <a:prstGeom prst="rect">
+            <a:avLst/>
+          </a:prstGeom>
+          <a:noFill/>
+        </p:spPr>
+        <p:txBody>
+          <a:bodyPr wrap="square" rtlCol="0">
+            <a:spAutoFit/>
+          </a:bodyPr>
+          <a:lstStyle/>
+          <a:p>
+            <a:r>
+              <a:rPr lang="ru-RU" sz="2000" dirty="0"/>
+              <a:t>В процессе синхронизации участвуют два сообщения: </a:t>
+            </a:r>
+            <a:r>
+              <a:rPr lang="en-US" sz="2000" dirty="0"/>
+              <a:t>MASTER_REQ</a:t>
+            </a:r>
+            <a:r>
+              <a:rPr lang="ru-RU" sz="2000" dirty="0"/>
+              <a:t> и </a:t>
+            </a:r>
+            <a:r>
+              <a:rPr lang="en-US" sz="2000" dirty="0"/>
+              <a:t>SLAVE_RESP</a:t>
+            </a:r>
+          </a:p>
+          <a:p>
+            <a:endParaRPr lang="en-US" sz="2000" dirty="0"/>
+          </a:p>
+          <a:p>
+            <a:r>
+              <a:rPr lang="ru-RU" sz="2000" dirty="0"/>
+              <a:t>К событиям приема относятся события</a:t>
+            </a:r>
+            <a:r>
+              <a:rPr lang="en-US" sz="2000" dirty="0"/>
+              <a:t> </a:t>
+            </a:r>
+            <a:r>
+              <a:rPr lang="ru-RU" sz="2000" dirty="0"/>
+              <a:t>успешного приема, тайм-аута приема и приема с ошибкой</a:t>
+            </a:r>
+          </a:p>
+          <a:p>
+            <a:endParaRPr lang="ru-RU" sz="2000" dirty="0"/>
+          </a:p>
+          <a:p>
+            <a:r>
+              <a:rPr lang="ru-RU" sz="2000" dirty="0"/>
+              <a:t>К событиям передачи относятся события успешной передачи и ошибочной передачи</a:t>
+            </a:r>
+          </a:p>
+        </p:txBody>
+      </p:sp>
+      <p:sp>
+        <p:nvSpPr>
+          <p:cNvPr id="4" name="Нижний колонтитул 3">
+            <a:extLst>
+              <a:ext uri="{FF2B5EF4-FFF2-40B4-BE49-F238E27FC236}">
+                <a16:creationId xmlns:a16="http://schemas.microsoft.com/office/drawing/2014/main" id="{ADC1A330-63DB-4843-910D-45EADD442C99}"/>
+              </a:ext>
+            </a:extLst>
+          </p:cNvPr>
+          <p:cNvSpPr>
+            <a:spLocks noGrp="1"/>
+          </p:cNvSpPr>
+          <p:nvPr>
+            <p:ph type="ftr" sz="quarter" idx="11"/>
+          </p:nvPr>
+        </p:nvSpPr>
+        <p:spPr/>
+        <p:txBody>
+          <a:bodyPr/>
+          <a:lstStyle/>
+          <a:p>
+            <a:endParaRPr lang="ru-RU"/>
+          </a:p>
+        </p:txBody>
+      </p:sp>
     </p:spTree>
     <p:extLst>
       <p:ext uri="{BB962C8B-B14F-4D97-AF65-F5344CB8AC3E}">
@@ -4868,4 +6993,299 @@
     </a:ext>
   </a:extLst>
 </a:theme>
+</file>
+
+<file path=ppt/theme/theme2.xml><?xml version="1.0" encoding="utf-8"?>
+<a:theme xmlns:a="http://schemas.openxmlformats.org/drawingml/2006/main" name="Тема Office">
+  <a:themeElements>
+    <a:clrScheme name="Стандартная">
+      <a:dk1>
+        <a:sysClr val="windowText" lastClr="000000"/>
+      </a:dk1>
+      <a:lt1>
+        <a:sysClr val="window" lastClr="FFFFFF"/>
+      </a:lt1>
+      <a:dk2>
+        <a:srgbClr val="44546A"/>
+      </a:dk2>
+      <a:lt2>
+        <a:srgbClr val="E7E6E6"/>
+      </a:lt2>
+      <a:accent1>
+        <a:srgbClr val="4472C4"/>
+      </a:accent1>
+      <a:accent2>
+        <a:srgbClr val="ED7D31"/>
+      </a:accent2>
+      <a:accent3>
+        <a:srgbClr val="A5A5A5"/>
+      </a:accent3>
+      <a:accent4>
+        <a:srgbClr val="FFC000"/>
+      </a:accent4>
+      <a:accent5>
+        <a:srgbClr val="5B9BD5"/>
+      </a:accent5>
+      <a:accent6>
+        <a:srgbClr val="70AD47"/>
+      </a:accent6>
+      <a:hlink>
+        <a:srgbClr val="0563C1"/>
+      </a:hlink>
+      <a:folHlink>
+        <a:srgbClr val="954F72"/>
+      </a:folHlink>
+    </a:clrScheme>
+    <a:fontScheme name="Стандартная">
+      <a:majorFont>
+        <a:latin typeface="Calibri Light" panose="020F0302020204030204"/>
+        <a:ea typeface=""/>
+        <a:cs typeface=""/>
+        <a:font script="Jpan" typeface="游ゴシック Light"/>
+        <a:font script="Hang" typeface="맑은 고딕"/>
+        <a:font script="Hans" typeface="等线 Light"/>
+        <a:font script="Hant" typeface="新細明體"/>
+        <a:font script="Arab" typeface="Times New Roman"/>
+        <a:font script="Hebr" typeface="Times New Roman"/>
+        <a:font script="Thai" typeface="Angsana New"/>
+        <a:font script="Ethi" typeface="Nyala"/>
+        <a:font script="Beng" typeface="Vrinda"/>
+        <a:font script="Gujr" typeface="Shruti"/>
+        <a:font script="Khmr" typeface="MoolBoran"/>
+        <a:font script="Knda" typeface="Tunga"/>
+        <a:font script="Guru" typeface="Raavi"/>
+        <a:font script="Cans" typeface="Euphemia"/>
+        <a:font script="Cher" typeface="Plantagenet Cherokee"/>
+        <a:font script="Yiii" typeface="Microsoft Yi Baiti"/>
+        <a:font script="Tibt" typeface="Microsoft Himalaya"/>
+        <a:font script="Thaa" typeface="MV Boli"/>
+        <a:font script="Deva" typeface="Mangal"/>
+        <a:font script="Telu" typeface="Gautami"/>
+        <a:font script="Taml" typeface="Latha"/>
+        <a:font script="Syrc" typeface="Estrangelo Edessa"/>
+        <a:font script="Orya" typeface="Kalinga"/>
+        <a:font script="Mlym" typeface="Kartika"/>
+        <a:font script="Laoo" typeface="DokChampa"/>
+        <a:font script="Sinh" typeface="Iskoola Pota"/>
+        <a:font script="Mong" typeface="Mongolian Baiti"/>
+        <a:font script="Viet" typeface="Times New Roman"/>
+        <a:font script="Uigh" typeface="Microsoft Uighur"/>
+        <a:font script="Geor" typeface="Sylfaen"/>
+        <a:font script="Armn" typeface="Arial"/>
+        <a:font script="Bugi" typeface="Leelawadee UI"/>
+        <a:font script="Bopo" typeface="Microsoft JhengHei"/>
+        <a:font script="Java" typeface="Javanese Text"/>
+        <a:font script="Lisu" typeface="Segoe UI"/>
+        <a:font script="Mymr" typeface="Myanmar Text"/>
+        <a:font script="Nkoo" typeface="Ebrima"/>
+        <a:font script="Olck" typeface="Nirmala UI"/>
+        <a:font script="Osma" typeface="Ebrima"/>
+        <a:font script="Phag" typeface="Phagspa"/>
+        <a:font script="Syrn" typeface="Estrangelo Edessa"/>
+        <a:font script="Syrj" typeface="Estrangelo Edessa"/>
+        <a:font script="Syre" typeface="Estrangelo Edessa"/>
+        <a:font script="Sora" typeface="Nirmala UI"/>
+        <a:font script="Tale" typeface="Microsoft Tai Le"/>
+        <a:font script="Talu" typeface="Microsoft New Tai Lue"/>
+        <a:font script="Tfng" typeface="Ebrima"/>
+      </a:majorFont>
+      <a:minorFont>
+        <a:latin typeface="Calibri" panose="020F0502020204030204"/>
+        <a:ea typeface=""/>
+        <a:cs typeface=""/>
+        <a:font script="Jpan" typeface="游ゴシック"/>
+        <a:font script="Hang" typeface="맑은 고딕"/>
+        <a:font script="Hans" typeface="等线"/>
+        <a:font script="Hant" typeface="新細明體"/>
+        <a:font script="Arab" typeface="Arial"/>
+        <a:font script="Hebr" typeface="Arial"/>
+        <a:font script="Thai" typeface="Cordia New"/>
+        <a:font script="Ethi" typeface="Nyala"/>
+        <a:font script="Beng" typeface="Vrinda"/>
+        <a:font script="Gujr" typeface="Shruti"/>
+        <a:font script="Khmr" typeface="DaunPenh"/>
+        <a:font script="Knda" typeface="Tunga"/>
+        <a:font script="Guru" typeface="Raavi"/>
+        <a:font script="Cans" typeface="Euphemia"/>
+        <a:font script="Cher" typeface="Plantagenet Cherokee"/>
+        <a:font script="Yiii" typeface="Microsoft Yi Baiti"/>
+        <a:font script="Tibt" typeface="Microsoft Himalaya"/>
+        <a:font script="Thaa" typeface="MV Boli"/>
+        <a:font script="Deva" typeface="Mangal"/>
+        <a:font script="Telu" typeface="Gautami"/>
+        <a:font script="Taml" typeface="Latha"/>
+        <a:font script="Syrc" typeface="Estrangelo Edessa"/>
+        <a:font script="Orya" typeface="Kalinga"/>
+        <a:font script="Mlym" typeface="Kartika"/>
+        <a:font script="Laoo" typeface="DokChampa"/>
+        <a:font script="Sinh" typeface="Iskoola Pota"/>
+        <a:font script="Mong" typeface="Mongolian Baiti"/>
+        <a:font script="Viet" typeface="Arial"/>
+        <a:font script="Uigh" typeface="Microsoft Uighur"/>
+        <a:font script="Geor" typeface="Sylfaen"/>
+        <a:font script="Armn" typeface="Arial"/>
+        <a:font script="Bugi" typeface="Leelawadee UI"/>
+        <a:font script="Bopo" typeface="Microsoft JhengHei"/>
+        <a:font script="Java" typeface="Javanese Text"/>
+        <a:font script="Lisu" typeface="Segoe UI"/>
+        <a:font script="Mymr" typeface="Myanmar Text"/>
+        <a:font script="Nkoo" typeface="Ebrima"/>
+        <a:font script="Olck" typeface="Nirmala UI"/>
+        <a:font script="Osma" typeface="Ebrima"/>
+        <a:font script="Phag" typeface="Phagspa"/>
+        <a:font script="Syrn" typeface="Estrangelo Edessa"/>
+        <a:font script="Syrj" typeface="Estrangelo Edessa"/>
+        <a:font script="Syre" typeface="Estrangelo Edessa"/>
+        <a:font script="Sora" typeface="Nirmala UI"/>
+        <a:font script="Tale" typeface="Microsoft Tai Le"/>
+        <a:font script="Talu" typeface="Microsoft New Tai Lue"/>
+        <a:font script="Tfng" typeface="Ebrima"/>
+      </a:minorFont>
+    </a:fontScheme>
+    <a:fmtScheme name="Стандартная">
+      <a:fillStyleLst>
+        <a:solidFill>
+          <a:schemeClr val="phClr"/>
+        </a:solidFill>
+        <a:gradFill rotWithShape="1">
+          <a:gsLst>
+            <a:gs pos="0">
+              <a:schemeClr val="phClr">
+                <a:lumMod val="110000"/>
+                <a:satMod val="105000"/>
+                <a:tint val="67000"/>
+              </a:schemeClr>
+            </a:gs>
+            <a:gs pos="50000">
+              <a:schemeClr val="phClr">
+                <a:lumMod val="105000"/>
+                <a:satMod val="103000"/>
+                <a:tint val="73000"/>
+              </a:schemeClr>
+            </a:gs>
+            <a:gs pos="100000">
+              <a:schemeClr val="phClr">
+                <a:lumMod val="105000"/>
+                <a:satMod val="109000"/>
+                <a:tint val="81000"/>
+              </a:schemeClr>
+            </a:gs>
+          </a:gsLst>
+          <a:lin ang="5400000" scaled="0"/>
+        </a:gradFill>
+        <a:gradFill rotWithShape="1">
+          <a:gsLst>
+            <a:gs pos="0">
+              <a:schemeClr val="phClr">
+                <a:satMod val="103000"/>
+                <a:lumMod val="102000"/>
+                <a:tint val="94000"/>
+              </a:schemeClr>
+            </a:gs>
+            <a:gs pos="50000">
+              <a:schemeClr val="phClr">
+                <a:satMod val="110000"/>
+                <a:lumMod val="100000"/>
+                <a:shade val="100000"/>
+              </a:schemeClr>
+            </a:gs>
+            <a:gs pos="100000">
+              <a:schemeClr val="phClr">
+                <a:lumMod val="99000"/>
+                <a:satMod val="120000"/>
+                <a:shade val="78000"/>
+              </a:schemeClr>
+            </a:gs>
+          </a:gsLst>
+          <a:lin ang="5400000" scaled="0"/>
+        </a:gradFill>
+      </a:fillStyleLst>
+      <a:lnStyleLst>
+        <a:ln w="6350" cap="flat" cmpd="sng" algn="ctr">
+          <a:solidFill>
+            <a:schemeClr val="phClr"/>
+          </a:solidFill>
+          <a:prstDash val="solid"/>
+          <a:miter lim="800000"/>
+        </a:ln>
+        <a:ln w="12700" cap="flat" cmpd="sng" algn="ctr">
+          <a:solidFill>
+            <a:schemeClr val="phClr"/>
+          </a:solidFill>
+          <a:prstDash val="solid"/>
+          <a:miter lim="800000"/>
+        </a:ln>
+        <a:ln w="19050" cap="flat" cmpd="sng" algn="ctr">
+          <a:solidFill>
+            <a:schemeClr val="phClr"/>
+          </a:solidFill>
+          <a:prstDash val="solid"/>
+          <a:miter lim="800000"/>
+        </a:ln>
+      </a:lnStyleLst>
+      <a:effectStyleLst>
+        <a:effectStyle>
+          <a:effectLst/>
+        </a:effectStyle>
+        <a:effectStyle>
+          <a:effectLst/>
+        </a:effectStyle>
+        <a:effectStyle>
+          <a:effectLst>
+            <a:outerShdw blurRad="57150" dist="19050" dir="5400000" algn="ctr" rotWithShape="0">
+              <a:srgbClr val="000000">
+                <a:alpha val="63000"/>
+              </a:srgbClr>
+            </a:outerShdw>
+          </a:effectLst>
+        </a:effectStyle>
+      </a:effectStyleLst>
+      <a:bgFillStyleLst>
+        <a:solidFill>
+          <a:schemeClr val="phClr"/>
+        </a:solidFill>
+        <a:solidFill>
+          <a:schemeClr val="phClr">
+            <a:tint val="95000"/>
+            <a:satMod val="170000"/>
+          </a:schemeClr>
+        </a:solidFill>
+        <a:gradFill rotWithShape="1">
+          <a:gsLst>
+            <a:gs pos="0">
+              <a:schemeClr val="phClr">
+                <a:tint val="93000"/>
+                <a:satMod val="150000"/>
+                <a:shade val="98000"/>
+                <a:lumMod val="102000"/>
+              </a:schemeClr>
+            </a:gs>
+            <a:gs pos="50000">
+              <a:schemeClr val="phClr">
+                <a:tint val="98000"/>
+                <a:satMod val="130000"/>
+                <a:shade val="90000"/>
+                <a:lumMod val="103000"/>
+              </a:schemeClr>
+            </a:gs>
+            <a:gs pos="100000">
+              <a:schemeClr val="phClr">
+                <a:shade val="63000"/>
+                <a:satMod val="120000"/>
+              </a:schemeClr>
+            </a:gs>
+          </a:gsLst>
+          <a:lin ang="5400000" scaled="0"/>
+        </a:gradFill>
+      </a:bgFillStyleLst>
+    </a:fmtScheme>
+  </a:themeElements>
+  <a:objectDefaults/>
+  <a:extraClrSchemeLst/>
+  <a:extLst>
+    <a:ext uri="{05A4C25C-085E-4340-85A3-A5531E510DB2}">
+      <thm15:themeFamily xmlns:thm15="http://schemas.microsoft.com/office/thememl/2012/main" name="Office Theme" id="{62F939B6-93AF-4DB8-9C6B-D6C7DFDC589F}" vid="{4A3C46E8-61CC-4603-A589-7422A47A8E4A}"/>
+    </a:ext>
+  </a:extLst>
+</a:theme>
 </file>
--- a/предзащита.pptx
+++ b/предзащита.pptx
@@ -5,7 +5,7 @@
     <p:sldMasterId id="2147483648" r:id="rId1"/>
   </p:sldMasterIdLst>
   <p:notesMasterIdLst>
-    <p:notesMasterId r:id="rId16"/>
+    <p:notesMasterId r:id="rId17"/>
   </p:notesMasterIdLst>
   <p:sldIdLst>
     <p:sldId id="256" r:id="rId2"/>
@@ -15,13 +15,14 @@
     <p:sldId id="264" r:id="rId6"/>
     <p:sldId id="268" r:id="rId7"/>
     <p:sldId id="270" r:id="rId8"/>
-    <p:sldId id="265" r:id="rId9"/>
-    <p:sldId id="267" r:id="rId10"/>
-    <p:sldId id="269" r:id="rId11"/>
-    <p:sldId id="271" r:id="rId12"/>
-    <p:sldId id="266" r:id="rId13"/>
+    <p:sldId id="274" r:id="rId9"/>
+    <p:sldId id="266" r:id="rId10"/>
+    <p:sldId id="267" r:id="rId11"/>
+    <p:sldId id="269" r:id="rId12"/>
+    <p:sldId id="275" r:id="rId13"/>
     <p:sldId id="272" r:id="rId14"/>
     <p:sldId id="273" r:id="rId15"/>
+    <p:sldId id="271" r:id="rId16"/>
   </p:sldIdLst>
   <p:sldSz cx="12192000" cy="6858000"/>
   <p:notesSz cx="6858000" cy="9144000"/>
@@ -132,13 +133,14 @@
             <p14:sldId id="264"/>
             <p14:sldId id="268"/>
             <p14:sldId id="270"/>
-            <p14:sldId id="265"/>
+            <p14:sldId id="274"/>
+            <p14:sldId id="266"/>
             <p14:sldId id="267"/>
             <p14:sldId id="269"/>
-            <p14:sldId id="271"/>
-            <p14:sldId id="266"/>
+            <p14:sldId id="275"/>
             <p14:sldId id="272"/>
             <p14:sldId id="273"/>
+            <p14:sldId id="271"/>
           </p14:sldIdLst>
         </p14:section>
       </p14:sectionLst>
@@ -734,7 +736,7 @@
           <a:p>
             <a:fld id="{CF7115F3-DAAC-47D8-B0AD-8D93AF4FF2E5}" type="datetimeFigureOut">
               <a:rPr lang="ru-RU" smtClean="0"/>
-              <a:t>08.01.2023</a:t>
+              <a:t>11.01.2023</a:t>
             </a:fld>
             <a:endParaRPr lang="ru-RU"/>
           </a:p>
@@ -1146,9 +1148,9 @@
           <a:bodyPr/>
           <a:lstStyle/>
           <a:p>
-            <a:fld id="{0FB03B81-BC02-4D2B-8544-1D8BF89D9D82}" type="datetime1">
+            <a:fld id="{5B46C633-A531-46D3-95CA-56CBD11AFE0D}" type="datetime1">
               <a:rPr lang="ru-RU" smtClean="0"/>
-              <a:t>08.01.2023</a:t>
+              <a:t>11.01.2023</a:t>
             </a:fld>
             <a:endParaRPr lang="ru-RU"/>
           </a:p>
@@ -1344,9 +1346,9 @@
           <a:bodyPr/>
           <a:lstStyle/>
           <a:p>
-            <a:fld id="{B8E3E3F2-3828-48D7-A73C-77304DE35259}" type="datetime1">
+            <a:fld id="{5DA63293-4DAF-4074-B391-E1483FE1E6E2}" type="datetime1">
               <a:rPr lang="ru-RU" smtClean="0"/>
-              <a:t>08.01.2023</a:t>
+              <a:t>11.01.2023</a:t>
             </a:fld>
             <a:endParaRPr lang="ru-RU"/>
           </a:p>
@@ -1552,9 +1554,9 @@
           <a:bodyPr/>
           <a:lstStyle/>
           <a:p>
-            <a:fld id="{E046AC51-696B-4A25-A274-F1FF383DCE33}" type="datetime1">
+            <a:fld id="{6C420CEA-3D4C-4DE3-A2EE-EDB690747918}" type="datetime1">
               <a:rPr lang="ru-RU" smtClean="0"/>
-              <a:t>08.01.2023</a:t>
+              <a:t>11.01.2023</a:t>
             </a:fld>
             <a:endParaRPr lang="ru-RU"/>
           </a:p>
@@ -1750,9 +1752,9 @@
           <a:bodyPr/>
           <a:lstStyle/>
           <a:p>
-            <a:fld id="{0DCA8091-AC45-4425-87CC-18B85B0C7DE6}" type="datetime1">
+            <a:fld id="{90207707-E956-4174-AA4B-61837E8D9E79}" type="datetime1">
               <a:rPr lang="ru-RU" smtClean="0"/>
-              <a:t>08.01.2023</a:t>
+              <a:t>11.01.2023</a:t>
             </a:fld>
             <a:endParaRPr lang="ru-RU"/>
           </a:p>
@@ -2025,9 +2027,9 @@
           <a:bodyPr/>
           <a:lstStyle/>
           <a:p>
-            <a:fld id="{F73E88FE-26A8-4FF4-9935-1F27F121C4E0}" type="datetime1">
+            <a:fld id="{C8897D8D-A8E0-4472-9F51-BF461A7A324B}" type="datetime1">
               <a:rPr lang="ru-RU" smtClean="0"/>
-              <a:t>08.01.2023</a:t>
+              <a:t>11.01.2023</a:t>
             </a:fld>
             <a:endParaRPr lang="ru-RU"/>
           </a:p>
@@ -2290,9 +2292,9 @@
           <a:bodyPr/>
           <a:lstStyle/>
           <a:p>
-            <a:fld id="{12045DB3-1A9B-4A36-8977-F1B8A93C28BA}" type="datetime1">
+            <a:fld id="{1A82A9C0-87ED-4212-9D2D-0A3F53303431}" type="datetime1">
               <a:rPr lang="ru-RU" smtClean="0"/>
-              <a:t>08.01.2023</a:t>
+              <a:t>11.01.2023</a:t>
             </a:fld>
             <a:endParaRPr lang="ru-RU"/>
           </a:p>
@@ -2702,9 +2704,9 @@
           <a:bodyPr/>
           <a:lstStyle/>
           <a:p>
-            <a:fld id="{5CBE8D17-1CD2-43B6-B3C2-8151CDB63738}" type="datetime1">
+            <a:fld id="{B5926CCF-41AD-468D-8EC7-3DC31542840A}" type="datetime1">
               <a:rPr lang="ru-RU" smtClean="0"/>
-              <a:t>08.01.2023</a:t>
+              <a:t>11.01.2023</a:t>
             </a:fld>
             <a:endParaRPr lang="ru-RU"/>
           </a:p>
@@ -2843,9 +2845,9 @@
           <a:bodyPr/>
           <a:lstStyle/>
           <a:p>
-            <a:fld id="{EFB94E9D-86EE-4516-A4E4-D9F6AE4CB70A}" type="datetime1">
+            <a:fld id="{0C948D67-4833-4505-9E0B-4BE6425699AC}" type="datetime1">
               <a:rPr lang="ru-RU" smtClean="0"/>
-              <a:t>08.01.2023</a:t>
+              <a:t>11.01.2023</a:t>
             </a:fld>
             <a:endParaRPr lang="ru-RU"/>
           </a:p>
@@ -2956,9 +2958,9 @@
           <a:bodyPr/>
           <a:lstStyle/>
           <a:p>
-            <a:fld id="{F8D60708-4C19-4A66-8E4D-E36BF991784B}" type="datetime1">
+            <a:fld id="{09AE0A13-2D1B-4D32-BC9D-6E5EE950ACD9}" type="datetime1">
               <a:rPr lang="ru-RU" smtClean="0"/>
-              <a:t>08.01.2023</a:t>
+              <a:t>11.01.2023</a:t>
             </a:fld>
             <a:endParaRPr lang="ru-RU"/>
           </a:p>
@@ -3267,9 +3269,9 @@
           <a:bodyPr/>
           <a:lstStyle/>
           <a:p>
-            <a:fld id="{292704AC-C8DD-4B62-8652-1C9B7D56290D}" type="datetime1">
+            <a:fld id="{8E2915A5-98B9-42FA-8043-08D92824D7DB}" type="datetime1">
               <a:rPr lang="ru-RU" smtClean="0"/>
-              <a:t>08.01.2023</a:t>
+              <a:t>11.01.2023</a:t>
             </a:fld>
             <a:endParaRPr lang="ru-RU"/>
           </a:p>
@@ -3555,9 +3557,9 @@
           <a:bodyPr/>
           <a:lstStyle/>
           <a:p>
-            <a:fld id="{F0E1AE85-C9F4-49A8-9156-56EFCDC1485C}" type="datetime1">
+            <a:fld id="{1EAEC27C-B9A0-4895-8B98-35896FCCE5C6}" type="datetime1">
               <a:rPr lang="ru-RU" smtClean="0"/>
-              <a:t>08.01.2023</a:t>
+              <a:t>11.01.2023</a:t>
             </a:fld>
             <a:endParaRPr lang="ru-RU"/>
           </a:p>
@@ -3796,9 +3798,9 @@
             </a:lvl1pPr>
           </a:lstStyle>
           <a:p>
-            <a:fld id="{5923A161-D9CE-444D-A322-4A10BC4A154B}" type="datetime1">
+            <a:fld id="{A1E3A0D9-D292-459C-86AB-6E42AF27CEE5}" type="datetime1">
               <a:rPr lang="ru-RU" smtClean="0"/>
-              <a:t>08.01.2023</a:t>
+              <a:t>11.01.2023</a:t>
             </a:fld>
             <a:endParaRPr lang="ru-RU"/>
           </a:p>
@@ -3915,7 +3917,7 @@
     <p:sldLayoutId id="2147483658" r:id="rId10"/>
     <p:sldLayoutId id="2147483659" r:id="rId11"/>
   </p:sldLayoutIdLst>
-  <p:hf sldNum="0" hdr="0" dt="0"/>
+  <p:hf hdr="0" ftr="0" dt="0"/>
   <p:txStyles>
     <p:titleStyle>
       <a:lvl1pPr algn="l" defTabSz="914400" rtl="0" eaLnBrk="1" latinLnBrk="0" hangingPunct="1">
@@ -4246,7 +4248,7 @@
           <a:p>
             <a:r>
               <a:rPr lang="ru-RU" dirty="0"/>
-              <a:t>Разработка ПО для низкоскоростной дуплексной системы связи для применения в комплексах БПЛА</a:t>
+              <a:t>Разработка низкоскоростной дуплексной системы связи для применения в комплексах БПЛА</a:t>
             </a:r>
           </a:p>
         </p:txBody>
@@ -4319,7 +4321,7 @@
           <p:cNvPr id="2" name="Заголовок 1">
             <a:extLst>
               <a:ext uri="{FF2B5EF4-FFF2-40B4-BE49-F238E27FC236}">
-                <a16:creationId xmlns:a16="http://schemas.microsoft.com/office/drawing/2014/main" id="{50032F43-9947-4602-8A47-2C86092D6306}"/>
+                <a16:creationId xmlns:a16="http://schemas.microsoft.com/office/drawing/2014/main" id="{206A3440-1942-41C6-88D0-3296CEB61B67}"/>
               </a:ext>
             </a:extLst>
           </p:cNvPr>
@@ -4330,50 +4332,29 @@
             <p:ph type="title"/>
           </p:nvPr>
         </p:nvSpPr>
-        <p:spPr/>
-        <p:txBody>
-          <a:bodyPr>
-            <a:normAutofit fontScale="90000"/>
-          </a:bodyPr>
+        <p:spPr>
+          <a:xfrm>
+            <a:off x="1064174" y="-288387"/>
+            <a:ext cx="10515600" cy="1325563"/>
+          </a:xfrm>
+        </p:spPr>
+        <p:txBody>
+          <a:bodyPr/>
           <a:lstStyle/>
           <a:p>
             <a:r>
               <a:rPr lang="ru-RU" dirty="0"/>
-              <a:t>Корректировка синхронизирующего таймера (Подписать кадры </a:t>
-            </a:r>
-            <a:r>
-              <a:rPr lang="en-US" dirty="0"/>
-              <a:t>MASTER_REQ </a:t>
-            </a:r>
-            <a:r>
-              <a:rPr lang="ru-RU" dirty="0"/>
-              <a:t>И </a:t>
-            </a:r>
-            <a:r>
-              <a:rPr lang="en-US" dirty="0"/>
-              <a:t>SLAVE_RESP</a:t>
-            </a:r>
-            <a:r>
-              <a:rPr lang="ru-RU" dirty="0"/>
-              <a:t> и сделать несколько </a:t>
-            </a:r>
-            <a:r>
-              <a:rPr lang="ru-RU" dirty="0" err="1"/>
-              <a:t>рассинхронизированных</a:t>
-            </a:r>
-            <a:r>
-              <a:rPr lang="ru-RU" dirty="0"/>
-              <a:t> тайм-слотов и вставить формулы)</a:t>
+              <a:t>Алгоритм синхронизации устройств</a:t>
             </a:r>
           </a:p>
         </p:txBody>
       </p:sp>
       <p:pic>
         <p:nvPicPr>
-          <p:cNvPr id="4" name="Объект 4">
-            <a:extLst>
-              <a:ext uri="{FF2B5EF4-FFF2-40B4-BE49-F238E27FC236}">
-                <a16:creationId xmlns:a16="http://schemas.microsoft.com/office/drawing/2014/main" id="{AA711D70-A4D7-4A40-B7A8-FF1AAC2A57D0}"/>
+          <p:cNvPr id="13" name="Объект 12">
+            <a:extLst>
+              <a:ext uri="{FF2B5EF4-FFF2-40B4-BE49-F238E27FC236}">
+                <a16:creationId xmlns:a16="http://schemas.microsoft.com/office/drawing/2014/main" id="{4BF92414-0AD7-4407-A376-F85BB82E67F2}"/>
               </a:ext>
             </a:extLst>
           </p:cNvPr>
@@ -4398,25 +4379,98 @@
         </p:blipFill>
         <p:spPr>
           <a:xfrm>
-            <a:off x="2850850" y="1929320"/>
-            <a:ext cx="6697690" cy="4351338"/>
+            <a:off x="2128348" y="689565"/>
+            <a:ext cx="8387252" cy="6002252"/>
           </a:xfrm>
         </p:spPr>
       </p:pic>
       <p:sp>
         <p:nvSpPr>
-          <p:cNvPr id="3" name="Нижний колонтитул 2">
-            <a:extLst>
-              <a:ext uri="{FF2B5EF4-FFF2-40B4-BE49-F238E27FC236}">
-                <a16:creationId xmlns:a16="http://schemas.microsoft.com/office/drawing/2014/main" id="{E0125259-671E-4215-BE3F-0428E92186F2}"/>
-              </a:ext>
-            </a:extLst>
-          </p:cNvPr>
-          <p:cNvSpPr>
-            <a:spLocks noGrp="1"/>
-          </p:cNvSpPr>
-          <p:nvPr>
-            <p:ph type="ftr" sz="quarter" idx="11"/>
+          <p:cNvPr id="3" name="TextBox 2">
+            <a:extLst>
+              <a:ext uri="{FF2B5EF4-FFF2-40B4-BE49-F238E27FC236}">
+                <a16:creationId xmlns:a16="http://schemas.microsoft.com/office/drawing/2014/main" id="{FC92E169-71FF-464E-B631-E71E76C9B764}"/>
+              </a:ext>
+            </a:extLst>
+          </p:cNvPr>
+          <p:cNvSpPr txBox="1"/>
+          <p:nvPr/>
+        </p:nvSpPr>
+        <p:spPr>
+          <a:xfrm>
+            <a:off x="520700" y="1066834"/>
+            <a:ext cx="5575300" cy="2862322"/>
+          </a:xfrm>
+          <a:prstGeom prst="rect">
+            <a:avLst/>
+          </a:prstGeom>
+          <a:noFill/>
+        </p:spPr>
+        <p:txBody>
+          <a:bodyPr wrap="square" rtlCol="0">
+            <a:spAutoFit/>
+          </a:bodyPr>
+          <a:lstStyle/>
+          <a:p>
+            <a:r>
+              <a:rPr lang="ru-RU" sz="2000" dirty="0"/>
+              <a:t>В процессе синхронизации участвуют два сообщения: </a:t>
+            </a:r>
+            <a:r>
+              <a:rPr lang="en-US" sz="2000" dirty="0"/>
+              <a:t>MASTER_REQ</a:t>
+            </a:r>
+            <a:r>
+              <a:rPr lang="ru-RU" sz="2000" dirty="0"/>
+              <a:t> и </a:t>
+            </a:r>
+            <a:r>
+              <a:rPr lang="en-US" sz="2000" dirty="0"/>
+              <a:t>SLAVE_RESP</a:t>
+            </a:r>
+          </a:p>
+          <a:p>
+            <a:endParaRPr lang="en-US" sz="2000" dirty="0"/>
+          </a:p>
+          <a:p>
+            <a:r>
+              <a:rPr lang="ru-RU" sz="2000" dirty="0"/>
+              <a:t>К событиям приема относятся события</a:t>
+            </a:r>
+            <a:r>
+              <a:rPr lang="en-US" sz="2000" dirty="0"/>
+              <a:t> </a:t>
+            </a:r>
+            <a:r>
+              <a:rPr lang="ru-RU" sz="2000" dirty="0"/>
+              <a:t>успешного приема, тайм-аута приема и приема с ошибкой</a:t>
+            </a:r>
+          </a:p>
+          <a:p>
+            <a:endParaRPr lang="ru-RU" sz="2000" dirty="0"/>
+          </a:p>
+          <a:p>
+            <a:r>
+              <a:rPr lang="ru-RU" sz="2000" dirty="0"/>
+              <a:t>К событиям передачи относятся события успешной передачи и ошибочной передачи</a:t>
+            </a:r>
+          </a:p>
+        </p:txBody>
+      </p:sp>
+      <p:sp>
+        <p:nvSpPr>
+          <p:cNvPr id="5" name="Номер слайда 4">
+            <a:extLst>
+              <a:ext uri="{FF2B5EF4-FFF2-40B4-BE49-F238E27FC236}">
+                <a16:creationId xmlns:a16="http://schemas.microsoft.com/office/drawing/2014/main" id="{3D8B77EA-4B7D-4F29-B834-3DF2664A31E2}"/>
+              </a:ext>
+            </a:extLst>
+          </p:cNvPr>
+          <p:cNvSpPr>
+            <a:spLocks noGrp="1"/>
+          </p:cNvSpPr>
+          <p:nvPr>
+            <p:ph type="sldNum" sz="quarter" idx="12"/>
           </p:nvPr>
         </p:nvSpPr>
         <p:spPr/>
@@ -4424,6 +4478,10 @@
           <a:bodyPr/>
           <a:lstStyle/>
           <a:p>
+            <a:fld id="{A013AB5D-EDEA-43F7-8D2F-8FF4FE69EAFF}" type="slidenum">
+              <a:rPr lang="ru-RU" smtClean="0"/>
+              <a:t>10</a:t>
+            </a:fld>
             <a:endParaRPr lang="ru-RU"/>
           </a:p>
         </p:txBody>
@@ -4431,7 +4489,7 @@
     </p:spTree>
     <p:extLst>
       <p:ext uri="{BB962C8B-B14F-4D97-AF65-F5344CB8AC3E}">
-        <p14:creationId xmlns:p14="http://schemas.microsoft.com/office/powerpoint/2010/main" val="597353075"/>
+        <p14:creationId xmlns:p14="http://schemas.microsoft.com/office/powerpoint/2010/main" val="242446589"/>
       </p:ext>
     </p:extLst>
   </p:cSld>
@@ -4463,7 +4521,7 @@
           <p:cNvPr id="2" name="Заголовок 1">
             <a:extLst>
               <a:ext uri="{FF2B5EF4-FFF2-40B4-BE49-F238E27FC236}">
-                <a16:creationId xmlns:a16="http://schemas.microsoft.com/office/drawing/2014/main" id="{E04A7298-58A8-4E77-BF4E-C17E2F183468}"/>
+                <a16:creationId xmlns:a16="http://schemas.microsoft.com/office/drawing/2014/main" id="{50032F43-9947-4602-8A47-2C86092D6306}"/>
               </a:ext>
             </a:extLst>
           </p:cNvPr>
@@ -4476,22 +4534,24 @@
         </p:nvSpPr>
         <p:spPr/>
         <p:txBody>
-          <a:bodyPr/>
+          <a:bodyPr>
+            <a:normAutofit/>
+          </a:bodyPr>
           <a:lstStyle/>
           <a:p>
             <a:r>
               <a:rPr lang="ru-RU" dirty="0"/>
-              <a:t>Алгоритм стандартного режима работы системы</a:t>
+              <a:t>Корректировка синхронизирующего таймера</a:t>
             </a:r>
           </a:p>
         </p:txBody>
       </p:sp>
       <p:pic>
         <p:nvPicPr>
-          <p:cNvPr id="5" name="Объект 4">
-            <a:extLst>
-              <a:ext uri="{FF2B5EF4-FFF2-40B4-BE49-F238E27FC236}">
-                <a16:creationId xmlns:a16="http://schemas.microsoft.com/office/drawing/2014/main" id="{937B20B5-C1DC-4889-BC8F-75600D1455D6}"/>
+          <p:cNvPr id="12" name="Объект 11">
+            <a:extLst>
+              <a:ext uri="{FF2B5EF4-FFF2-40B4-BE49-F238E27FC236}">
+                <a16:creationId xmlns:a16="http://schemas.microsoft.com/office/drawing/2014/main" id="{839F0EB4-35AA-4A80-A089-93F5F6392635}"/>
               </a:ext>
             </a:extLst>
           </p:cNvPr>
@@ -4516,25 +4576,326 @@
         </p:blipFill>
         <p:spPr>
           <a:xfrm>
-            <a:off x="1383332" y="1825625"/>
-            <a:ext cx="9425336" cy="4351338"/>
+            <a:off x="838200" y="1690688"/>
+            <a:ext cx="6375216" cy="4351338"/>
           </a:xfrm>
         </p:spPr>
       </p:pic>
-      <p:sp>
-        <p:nvSpPr>
-          <p:cNvPr id="3" name="Нижний колонтитул 2">
-            <a:extLst>
-              <a:ext uri="{FF2B5EF4-FFF2-40B4-BE49-F238E27FC236}">
-                <a16:creationId xmlns:a16="http://schemas.microsoft.com/office/drawing/2014/main" id="{E5DAE80C-12A3-4B58-8029-0A2A121BC73C}"/>
-              </a:ext>
-            </a:extLst>
-          </p:cNvPr>
-          <p:cNvSpPr>
-            <a:spLocks noGrp="1"/>
-          </p:cNvSpPr>
-          <p:nvPr>
-            <p:ph type="ftr" sz="quarter" idx="11"/>
+      <mc:AlternateContent xmlns:mc="http://schemas.openxmlformats.org/markup-compatibility/2006">
+        <mc:Choice xmlns:a14="http://schemas.microsoft.com/office/drawing/2010/main" Requires="a14">
+          <p:sp>
+            <p:nvSpPr>
+              <p:cNvPr id="13" name="TextBox 12">
+                <a:extLst>
+                  <a:ext uri="{FF2B5EF4-FFF2-40B4-BE49-F238E27FC236}">
+                    <a16:creationId xmlns:a16="http://schemas.microsoft.com/office/drawing/2014/main" id="{8C4E7F70-2407-476A-AC1E-DB2A1B68D86B}"/>
+                  </a:ext>
+                </a:extLst>
+              </p:cNvPr>
+              <p:cNvSpPr txBox="1"/>
+              <p:nvPr/>
+            </p:nvSpPr>
+            <p:spPr>
+              <a:xfrm>
+                <a:off x="8153400" y="1905506"/>
+                <a:ext cx="3658386" cy="3785652"/>
+              </a:xfrm>
+              <a:prstGeom prst="rect">
+                <a:avLst/>
+              </a:prstGeom>
+              <a:noFill/>
+            </p:spPr>
+            <p:txBody>
+              <a:bodyPr wrap="square" rtlCol="0">
+                <a:spAutoFit/>
+              </a:bodyPr>
+              <a:lstStyle/>
+              <a:p>
+                <a:r>
+                  <a:rPr lang="en-US" sz="2400" dirty="0">
+                    <a:ea typeface="Calibri" panose="020F0502020204030204" pitchFamily="34" charset="0"/>
+                    <a:cs typeface="Times New Roman" panose="02020603050405020304" pitchFamily="18" charset="0"/>
+                  </a:rPr>
+                  <a:t>t</a:t>
+                </a:r>
+                <a:r>
+                  <a:rPr lang="en-US" sz="2400" dirty="0" err="1">
+                    <a:ea typeface="Calibri" panose="020F0502020204030204" pitchFamily="34" charset="0"/>
+                    <a:cs typeface="Times New Roman" panose="02020603050405020304" pitchFamily="18" charset="0"/>
+                  </a:rPr>
+                  <a:t>B</a:t>
+                </a:r>
+                <a:r>
+                  <a:rPr lang="en-US" sz="2400" dirty="0">
+                    <a:ea typeface="Calibri" panose="020F0502020204030204" pitchFamily="34" charset="0"/>
+                    <a:cs typeface="Times New Roman" panose="02020603050405020304" pitchFamily="18" charset="0"/>
+                  </a:rPr>
+                  <a:t> </a:t>
+                </a:r>
+                <a14:m>
+                  <m:oMath xmlns:m="http://schemas.openxmlformats.org/officeDocument/2006/math">
+                    <m:r>
+                      <m:rPr>
+                        <m:nor/>
+                      </m:rPr>
+                      <a:rPr lang="en-US" sz="2400" i="1">
+                        <a:effectLst/>
+                        <a:latin typeface="Calibri" panose="020F0502020204030204" pitchFamily="34" charset="0"/>
+                        <a:ea typeface="Calibri" panose="020F0502020204030204" pitchFamily="34" charset="0"/>
+                        <a:cs typeface="Times New Roman" panose="02020603050405020304" pitchFamily="18" charset="0"/>
+                      </a:rPr>
+                      <m:t>=</m:t>
+                    </m:r>
+                    <m:r>
+                      <m:rPr>
+                        <m:nor/>
+                      </m:rPr>
+                      <a:rPr lang="en-US" sz="2400" b="0" i="1" smtClean="0">
+                        <a:effectLst/>
+                        <a:latin typeface="Calibri" panose="020F0502020204030204" pitchFamily="34" charset="0"/>
+                        <a:ea typeface="Calibri" panose="020F0502020204030204" pitchFamily="34" charset="0"/>
+                        <a:cs typeface="Times New Roman" panose="02020603050405020304" pitchFamily="18" charset="0"/>
+                      </a:rPr>
+                      <m:t> </m:t>
+                    </m:r>
+                    <m:r>
+                      <m:rPr>
+                        <m:nor/>
+                      </m:rPr>
+                      <a:rPr lang="en-US" sz="2400" b="0" i="0" smtClean="0">
+                        <a:effectLst/>
+                        <a:latin typeface="Calibri" panose="020F0502020204030204" pitchFamily="34" charset="0"/>
+                        <a:ea typeface="Calibri" panose="020F0502020204030204" pitchFamily="34" charset="0"/>
+                        <a:cs typeface="Times New Roman" panose="02020603050405020304" pitchFamily="18" charset="0"/>
+                      </a:rPr>
+                      <m:t>tA</m:t>
+                    </m:r>
+                    <m:r>
+                      <m:rPr>
+                        <m:nor/>
+                      </m:rPr>
+                      <a:rPr lang="en-US" sz="2400" b="0" i="0" smtClean="0">
+                        <a:effectLst/>
+                        <a:latin typeface="Calibri" panose="020F0502020204030204" pitchFamily="34" charset="0"/>
+                        <a:ea typeface="Calibri" panose="020F0502020204030204" pitchFamily="34" charset="0"/>
+                        <a:cs typeface="Times New Roman" panose="02020603050405020304" pitchFamily="18" charset="0"/>
+                      </a:rPr>
+                      <m:t> + </m:t>
+                    </m:r>
+                    <m:r>
+                      <m:rPr>
+                        <m:nor/>
+                      </m:rPr>
+                      <a:rPr lang="en-US" sz="2400" b="0" i="0" smtClean="0">
+                        <a:effectLst/>
+                        <a:latin typeface="Calibri" panose="020F0502020204030204" pitchFamily="34" charset="0"/>
+                        <a:ea typeface="Calibri" panose="020F0502020204030204" pitchFamily="34" charset="0"/>
+                        <a:cs typeface="Times New Roman" panose="02020603050405020304" pitchFamily="18" charset="0"/>
+                      </a:rPr>
+                      <m:t>timeOnAir</m:t>
+                    </m:r>
+                  </m:oMath>
+                </a14:m>
+                <a:endParaRPr lang="en-US" sz="2400" b="0" dirty="0">
+                  <a:effectLst/>
+                  <a:ea typeface="Calibri" panose="020F0502020204030204" pitchFamily="34" charset="0"/>
+                  <a:cs typeface="Times New Roman" panose="02020603050405020304" pitchFamily="18" charset="0"/>
+                </a:endParaRPr>
+              </a:p>
+              <a:p>
+                <a:r>
+                  <a:rPr lang="en-US" sz="2400" b="0" i="0" dirty="0" err="1">
+                    <a:effectLst/>
+                    <a:latin typeface="Calibri" panose="020F0502020204030204" pitchFamily="34" charset="0"/>
+                    <a:ea typeface="Calibri" panose="020F0502020204030204" pitchFamily="34" charset="0"/>
+                    <a:cs typeface="Times New Roman" panose="02020603050405020304" pitchFamily="18" charset="0"/>
+                  </a:rPr>
+                  <a:t>tC</a:t>
+                </a:r>
+                <a:r>
+                  <a:rPr lang="en-US" sz="2400" b="0" i="0" dirty="0">
+                    <a:effectLst/>
+                    <a:latin typeface="Calibri" panose="020F0502020204030204" pitchFamily="34" charset="0"/>
+                    <a:ea typeface="Calibri" panose="020F0502020204030204" pitchFamily="34" charset="0"/>
+                    <a:cs typeface="Times New Roman" panose="02020603050405020304" pitchFamily="18" charset="0"/>
+                  </a:rPr>
+                  <a:t> = </a:t>
+                </a:r>
+                <a:r>
+                  <a:rPr lang="en-US" sz="2400" b="0" i="0" dirty="0" err="1">
+                    <a:effectLst/>
+                    <a:latin typeface="Calibri" panose="020F0502020204030204" pitchFamily="34" charset="0"/>
+                    <a:ea typeface="Calibri" panose="020F0502020204030204" pitchFamily="34" charset="0"/>
+                    <a:cs typeface="Times New Roman" panose="02020603050405020304" pitchFamily="18" charset="0"/>
+                  </a:rPr>
+                  <a:t>tB</a:t>
+                </a:r>
+                <a:r>
+                  <a:rPr lang="en-US" sz="2400" b="0" i="0" dirty="0">
+                    <a:effectLst/>
+                    <a:latin typeface="Calibri" panose="020F0502020204030204" pitchFamily="34" charset="0"/>
+                    <a:ea typeface="Calibri" panose="020F0502020204030204" pitchFamily="34" charset="0"/>
+                    <a:cs typeface="Times New Roman" panose="02020603050405020304" pitchFamily="18" charset="0"/>
+                  </a:rPr>
+                  <a:t> + </a:t>
+                </a:r>
+                <a:r>
+                  <a:rPr lang="en-US" sz="2400" b="0" i="0" dirty="0" err="1">
+                    <a:effectLst/>
+                    <a:latin typeface="Calibri" panose="020F0502020204030204" pitchFamily="34" charset="0"/>
+                    <a:ea typeface="Calibri" panose="020F0502020204030204" pitchFamily="34" charset="0"/>
+                    <a:cs typeface="Times New Roman" panose="02020603050405020304" pitchFamily="18" charset="0"/>
+                  </a:rPr>
+                  <a:t>dTick</a:t>
+                </a:r>
+                <a:endParaRPr lang="ru-RU" sz="2400" b="0" i="0" dirty="0">
+                  <a:effectLst/>
+                  <a:latin typeface="Calibri" panose="020F0502020204030204" pitchFamily="34" charset="0"/>
+                  <a:ea typeface="Calibri" panose="020F0502020204030204" pitchFamily="34" charset="0"/>
+                  <a:cs typeface="Times New Roman" panose="02020603050405020304" pitchFamily="18" charset="0"/>
+                </a:endParaRPr>
+              </a:p>
+              <a:p>
+                <a:endParaRPr lang="en-US" sz="2400" b="0" i="0" dirty="0">
+                  <a:effectLst/>
+                  <a:latin typeface="Calibri" panose="020F0502020204030204" pitchFamily="34" charset="0"/>
+                  <a:ea typeface="Calibri" panose="020F0502020204030204" pitchFamily="34" charset="0"/>
+                  <a:cs typeface="Times New Roman" panose="02020603050405020304" pitchFamily="18" charset="0"/>
+                </a:endParaRPr>
+              </a:p>
+              <a:p>
+                <a:r>
+                  <a:rPr lang="en-US" sz="2400" b="0" i="0" dirty="0" err="1">
+                    <a:effectLst/>
+                    <a:latin typeface="Calibri" panose="020F0502020204030204" pitchFamily="34" charset="0"/>
+                    <a:ea typeface="Calibri" panose="020F0502020204030204" pitchFamily="34" charset="0"/>
+                    <a:cs typeface="Times New Roman" panose="02020603050405020304" pitchFamily="18" charset="0"/>
+                  </a:rPr>
+                  <a:t>timeOnAir</a:t>
+                </a:r>
+                <a:r>
+                  <a:rPr lang="en-US" sz="2400" b="0" i="0" dirty="0">
+                    <a:effectLst/>
+                    <a:latin typeface="Calibri" panose="020F0502020204030204" pitchFamily="34" charset="0"/>
+                    <a:ea typeface="Calibri" panose="020F0502020204030204" pitchFamily="34" charset="0"/>
+                    <a:cs typeface="Times New Roman" panose="02020603050405020304" pitchFamily="18" charset="0"/>
+                  </a:rPr>
+                  <a:t> – </a:t>
+                </a:r>
+                <a:r>
+                  <a:rPr lang="ru-RU" sz="2400" dirty="0">
+                    <a:latin typeface="Calibri" panose="020F0502020204030204" pitchFamily="34" charset="0"/>
+                    <a:ea typeface="Calibri" panose="020F0502020204030204" pitchFamily="34" charset="0"/>
+                    <a:cs typeface="Times New Roman" panose="02020603050405020304" pitchFamily="18" charset="0"/>
+                  </a:rPr>
+                  <a:t>время распространения сигнала</a:t>
+                </a:r>
+              </a:p>
+              <a:p>
+                <a:endParaRPr lang="ru-RU" sz="2400" b="0" i="0" dirty="0">
+                  <a:effectLst/>
+                  <a:latin typeface="Calibri" panose="020F0502020204030204" pitchFamily="34" charset="0"/>
+                  <a:ea typeface="Calibri" panose="020F0502020204030204" pitchFamily="34" charset="0"/>
+                  <a:cs typeface="Times New Roman" panose="02020603050405020304" pitchFamily="18" charset="0"/>
+                </a:endParaRPr>
+              </a:p>
+              <a:p>
+                <a:r>
+                  <a:rPr lang="en-US" sz="2400" b="0" i="0" dirty="0" err="1">
+                    <a:effectLst/>
+                    <a:latin typeface="Calibri" panose="020F0502020204030204" pitchFamily="34" charset="0"/>
+                    <a:ea typeface="Calibri" panose="020F0502020204030204" pitchFamily="34" charset="0"/>
+                    <a:cs typeface="Times New Roman" panose="02020603050405020304" pitchFamily="18" charset="0"/>
+                  </a:rPr>
+                  <a:t>dTick</a:t>
+                </a:r>
+                <a:r>
+                  <a:rPr lang="en-US" sz="2400" b="0" i="0" dirty="0">
+                    <a:effectLst/>
+                    <a:latin typeface="Calibri" panose="020F0502020204030204" pitchFamily="34" charset="0"/>
+                    <a:ea typeface="Calibri" panose="020F0502020204030204" pitchFamily="34" charset="0"/>
+                    <a:cs typeface="Times New Roman" panose="02020603050405020304" pitchFamily="18" charset="0"/>
+                  </a:rPr>
+                  <a:t> </a:t>
+                </a:r>
+                <a:r>
+                  <a:rPr lang="ru-RU" sz="2400" b="0" i="0" dirty="0">
+                    <a:effectLst/>
+                    <a:latin typeface="Calibri" panose="020F0502020204030204" pitchFamily="34" charset="0"/>
+                    <a:ea typeface="Calibri" panose="020F0502020204030204" pitchFamily="34" charset="0"/>
+                    <a:cs typeface="Times New Roman" panose="02020603050405020304" pitchFamily="18" charset="0"/>
+                  </a:rPr>
+                  <a:t>– время затраченное на обработку синхронизирующего кадра</a:t>
+                </a:r>
+                <a:endParaRPr lang="en-US" sz="2400" b="0" i="0" dirty="0">
+                  <a:effectLst/>
+                  <a:latin typeface="Calibri" panose="020F0502020204030204" pitchFamily="34" charset="0"/>
+                  <a:ea typeface="Calibri" panose="020F0502020204030204" pitchFamily="34" charset="0"/>
+                  <a:cs typeface="Times New Roman" panose="02020603050405020304" pitchFamily="18" charset="0"/>
+                </a:endParaRPr>
+              </a:p>
+            </p:txBody>
+          </p:sp>
+        </mc:Choice>
+        <mc:Fallback>
+          <p:sp>
+            <p:nvSpPr>
+              <p:cNvPr id="13" name="TextBox 12">
+                <a:extLst>
+                  <a:ext uri="{FF2B5EF4-FFF2-40B4-BE49-F238E27FC236}">
+                    <a16:creationId xmlns:a16="http://schemas.microsoft.com/office/drawing/2014/main" id="{8C4E7F70-2407-476A-AC1E-DB2A1B68D86B}"/>
+                  </a:ext>
+                </a:extLst>
+              </p:cNvPr>
+              <p:cNvSpPr txBox="1">
+                <a:spLocks noRot="1" noChangeAspect="1" noMove="1" noResize="1" noEditPoints="1" noAdjustHandles="1" noChangeArrowheads="1" noChangeShapeType="1" noTextEdit="1"/>
+              </p:cNvSpPr>
+              <p:nvPr/>
+            </p:nvSpPr>
+            <p:spPr>
+              <a:xfrm>
+                <a:off x="8153400" y="1905506"/>
+                <a:ext cx="3658386" cy="3785652"/>
+              </a:xfrm>
+              <a:prstGeom prst="rect">
+                <a:avLst/>
+              </a:prstGeom>
+              <a:blipFill>
+                <a:blip r:embed="rId3"/>
+                <a:stretch>
+                  <a:fillRect l="-2667" t="-1288" r="-3500" b="-2738"/>
+                </a:stretch>
+              </a:blipFill>
+            </p:spPr>
+            <p:txBody>
+              <a:bodyPr/>
+              <a:lstStyle/>
+              <a:p>
+                <a:r>
+                  <a:rPr lang="ru-RU">
+                    <a:noFill/>
+                  </a:rPr>
+                  <a:t> </a:t>
+                </a:r>
+              </a:p>
+            </p:txBody>
+          </p:sp>
+        </mc:Fallback>
+      </mc:AlternateContent>
+      <p:sp>
+        <p:nvSpPr>
+          <p:cNvPr id="14" name="Номер слайда 13">
+            <a:extLst>
+              <a:ext uri="{FF2B5EF4-FFF2-40B4-BE49-F238E27FC236}">
+                <a16:creationId xmlns:a16="http://schemas.microsoft.com/office/drawing/2014/main" id="{3DF1DF6C-DE98-49AE-979B-68E7E97F5E99}"/>
+              </a:ext>
+            </a:extLst>
+          </p:cNvPr>
+          <p:cNvSpPr>
+            <a:spLocks noGrp="1"/>
+          </p:cNvSpPr>
+          <p:nvPr>
+            <p:ph type="sldNum" sz="quarter" idx="12"/>
           </p:nvPr>
         </p:nvSpPr>
         <p:spPr/>
@@ -4542,6 +4903,10 @@
           <a:bodyPr/>
           <a:lstStyle/>
           <a:p>
+            <a:fld id="{A013AB5D-EDEA-43F7-8D2F-8FF4FE69EAFF}" type="slidenum">
+              <a:rPr lang="ru-RU" smtClean="0"/>
+              <a:t>11</a:t>
+            </a:fld>
             <a:endParaRPr lang="ru-RU"/>
           </a:p>
         </p:txBody>
@@ -4549,7 +4914,7 @@
     </p:spTree>
     <p:extLst>
       <p:ext uri="{BB962C8B-B14F-4D97-AF65-F5344CB8AC3E}">
-        <p14:creationId xmlns:p14="http://schemas.microsoft.com/office/powerpoint/2010/main" val="980304354"/>
+        <p14:creationId xmlns:p14="http://schemas.microsoft.com/office/powerpoint/2010/main" val="597353075"/>
       </p:ext>
     </p:extLst>
   </p:cSld>
@@ -4581,7 +4946,7 @@
           <p:cNvPr id="2" name="Заголовок 1">
             <a:extLst>
               <a:ext uri="{FF2B5EF4-FFF2-40B4-BE49-F238E27FC236}">
-                <a16:creationId xmlns:a16="http://schemas.microsoft.com/office/drawing/2014/main" id="{47E75CCB-7293-444D-B22B-99FF5F44CB03}"/>
+                <a16:creationId xmlns:a16="http://schemas.microsoft.com/office/drawing/2014/main" id="{7265BDB7-2464-41F0-B8D2-63B3A95C8CAC}"/>
               </a:ext>
             </a:extLst>
           </p:cNvPr>
@@ -4597,69 +4962,60 @@
           <a:bodyPr/>
           <a:lstStyle/>
           <a:p>
-            <a:r>
-              <a:rPr lang="ru-RU" dirty="0"/>
-              <a:t>Диаграмма потока данных ПО ?</a:t>
-            </a:r>
-          </a:p>
-        </p:txBody>
-      </p:sp>
-      <p:pic>
-        <p:nvPicPr>
-          <p:cNvPr id="5" name="Объект 4">
-            <a:extLst>
-              <a:ext uri="{FF2B5EF4-FFF2-40B4-BE49-F238E27FC236}">
-                <a16:creationId xmlns:a16="http://schemas.microsoft.com/office/drawing/2014/main" id="{F6C9301D-3EDD-4694-B2CE-CA73E65F9027}"/>
-              </a:ext>
-            </a:extLst>
-          </p:cNvPr>
-          <p:cNvPicPr>
-            <a:picLocks noGrp="1" noChangeAspect="1"/>
-          </p:cNvPicPr>
+            <a:endParaRPr lang="ru-RU"/>
+          </a:p>
+        </p:txBody>
+      </p:sp>
+      <p:sp>
+        <p:nvSpPr>
+          <p:cNvPr id="3" name="Объект 2">
+            <a:extLst>
+              <a:ext uri="{FF2B5EF4-FFF2-40B4-BE49-F238E27FC236}">
+                <a16:creationId xmlns:a16="http://schemas.microsoft.com/office/drawing/2014/main" id="{8A87EC90-D92F-4D37-934B-851BAE0F356E}"/>
+              </a:ext>
+            </a:extLst>
+          </p:cNvPr>
+          <p:cNvSpPr>
+            <a:spLocks noGrp="1"/>
+          </p:cNvSpPr>
           <p:nvPr>
             <p:ph idx="1"/>
           </p:nvPr>
-        </p:nvPicPr>
-        <p:blipFill>
-          <a:blip r:embed="rId2">
-            <a:extLst>
-              <a:ext uri="{28A0092B-C50C-407E-A947-70E740481C1C}">
-                <a14:useLocalDpi xmlns:a14="http://schemas.microsoft.com/office/drawing/2010/main" val="0"/>
-              </a:ext>
-            </a:extLst>
-          </a:blip>
-          <a:stretch>
-            <a:fillRect/>
-          </a:stretch>
-        </p:blipFill>
-        <p:spPr>
-          <a:xfrm>
-            <a:off x="3031881" y="1825625"/>
-            <a:ext cx="6128237" cy="4351338"/>
-          </a:xfrm>
-        </p:spPr>
-      </p:pic>
-      <p:sp>
-        <p:nvSpPr>
-          <p:cNvPr id="3" name="Нижний колонтитул 2">
-            <a:extLst>
-              <a:ext uri="{FF2B5EF4-FFF2-40B4-BE49-F238E27FC236}">
-                <a16:creationId xmlns:a16="http://schemas.microsoft.com/office/drawing/2014/main" id="{8F8644A4-F60D-409D-99BC-8FE9CC2DB997}"/>
-              </a:ext>
-            </a:extLst>
-          </p:cNvPr>
-          <p:cNvSpPr>
-            <a:spLocks noGrp="1"/>
-          </p:cNvSpPr>
-          <p:nvPr>
-            <p:ph type="ftr" sz="quarter" idx="11"/>
-          </p:nvPr>
         </p:nvSpPr>
         <p:spPr/>
         <p:txBody>
           <a:bodyPr/>
           <a:lstStyle/>
           <a:p>
+            <a:endParaRPr lang="ru-RU"/>
+          </a:p>
+        </p:txBody>
+      </p:sp>
+      <p:sp>
+        <p:nvSpPr>
+          <p:cNvPr id="4" name="Номер слайда 3">
+            <a:extLst>
+              <a:ext uri="{FF2B5EF4-FFF2-40B4-BE49-F238E27FC236}">
+                <a16:creationId xmlns:a16="http://schemas.microsoft.com/office/drawing/2014/main" id="{FA3987A1-BFED-4024-8ACD-1FF4C7B57EF7}"/>
+              </a:ext>
+            </a:extLst>
+          </p:cNvPr>
+          <p:cNvSpPr>
+            <a:spLocks noGrp="1"/>
+          </p:cNvSpPr>
+          <p:nvPr>
+            <p:ph type="sldNum" sz="quarter" idx="12"/>
+          </p:nvPr>
+        </p:nvSpPr>
+        <p:spPr/>
+        <p:txBody>
+          <a:bodyPr/>
+          <a:lstStyle/>
+          <a:p>
+            <a:fld id="{A013AB5D-EDEA-43F7-8D2F-8FF4FE69EAFF}" type="slidenum">
+              <a:rPr lang="ru-RU" smtClean="0"/>
+              <a:t>12</a:t>
+            </a:fld>
             <a:endParaRPr lang="ru-RU"/>
           </a:p>
         </p:txBody>
@@ -4667,7 +5023,7 @@
     </p:spTree>
     <p:extLst>
       <p:ext uri="{BB962C8B-B14F-4D97-AF65-F5344CB8AC3E}">
-        <p14:creationId xmlns:p14="http://schemas.microsoft.com/office/powerpoint/2010/main" val="782455063"/>
+        <p14:creationId xmlns:p14="http://schemas.microsoft.com/office/powerpoint/2010/main" val="3266918613"/>
       </p:ext>
     </p:extLst>
   </p:cSld>
@@ -4712,7 +5068,7 @@
         </p:nvSpPr>
         <p:spPr>
           <a:xfrm>
-            <a:off x="0" y="-279799"/>
+            <a:off x="546755" y="268571"/>
             <a:ext cx="10515600" cy="1325563"/>
           </a:xfrm>
         </p:spPr>
@@ -4720,77 +5076,11 @@
           <a:bodyPr/>
           <a:lstStyle/>
           <a:p>
+            <a:pPr algn="ctr"/>
             <a:r>
               <a:rPr lang="ru-RU" dirty="0"/>
-              <a:t>Тестирование работоспособности системы</a:t>
-            </a:r>
-          </a:p>
-        </p:txBody>
-      </p:sp>
-      <p:sp>
-        <p:nvSpPr>
-          <p:cNvPr id="3" name="Объект 2">
-            <a:extLst>
-              <a:ext uri="{FF2B5EF4-FFF2-40B4-BE49-F238E27FC236}">
-                <a16:creationId xmlns:a16="http://schemas.microsoft.com/office/drawing/2014/main" id="{5D197CC2-D298-466A-BBE0-0C2248A932C6}"/>
-              </a:ext>
-            </a:extLst>
-          </p:cNvPr>
-          <p:cNvSpPr>
-            <a:spLocks noGrp="1"/>
-          </p:cNvSpPr>
-          <p:nvPr>
-            <p:ph idx="1"/>
-          </p:nvPr>
-        </p:nvSpPr>
-        <p:spPr>
-          <a:xfrm>
-            <a:off x="838200" y="1305718"/>
-            <a:ext cx="10515600" cy="1325563"/>
-          </a:xfrm>
-        </p:spPr>
-        <p:txBody>
-          <a:bodyPr>
-            <a:normAutofit fontScale="92500" lnSpcReduction="10000"/>
-          </a:bodyPr>
-          <a:lstStyle/>
-          <a:p>
-            <a:pPr marL="0" indent="0">
-              <a:buNone/>
-            </a:pPr>
-            <a:r>
-              <a:rPr lang="ru-RU" dirty="0"/>
-              <a:t>Длина сообщения: 250 байт</a:t>
-            </a:r>
-          </a:p>
-          <a:p>
-            <a:pPr marL="0" indent="0">
-              <a:buNone/>
-            </a:pPr>
-            <a:r>
-              <a:rPr lang="ru-RU" dirty="0"/>
-              <a:t>Выходная мощность: -30 </a:t>
-            </a:r>
-            <a:r>
-              <a:rPr lang="ru-RU" dirty="0" err="1"/>
-              <a:t>дБм</a:t>
-            </a:r>
-            <a:endParaRPr lang="ru-RU" dirty="0"/>
-          </a:p>
-          <a:p>
-            <a:pPr marL="0" indent="0">
-              <a:buNone/>
-            </a:pPr>
-            <a:r>
-              <a:rPr lang="ru-RU" dirty="0"/>
-              <a:t>Прикрепить фотографию оборудования</a:t>
-            </a:r>
-          </a:p>
-          <a:p>
-            <a:pPr marL="0" indent="0">
-              <a:buNone/>
-            </a:pPr>
-            <a:endParaRPr lang="ru-RU" dirty="0"/>
+              <a:t>Результаты тестирования при передаче через СВЧ кабели</a:t>
+            </a:r>
           </a:p>
         </p:txBody>
       </p:sp>
@@ -4809,13 +5099,13 @@
           <p:nvPr>
             <p:extLst>
               <p:ext uri="{D42A27DB-BD31-4B8C-83A1-F6EECF244321}">
-                <p14:modId xmlns:p14="http://schemas.microsoft.com/office/powerpoint/2010/main" val="2287461213"/>
+                <p14:modId xmlns:p14="http://schemas.microsoft.com/office/powerpoint/2010/main" val="1044073193"/>
               </p:ext>
             </p:extLst>
           </p:nvPr>
         </p:nvGraphicFramePr>
         <p:xfrm>
-          <a:off x="838200" y="2778915"/>
+          <a:off x="838200" y="2269868"/>
           <a:ext cx="10515600" cy="2747967"/>
         </p:xfrm>
         <a:graphic>
@@ -5175,18 +5465,18 @@
       </p:graphicFrame>
       <p:sp>
         <p:nvSpPr>
-          <p:cNvPr id="5" name="Нижний колонтитул 4">
-            <a:extLst>
-              <a:ext uri="{FF2B5EF4-FFF2-40B4-BE49-F238E27FC236}">
-                <a16:creationId xmlns:a16="http://schemas.microsoft.com/office/drawing/2014/main" id="{6506F552-C260-4A61-84D9-8B33BC7CE980}"/>
-              </a:ext>
-            </a:extLst>
-          </p:cNvPr>
-          <p:cNvSpPr>
-            <a:spLocks noGrp="1"/>
-          </p:cNvSpPr>
-          <p:nvPr>
-            <p:ph type="ftr" sz="quarter" idx="11"/>
+          <p:cNvPr id="6" name="Номер слайда 5">
+            <a:extLst>
+              <a:ext uri="{FF2B5EF4-FFF2-40B4-BE49-F238E27FC236}">
+                <a16:creationId xmlns:a16="http://schemas.microsoft.com/office/drawing/2014/main" id="{49F85AE9-E973-425C-8208-6E4034E8E1D1}"/>
+              </a:ext>
+            </a:extLst>
+          </p:cNvPr>
+          <p:cNvSpPr>
+            <a:spLocks noGrp="1"/>
+          </p:cNvSpPr>
+          <p:nvPr>
+            <p:ph type="sldNum" sz="quarter" idx="12"/>
           </p:nvPr>
         </p:nvSpPr>
         <p:spPr/>
@@ -5194,6 +5484,10 @@
           <a:bodyPr/>
           <a:lstStyle/>
           <a:p>
+            <a:fld id="{A013AB5D-EDEA-43F7-8D2F-8FF4FE69EAFF}" type="slidenum">
+              <a:rPr lang="ru-RU" smtClean="0"/>
+              <a:t>13</a:t>
+            </a:fld>
             <a:endParaRPr lang="ru-RU"/>
           </a:p>
         </p:txBody>
@@ -5264,18 +5558,18 @@
       </p:sp>
       <p:sp>
         <p:nvSpPr>
-          <p:cNvPr id="4" name="Нижний колонтитул 3">
-            <a:extLst>
-              <a:ext uri="{FF2B5EF4-FFF2-40B4-BE49-F238E27FC236}">
-                <a16:creationId xmlns:a16="http://schemas.microsoft.com/office/drawing/2014/main" id="{A13E869C-D74F-4858-9D80-4CDF6A7723B9}"/>
-              </a:ext>
-            </a:extLst>
-          </p:cNvPr>
-          <p:cNvSpPr>
-            <a:spLocks noGrp="1"/>
-          </p:cNvSpPr>
-          <p:nvPr>
-            <p:ph type="ftr" sz="quarter" idx="11"/>
+          <p:cNvPr id="3" name="Номер слайда 2">
+            <a:extLst>
+              <a:ext uri="{FF2B5EF4-FFF2-40B4-BE49-F238E27FC236}">
+                <a16:creationId xmlns:a16="http://schemas.microsoft.com/office/drawing/2014/main" id="{44847751-8FB1-4BCD-9B82-2B3460CC3BD8}"/>
+              </a:ext>
+            </a:extLst>
+          </p:cNvPr>
+          <p:cNvSpPr>
+            <a:spLocks noGrp="1"/>
+          </p:cNvSpPr>
+          <p:nvPr>
+            <p:ph type="sldNum" sz="quarter" idx="12"/>
           </p:nvPr>
         </p:nvSpPr>
         <p:spPr/>
@@ -5283,6 +5577,10 @@
           <a:bodyPr/>
           <a:lstStyle/>
           <a:p>
+            <a:fld id="{A013AB5D-EDEA-43F7-8D2F-8FF4FE69EAFF}" type="slidenum">
+              <a:rPr lang="ru-RU" smtClean="0"/>
+              <a:t>14</a:t>
+            </a:fld>
             <a:endParaRPr lang="ru-RU"/>
           </a:p>
         </p:txBody>
@@ -5291,6 +5589,128 @@
     <p:extLst>
       <p:ext uri="{BB962C8B-B14F-4D97-AF65-F5344CB8AC3E}">
         <p14:creationId xmlns:p14="http://schemas.microsoft.com/office/powerpoint/2010/main" val="2430972263"/>
+      </p:ext>
+    </p:extLst>
+  </p:cSld>
+  <p:clrMapOvr>
+    <a:masterClrMapping/>
+  </p:clrMapOvr>
+</p:sld>
+</file>
+
+<file path=ppt/slides/slide15.xml><?xml version="1.0" encoding="utf-8"?>
+<p:sld xmlns:a="http://schemas.openxmlformats.org/drawingml/2006/main" xmlns:r="http://schemas.openxmlformats.org/officeDocument/2006/relationships" xmlns:p="http://schemas.openxmlformats.org/presentationml/2006/main">
+  <p:cSld>
+    <p:spTree>
+      <p:nvGrpSpPr>
+        <p:cNvPr id="1" name=""/>
+        <p:cNvGrpSpPr/>
+        <p:nvPr/>
+      </p:nvGrpSpPr>
+      <p:grpSpPr>
+        <a:xfrm>
+          <a:off x="0" y="0"/>
+          <a:ext cx="0" cy="0"/>
+          <a:chOff x="0" y="0"/>
+          <a:chExt cx="0" cy="0"/>
+        </a:xfrm>
+      </p:grpSpPr>
+      <p:sp>
+        <p:nvSpPr>
+          <p:cNvPr id="2" name="Заголовок 1">
+            <a:extLst>
+              <a:ext uri="{FF2B5EF4-FFF2-40B4-BE49-F238E27FC236}">
+                <a16:creationId xmlns:a16="http://schemas.microsoft.com/office/drawing/2014/main" id="{E04A7298-58A8-4E77-BF4E-C17E2F183468}"/>
+              </a:ext>
+            </a:extLst>
+          </p:cNvPr>
+          <p:cNvSpPr>
+            <a:spLocks noGrp="1"/>
+          </p:cNvSpPr>
+          <p:nvPr>
+            <p:ph type="title"/>
+          </p:nvPr>
+        </p:nvSpPr>
+        <p:spPr/>
+        <p:txBody>
+          <a:bodyPr/>
+          <a:lstStyle/>
+          <a:p>
+            <a:r>
+              <a:rPr lang="ru-RU" dirty="0"/>
+              <a:t>Алгоритм стандартного режима работы системы</a:t>
+            </a:r>
+          </a:p>
+        </p:txBody>
+      </p:sp>
+      <p:pic>
+        <p:nvPicPr>
+          <p:cNvPr id="5" name="Объект 4">
+            <a:extLst>
+              <a:ext uri="{FF2B5EF4-FFF2-40B4-BE49-F238E27FC236}">
+                <a16:creationId xmlns:a16="http://schemas.microsoft.com/office/drawing/2014/main" id="{937B20B5-C1DC-4889-BC8F-75600D1455D6}"/>
+              </a:ext>
+            </a:extLst>
+          </p:cNvPr>
+          <p:cNvPicPr>
+            <a:picLocks noGrp="1" noChangeAspect="1"/>
+          </p:cNvPicPr>
+          <p:nvPr>
+            <p:ph idx="1"/>
+          </p:nvPr>
+        </p:nvPicPr>
+        <p:blipFill>
+          <a:blip r:embed="rId2">
+            <a:extLst>
+              <a:ext uri="{28A0092B-C50C-407E-A947-70E740481C1C}">
+                <a14:useLocalDpi xmlns:a14="http://schemas.microsoft.com/office/drawing/2010/main" val="0"/>
+              </a:ext>
+            </a:extLst>
+          </a:blip>
+          <a:stretch>
+            <a:fillRect/>
+          </a:stretch>
+        </p:blipFill>
+        <p:spPr>
+          <a:xfrm>
+            <a:off x="1383332" y="1825625"/>
+            <a:ext cx="9425336" cy="4351338"/>
+          </a:xfrm>
+        </p:spPr>
+      </p:pic>
+      <p:sp>
+        <p:nvSpPr>
+          <p:cNvPr id="4" name="Номер слайда 3">
+            <a:extLst>
+              <a:ext uri="{FF2B5EF4-FFF2-40B4-BE49-F238E27FC236}">
+                <a16:creationId xmlns:a16="http://schemas.microsoft.com/office/drawing/2014/main" id="{3F25497F-C21A-427A-9DFF-6F4D5994BDB4}"/>
+              </a:ext>
+            </a:extLst>
+          </p:cNvPr>
+          <p:cNvSpPr>
+            <a:spLocks noGrp="1"/>
+          </p:cNvSpPr>
+          <p:nvPr>
+            <p:ph type="sldNum" sz="quarter" idx="12"/>
+          </p:nvPr>
+        </p:nvSpPr>
+        <p:spPr/>
+        <p:txBody>
+          <a:bodyPr/>
+          <a:lstStyle/>
+          <a:p>
+            <a:fld id="{A013AB5D-EDEA-43F7-8D2F-8FF4FE69EAFF}" type="slidenum">
+              <a:rPr lang="ru-RU" smtClean="0"/>
+              <a:t>15</a:t>
+            </a:fld>
+            <a:endParaRPr lang="ru-RU"/>
+          </a:p>
+        </p:txBody>
+      </p:sp>
+    </p:spTree>
+    <p:extLst>
+      <p:ext uri="{BB962C8B-B14F-4D97-AF65-F5344CB8AC3E}">
+        <p14:creationId xmlns:p14="http://schemas.microsoft.com/office/powerpoint/2010/main" val="980304354"/>
       </p:ext>
     </p:extLst>
   </p:cSld>
@@ -5361,9 +5781,16 @@
             <p:ph idx="1"/>
           </p:nvPr>
         </p:nvSpPr>
-        <p:spPr/>
-        <p:txBody>
-          <a:bodyPr/>
+        <p:spPr>
+          <a:xfrm>
+            <a:off x="838200" y="1825625"/>
+            <a:ext cx="10860464" cy="4351338"/>
+          </a:xfrm>
+        </p:spPr>
+        <p:txBody>
+          <a:bodyPr>
+            <a:normAutofit/>
+          </a:bodyPr>
           <a:lstStyle/>
           <a:p>
             <a:pPr marL="0" indent="0">
@@ -5376,78 +5803,25 @@
                 <a:ea typeface="Calibri" panose="020F0502020204030204" pitchFamily="34" charset="0"/>
                 <a:cs typeface="Times New Roman" panose="02020603050405020304" pitchFamily="18" charset="0"/>
               </a:rPr>
-              <a:t>Целью дипломного проекта является разработка ПО для дуплексной низкоскоростной системы связи для применения в комплексах БПЛА. </a:t>
-            </a:r>
-          </a:p>
-          <a:p>
-            <a:pPr marL="0" indent="0">
-              <a:buNone/>
-            </a:pPr>
-            <a:r>
-              <a:rPr lang="ru-RU" sz="3600" dirty="0">
-                <a:effectLst/>
-                <a:latin typeface="Calibri" panose="020F0502020204030204" pitchFamily="34" charset="0"/>
-                <a:ea typeface="Calibri" panose="020F0502020204030204" pitchFamily="34" charset="0"/>
-                <a:cs typeface="Times New Roman" panose="02020603050405020304" pitchFamily="18" charset="0"/>
-              </a:rPr>
-              <a:t>Данная система должна обеспечивать связь на дальность не менее 100 км в условиях прямой видимости, с вероятностью битовой ошибки не менее 10</a:t>
-            </a:r>
-            <a:r>
-              <a:rPr lang="ru-RU" sz="3600" baseline="30000" dirty="0">
-                <a:effectLst/>
-                <a:latin typeface="Calibri" panose="020F0502020204030204" pitchFamily="34" charset="0"/>
-                <a:ea typeface="Calibri" panose="020F0502020204030204" pitchFamily="34" charset="0"/>
-                <a:cs typeface="Times New Roman" panose="02020603050405020304" pitchFamily="18" charset="0"/>
-              </a:rPr>
-              <a:t>-6 </a:t>
-            </a:r>
-            <a:r>
-              <a:rPr lang="ru-RU" sz="3600" dirty="0">
-                <a:effectLst/>
-                <a:latin typeface="Calibri" panose="020F0502020204030204" pitchFamily="34" charset="0"/>
-                <a:ea typeface="Calibri" panose="020F0502020204030204" pitchFamily="34" charset="0"/>
-                <a:cs typeface="Times New Roman" panose="02020603050405020304" pitchFamily="18" charset="0"/>
-              </a:rPr>
-              <a:t>. Скорость передачи системы связи данных должна быть не меньше 20 </a:t>
-            </a:r>
-            <a:r>
-              <a:rPr lang="ru-RU" sz="3600" dirty="0" err="1">
-                <a:effectLst/>
-                <a:latin typeface="Calibri" panose="020F0502020204030204" pitchFamily="34" charset="0"/>
-                <a:ea typeface="Calibri" panose="020F0502020204030204" pitchFamily="34" charset="0"/>
-                <a:cs typeface="Times New Roman" panose="02020603050405020304" pitchFamily="18" charset="0"/>
-              </a:rPr>
-              <a:t>кБит</a:t>
-            </a:r>
-            <a:r>
-              <a:rPr lang="ru-RU" sz="3600" dirty="0">
-                <a:effectLst/>
-                <a:latin typeface="Calibri" panose="020F0502020204030204" pitchFamily="34" charset="0"/>
-                <a:ea typeface="Calibri" panose="020F0502020204030204" pitchFamily="34" charset="0"/>
-                <a:cs typeface="Times New Roman" panose="02020603050405020304" pitchFamily="18" charset="0"/>
-              </a:rPr>
-              <a:t>/с</a:t>
-            </a:r>
-          </a:p>
-          <a:p>
-            <a:endParaRPr lang="ru-RU" dirty="0"/>
-          </a:p>
-        </p:txBody>
-      </p:sp>
-      <p:sp>
-        <p:nvSpPr>
-          <p:cNvPr id="4" name="Нижний колонтитул 3">
-            <a:extLst>
-              <a:ext uri="{FF2B5EF4-FFF2-40B4-BE49-F238E27FC236}">
-                <a16:creationId xmlns:a16="http://schemas.microsoft.com/office/drawing/2014/main" id="{F49BAC97-6E28-4B1F-BBD1-45A548CD1F56}"/>
-              </a:ext>
-            </a:extLst>
-          </p:cNvPr>
-          <p:cNvSpPr>
-            <a:spLocks noGrp="1"/>
-          </p:cNvSpPr>
-          <p:nvPr>
-            <p:ph type="ftr" sz="quarter" idx="11"/>
+              <a:t>Целью дипломного проекта является разработка ПО дуплексного низкоскоростного модема для использования в командно-телеметрической радиолинии комплекса БПЛА. </a:t>
+            </a:r>
+          </a:p>
+        </p:txBody>
+      </p:sp>
+      <p:sp>
+        <p:nvSpPr>
+          <p:cNvPr id="5" name="Номер слайда 4">
+            <a:extLst>
+              <a:ext uri="{FF2B5EF4-FFF2-40B4-BE49-F238E27FC236}">
+                <a16:creationId xmlns:a16="http://schemas.microsoft.com/office/drawing/2014/main" id="{BEF7D885-3A2A-4D95-AC8B-03F632E12D60}"/>
+              </a:ext>
+            </a:extLst>
+          </p:cNvPr>
+          <p:cNvSpPr>
+            <a:spLocks noGrp="1"/>
+          </p:cNvSpPr>
+          <p:nvPr>
+            <p:ph type="sldNum" sz="quarter" idx="12"/>
           </p:nvPr>
         </p:nvSpPr>
         <p:spPr/>
@@ -5455,7 +5829,11 @@
           <a:bodyPr/>
           <a:lstStyle/>
           <a:p>
-            <a:endParaRPr lang="ru-RU" dirty="0"/>
+            <a:fld id="{A013AB5D-EDEA-43F7-8D2F-8FF4FE69EAFF}" type="slidenum">
+              <a:rPr lang="ru-RU" smtClean="0"/>
+              <a:t>2</a:t>
+            </a:fld>
+            <a:endParaRPr lang="ru-RU"/>
           </a:p>
         </p:txBody>
       </p:sp>
@@ -5512,59 +5890,54 @@
           <a:p>
             <a:r>
               <a:rPr lang="ru-RU" dirty="0"/>
-              <a:t>Командно-телеметрическая радиолиния</a:t>
-            </a:r>
-          </a:p>
-        </p:txBody>
-      </p:sp>
-      <p:pic>
-        <p:nvPicPr>
-          <p:cNvPr id="7" name="Объект 6">
-            <a:extLst>
-              <a:ext uri="{FF2B5EF4-FFF2-40B4-BE49-F238E27FC236}">
-                <a16:creationId xmlns:a16="http://schemas.microsoft.com/office/drawing/2014/main" id="{9EF04754-B621-4D59-9705-1BD3FB0DF838}"/>
-              </a:ext>
-            </a:extLst>
-          </p:cNvPr>
-          <p:cNvPicPr>
-            <a:picLocks noGrp="1" noChangeAspect="1"/>
-          </p:cNvPicPr>
+              <a:t>Технические характеристики</a:t>
+            </a:r>
+          </a:p>
+        </p:txBody>
+      </p:sp>
+      <p:sp>
+        <p:nvSpPr>
+          <p:cNvPr id="3" name="Номер слайда 2">
+            <a:extLst>
+              <a:ext uri="{FF2B5EF4-FFF2-40B4-BE49-F238E27FC236}">
+                <a16:creationId xmlns:a16="http://schemas.microsoft.com/office/drawing/2014/main" id="{1B11A35C-57E8-4F54-B6E8-683DA655F2F5}"/>
+              </a:ext>
+            </a:extLst>
+          </p:cNvPr>
+          <p:cNvSpPr>
+            <a:spLocks noGrp="1"/>
+          </p:cNvSpPr>
+          <p:nvPr>
+            <p:ph type="sldNum" sz="quarter" idx="12"/>
+          </p:nvPr>
+        </p:nvSpPr>
+        <p:spPr/>
+        <p:txBody>
+          <a:bodyPr/>
+          <a:lstStyle/>
+          <a:p>
+            <a:fld id="{A013AB5D-EDEA-43F7-8D2F-8FF4FE69EAFF}" type="slidenum">
+              <a:rPr lang="ru-RU" smtClean="0"/>
+              <a:t>3</a:t>
+            </a:fld>
+            <a:endParaRPr lang="ru-RU"/>
+          </a:p>
+        </p:txBody>
+      </p:sp>
+      <p:sp>
+        <p:nvSpPr>
+          <p:cNvPr id="5" name="Объект 4">
+            <a:extLst>
+              <a:ext uri="{FF2B5EF4-FFF2-40B4-BE49-F238E27FC236}">
+                <a16:creationId xmlns:a16="http://schemas.microsoft.com/office/drawing/2014/main" id="{B54A280F-DD91-4D39-9E36-C00078E5DF64}"/>
+              </a:ext>
+            </a:extLst>
+          </p:cNvPr>
+          <p:cNvSpPr>
+            <a:spLocks noGrp="1"/>
+          </p:cNvSpPr>
           <p:nvPr>
             <p:ph idx="1"/>
-          </p:nvPr>
-        </p:nvPicPr>
-        <p:blipFill rotWithShape="1">
-          <a:blip r:embed="rId2">
-            <a:extLst>
-              <a:ext uri="{28A0092B-C50C-407E-A947-70E740481C1C}">
-                <a14:useLocalDpi xmlns:a14="http://schemas.microsoft.com/office/drawing/2010/main" val="0"/>
-              </a:ext>
-            </a:extLst>
-          </a:blip>
-          <a:srcRect r="17165" b="29880"/>
-          <a:stretch/>
-        </p:blipFill>
-        <p:spPr>
-          <a:xfrm>
-            <a:off x="1195090" y="1690688"/>
-            <a:ext cx="9801819" cy="4667250"/>
-          </a:xfrm>
-        </p:spPr>
-      </p:pic>
-      <p:sp>
-        <p:nvSpPr>
-          <p:cNvPr id="8" name="Нижний колонтитул 7">
-            <a:extLst>
-              <a:ext uri="{FF2B5EF4-FFF2-40B4-BE49-F238E27FC236}">
-                <a16:creationId xmlns:a16="http://schemas.microsoft.com/office/drawing/2014/main" id="{131EF971-889E-477D-A017-4D51246596D4}"/>
-              </a:ext>
-            </a:extLst>
-          </p:cNvPr>
-          <p:cNvSpPr>
-            <a:spLocks noGrp="1"/>
-          </p:cNvSpPr>
-          <p:nvPr>
-            <p:ph type="ftr" sz="quarter" idx="11"/>
           </p:nvPr>
         </p:nvSpPr>
         <p:spPr/>
@@ -5805,18 +6178,18 @@
       </p:pic>
       <p:sp>
         <p:nvSpPr>
-          <p:cNvPr id="6" name="Нижний колонтитул 5">
-            <a:extLst>
-              <a:ext uri="{FF2B5EF4-FFF2-40B4-BE49-F238E27FC236}">
-                <a16:creationId xmlns:a16="http://schemas.microsoft.com/office/drawing/2014/main" id="{232E4FB7-08F7-4B9F-B40C-8E34A2497672}"/>
-              </a:ext>
-            </a:extLst>
-          </p:cNvPr>
-          <p:cNvSpPr>
-            <a:spLocks noGrp="1"/>
-          </p:cNvSpPr>
-          <p:nvPr>
-            <p:ph type="ftr" sz="quarter" idx="11"/>
+          <p:cNvPr id="7" name="Номер слайда 6">
+            <a:extLst>
+              <a:ext uri="{FF2B5EF4-FFF2-40B4-BE49-F238E27FC236}">
+                <a16:creationId xmlns:a16="http://schemas.microsoft.com/office/drawing/2014/main" id="{5C98DF79-7B43-4F4C-8C52-F13C9C2358F0}"/>
+              </a:ext>
+            </a:extLst>
+          </p:cNvPr>
+          <p:cNvSpPr>
+            <a:spLocks noGrp="1"/>
+          </p:cNvSpPr>
+          <p:nvPr>
+            <p:ph type="sldNum" sz="quarter" idx="12"/>
           </p:nvPr>
         </p:nvSpPr>
         <p:spPr/>
@@ -5824,6 +6197,10 @@
           <a:bodyPr/>
           <a:lstStyle/>
           <a:p>
+            <a:fld id="{A013AB5D-EDEA-43F7-8D2F-8FF4FE69EAFF}" type="slidenum">
+              <a:rPr lang="ru-RU" smtClean="0"/>
+              <a:t>4</a:t>
+            </a:fld>
             <a:endParaRPr lang="ru-RU"/>
           </a:p>
         </p:txBody>
@@ -5886,7 +6263,7 @@
           <a:p>
             <a:r>
               <a:rPr lang="ru-RU" dirty="0"/>
-              <a:t>Структурная схема устройства?</a:t>
+              <a:t>Структурная схема устройства</a:t>
             </a:r>
           </a:p>
         </p:txBody>
@@ -5975,18 +6352,18 @@
       </p:pic>
       <p:sp>
         <p:nvSpPr>
-          <p:cNvPr id="4" name="Нижний колонтитул 3">
-            <a:extLst>
-              <a:ext uri="{FF2B5EF4-FFF2-40B4-BE49-F238E27FC236}">
-                <a16:creationId xmlns:a16="http://schemas.microsoft.com/office/drawing/2014/main" id="{086041A4-564A-44D6-BBCC-4C7F84DFD264}"/>
-              </a:ext>
-            </a:extLst>
-          </p:cNvPr>
-          <p:cNvSpPr>
-            <a:spLocks noGrp="1"/>
-          </p:cNvSpPr>
-          <p:nvPr>
-            <p:ph type="ftr" sz="quarter" idx="11"/>
+          <p:cNvPr id="6" name="Номер слайда 5">
+            <a:extLst>
+              <a:ext uri="{FF2B5EF4-FFF2-40B4-BE49-F238E27FC236}">
+                <a16:creationId xmlns:a16="http://schemas.microsoft.com/office/drawing/2014/main" id="{53C5879C-BDBB-4584-BE52-3EE729D14388}"/>
+              </a:ext>
+            </a:extLst>
+          </p:cNvPr>
+          <p:cNvSpPr>
+            <a:spLocks noGrp="1"/>
+          </p:cNvSpPr>
+          <p:nvPr>
+            <p:ph type="sldNum" sz="quarter" idx="12"/>
           </p:nvPr>
         </p:nvSpPr>
         <p:spPr/>
@@ -5994,6 +6371,10 @@
           <a:bodyPr/>
           <a:lstStyle/>
           <a:p>
+            <a:fld id="{A013AB5D-EDEA-43F7-8D2F-8FF4FE69EAFF}" type="slidenum">
+              <a:rPr lang="ru-RU" smtClean="0"/>
+              <a:t>5</a:t>
+            </a:fld>
             <a:endParaRPr lang="ru-RU"/>
           </a:p>
         </p:txBody>
@@ -6049,9 +6430,10 @@
           <a:bodyPr/>
           <a:lstStyle/>
           <a:p>
+            <a:pPr algn="ctr"/>
             <a:r>
               <a:rPr lang="ru-RU" dirty="0"/>
-              <a:t>Плата и ее основные характеристики</a:t>
+              <a:t>Внешний вид модема</a:t>
             </a:r>
           </a:p>
         </p:txBody>
@@ -6128,7 +6510,7 @@
         <p:spPr>
           <a:xfrm>
             <a:off x="635000" y="4978400"/>
-            <a:ext cx="11239500" cy="1754326"/>
+            <a:ext cx="11239500" cy="369332"/>
           </a:xfrm>
           <a:prstGeom prst="rect">
             <a:avLst/>
@@ -6141,54 +6523,24 @@
           </a:bodyPr>
           <a:lstStyle/>
           <a:p>
-            <a:r>
-              <a:rPr lang="ru-RU" dirty="0"/>
-              <a:t>Основные характеристики:</a:t>
-            </a:r>
-          </a:p>
-          <a:p>
-            <a:r>
-              <a:rPr lang="ru-RU" dirty="0"/>
-              <a:t>-</a:t>
-            </a:r>
-          </a:p>
-          <a:p>
-            <a:r>
-              <a:rPr lang="ru-RU" dirty="0"/>
-              <a:t>-</a:t>
-            </a:r>
-          </a:p>
-          <a:p>
-            <a:r>
-              <a:rPr lang="ru-RU" dirty="0"/>
-              <a:t>-</a:t>
-            </a:r>
-          </a:p>
-          <a:p>
-            <a:r>
-              <a:rPr lang="ru-RU" dirty="0"/>
-              <a:t>-</a:t>
-            </a:r>
-          </a:p>
-          <a:p>
             <a:endParaRPr lang="ru-RU" dirty="0"/>
           </a:p>
         </p:txBody>
       </p:sp>
       <p:sp>
         <p:nvSpPr>
-          <p:cNvPr id="4" name="Нижний колонтитул 3">
-            <a:extLst>
-              <a:ext uri="{FF2B5EF4-FFF2-40B4-BE49-F238E27FC236}">
-                <a16:creationId xmlns:a16="http://schemas.microsoft.com/office/drawing/2014/main" id="{9556CE1D-BD61-4FB7-8EE9-79D2DFC5C315}"/>
-              </a:ext>
-            </a:extLst>
-          </p:cNvPr>
-          <p:cNvSpPr>
-            <a:spLocks noGrp="1"/>
-          </p:cNvSpPr>
-          <p:nvPr>
-            <p:ph type="ftr" sz="quarter" idx="11"/>
+          <p:cNvPr id="6" name="Номер слайда 5">
+            <a:extLst>
+              <a:ext uri="{FF2B5EF4-FFF2-40B4-BE49-F238E27FC236}">
+                <a16:creationId xmlns:a16="http://schemas.microsoft.com/office/drawing/2014/main" id="{26453DB7-64C7-4337-B358-EA854CF20949}"/>
+              </a:ext>
+            </a:extLst>
+          </p:cNvPr>
+          <p:cNvSpPr>
+            <a:spLocks noGrp="1"/>
+          </p:cNvSpPr>
+          <p:nvPr>
+            <p:ph type="sldNum" sz="quarter" idx="12"/>
           </p:nvPr>
         </p:nvSpPr>
         <p:spPr/>
@@ -6196,6 +6548,10 @@
           <a:bodyPr/>
           <a:lstStyle/>
           <a:p>
+            <a:fld id="{A013AB5D-EDEA-43F7-8D2F-8FF4FE69EAFF}" type="slidenum">
+              <a:rPr lang="ru-RU" smtClean="0"/>
+              <a:t>6</a:t>
+            </a:fld>
             <a:endParaRPr lang="ru-RU"/>
           </a:p>
         </p:txBody>
@@ -6253,7 +6609,7 @@
           <a:p>
             <a:r>
               <a:rPr lang="ru-RU" dirty="0"/>
-              <a:t>Принцип работы устройства</a:t>
+              <a:t>Дуплексный режим работы</a:t>
             </a:r>
           </a:p>
         </p:txBody>
@@ -6325,18 +6681,18 @@
       </p:pic>
       <p:sp>
         <p:nvSpPr>
-          <p:cNvPr id="3" name="Нижний колонтитул 2">
-            <a:extLst>
-              <a:ext uri="{FF2B5EF4-FFF2-40B4-BE49-F238E27FC236}">
-                <a16:creationId xmlns:a16="http://schemas.microsoft.com/office/drawing/2014/main" id="{8F0F98C0-81A7-4F8E-9EDF-1AE6817CC51A}"/>
-              </a:ext>
-            </a:extLst>
-          </p:cNvPr>
-          <p:cNvSpPr>
-            <a:spLocks noGrp="1"/>
-          </p:cNvSpPr>
-          <p:nvPr>
-            <p:ph type="ftr" sz="quarter" idx="11"/>
+          <p:cNvPr id="4" name="Номер слайда 3">
+            <a:extLst>
+              <a:ext uri="{FF2B5EF4-FFF2-40B4-BE49-F238E27FC236}">
+                <a16:creationId xmlns:a16="http://schemas.microsoft.com/office/drawing/2014/main" id="{7C886F30-2221-4FE0-A709-9D693C885E95}"/>
+              </a:ext>
+            </a:extLst>
+          </p:cNvPr>
+          <p:cNvSpPr>
+            <a:spLocks noGrp="1"/>
+          </p:cNvSpPr>
+          <p:nvPr>
+            <p:ph type="sldNum" sz="quarter" idx="12"/>
           </p:nvPr>
         </p:nvSpPr>
         <p:spPr/>
@@ -6344,6 +6700,10 @@
           <a:bodyPr/>
           <a:lstStyle/>
           <a:p>
+            <a:fld id="{A013AB5D-EDEA-43F7-8D2F-8FF4FE69EAFF}" type="slidenum">
+              <a:rPr lang="ru-RU" smtClean="0"/>
+              <a:t>7</a:t>
+            </a:fld>
             <a:endParaRPr lang="ru-RU"/>
           </a:p>
         </p:txBody>
@@ -6383,7 +6743,7 @@
           <p:cNvPr id="2" name="Заголовок 1">
             <a:extLst>
               <a:ext uri="{FF2B5EF4-FFF2-40B4-BE49-F238E27FC236}">
-                <a16:creationId xmlns:a16="http://schemas.microsoft.com/office/drawing/2014/main" id="{27C8CE0E-2E88-4A7D-9269-12F80B3081E8}"/>
+                <a16:creationId xmlns:a16="http://schemas.microsoft.com/office/drawing/2014/main" id="{2902B110-33EF-4253-86F5-DA70308D6076}"/>
               </a:ext>
             </a:extLst>
           </p:cNvPr>
@@ -6401,85 +6761,90 @@
           <a:p>
             <a:r>
               <a:rPr lang="ru-RU" dirty="0"/>
-              <a:t>Требования выдвигаемые к ПО</a:t>
-            </a:r>
-          </a:p>
-        </p:txBody>
-      </p:sp>
-      <p:sp>
-        <p:nvSpPr>
-          <p:cNvPr id="3" name="Объект 2">
-            <a:extLst>
-              <a:ext uri="{FF2B5EF4-FFF2-40B4-BE49-F238E27FC236}">
-                <a16:creationId xmlns:a16="http://schemas.microsoft.com/office/drawing/2014/main" id="{7E13E4AD-E1CB-49FF-A07F-F7CA0DBBF794}"/>
-              </a:ext>
-            </a:extLst>
-          </p:cNvPr>
-          <p:cNvSpPr>
-            <a:spLocks noGrp="1"/>
-          </p:cNvSpPr>
+              <a:t>Полудуплексный режим работы</a:t>
+            </a:r>
+          </a:p>
+        </p:txBody>
+      </p:sp>
+      <p:pic>
+        <p:nvPicPr>
+          <p:cNvPr id="5" name="Объект 4">
+            <a:extLst>
+              <a:ext uri="{FF2B5EF4-FFF2-40B4-BE49-F238E27FC236}">
+                <a16:creationId xmlns:a16="http://schemas.microsoft.com/office/drawing/2014/main" id="{4CAEB3C4-FF99-4E2E-BB4A-4735456C3004}"/>
+              </a:ext>
+            </a:extLst>
+          </p:cNvPr>
+          <p:cNvPicPr>
+            <a:picLocks noGrp="1" noChangeAspect="1"/>
+          </p:cNvPicPr>
           <p:nvPr>
             <p:ph idx="1"/>
           </p:nvPr>
-        </p:nvSpPr>
+        </p:nvPicPr>
+        <p:blipFill>
+          <a:blip r:embed="rId2">
+            <a:extLst>
+              <a:ext uri="{28A0092B-C50C-407E-A947-70E740481C1C}">
+                <a14:useLocalDpi xmlns:a14="http://schemas.microsoft.com/office/drawing/2010/main" val="0"/>
+              </a:ext>
+            </a:extLst>
+          </a:blip>
+          <a:stretch>
+            <a:fillRect/>
+          </a:stretch>
+        </p:blipFill>
         <p:spPr>
           <a:xfrm>
-            <a:off x="838200" y="1946635"/>
-            <a:ext cx="10515600" cy="3773128"/>
+            <a:off x="5440683" y="1690688"/>
+            <a:ext cx="6257981" cy="4008957"/>
           </a:xfrm>
         </p:spPr>
-        <p:txBody>
-          <a:bodyPr/>
-          <a:lstStyle/>
-          <a:p>
-            <a:pPr marL="0" indent="0">
-              <a:buNone/>
-            </a:pPr>
-            <a:r>
-              <a:rPr lang="ru-RU" dirty="0"/>
-              <a:t>ПО должно выполнять следующие действия:</a:t>
-            </a:r>
-          </a:p>
-          <a:p>
-            <a:r>
-              <a:rPr lang="ru-RU" dirty="0"/>
-              <a:t>Обрабатывать данные получаемые от приемопередатчиков</a:t>
-            </a:r>
-          </a:p>
-          <a:p>
-            <a:r>
-              <a:rPr lang="ru-RU" dirty="0"/>
-              <a:t>Обрабатывать данные получаемые из интерфейсов пользователя</a:t>
-            </a:r>
-          </a:p>
-          <a:p>
-            <a:r>
-              <a:rPr lang="ru-RU" dirty="0"/>
-              <a:t>Отправлять данные в интерфейсы пользователя и приемопередатчики</a:t>
-            </a:r>
-          </a:p>
-          <a:p>
-            <a:r>
-              <a:rPr lang="ru-RU" dirty="0"/>
-              <a:t>Удаленно контролировать синхронизацию приемопередатчиков по радиоканалу</a:t>
-            </a:r>
-          </a:p>
-        </p:txBody>
-      </p:sp>
-      <p:sp>
-        <p:nvSpPr>
-          <p:cNvPr id="4" name="Нижний колонтитул 3">
-            <a:extLst>
-              <a:ext uri="{FF2B5EF4-FFF2-40B4-BE49-F238E27FC236}">
-                <a16:creationId xmlns:a16="http://schemas.microsoft.com/office/drawing/2014/main" id="{C7FA4E9F-FDC4-418C-84BE-ADA9829A97EB}"/>
-              </a:ext>
-            </a:extLst>
-          </p:cNvPr>
-          <p:cNvSpPr>
-            <a:spLocks noGrp="1"/>
-          </p:cNvSpPr>
-          <p:nvPr>
-            <p:ph type="ftr" sz="quarter" idx="11"/>
+      </p:pic>
+      <p:pic>
+        <p:nvPicPr>
+          <p:cNvPr id="10" name="Рисунок 9">
+            <a:extLst>
+              <a:ext uri="{FF2B5EF4-FFF2-40B4-BE49-F238E27FC236}">
+                <a16:creationId xmlns:a16="http://schemas.microsoft.com/office/drawing/2014/main" id="{053A18BC-AA7D-4DC0-934D-BD70424485C8}"/>
+              </a:ext>
+            </a:extLst>
+          </p:cNvPr>
+          <p:cNvPicPr>
+            <a:picLocks noChangeAspect="1"/>
+          </p:cNvPicPr>
+          <p:nvPr/>
+        </p:nvPicPr>
+        <p:blipFill>
+          <a:blip r:embed="rId3"/>
+          <a:stretch>
+            <a:fillRect/>
+          </a:stretch>
+        </p:blipFill>
+        <p:spPr>
+          <a:xfrm>
+            <a:off x="792483" y="1632470"/>
+            <a:ext cx="4648200" cy="4067175"/>
+          </a:xfrm>
+          <a:prstGeom prst="rect">
+            <a:avLst/>
+          </a:prstGeom>
+        </p:spPr>
+      </p:pic>
+      <p:sp>
+        <p:nvSpPr>
+          <p:cNvPr id="4" name="Номер слайда 3">
+            <a:extLst>
+              <a:ext uri="{FF2B5EF4-FFF2-40B4-BE49-F238E27FC236}">
+                <a16:creationId xmlns:a16="http://schemas.microsoft.com/office/drawing/2014/main" id="{7C886F30-2221-4FE0-A709-9D693C885E95}"/>
+              </a:ext>
+            </a:extLst>
+          </p:cNvPr>
+          <p:cNvSpPr>
+            <a:spLocks noGrp="1"/>
+          </p:cNvSpPr>
+          <p:nvPr>
+            <p:ph type="sldNum" sz="quarter" idx="12"/>
           </p:nvPr>
         </p:nvSpPr>
         <p:spPr/>
@@ -6487,6 +6852,10 @@
           <a:bodyPr/>
           <a:lstStyle/>
           <a:p>
+            <a:fld id="{A013AB5D-EDEA-43F7-8D2F-8FF4FE69EAFF}" type="slidenum">
+              <a:rPr lang="ru-RU" smtClean="0"/>
+              <a:t>8</a:t>
+            </a:fld>
             <a:endParaRPr lang="ru-RU"/>
           </a:p>
         </p:txBody>
@@ -6494,7 +6863,7 @@
     </p:spTree>
     <p:extLst>
       <p:ext uri="{BB962C8B-B14F-4D97-AF65-F5344CB8AC3E}">
-        <p14:creationId xmlns:p14="http://schemas.microsoft.com/office/powerpoint/2010/main" val="3119075717"/>
+        <p14:creationId xmlns:p14="http://schemas.microsoft.com/office/powerpoint/2010/main" val="2818169849"/>
       </p:ext>
     </p:extLst>
   </p:cSld>
@@ -6526,7 +6895,7 @@
           <p:cNvPr id="2" name="Заголовок 1">
             <a:extLst>
               <a:ext uri="{FF2B5EF4-FFF2-40B4-BE49-F238E27FC236}">
-                <a16:creationId xmlns:a16="http://schemas.microsoft.com/office/drawing/2014/main" id="{206A3440-1942-41C6-88D0-3296CEB61B67}"/>
+                <a16:creationId xmlns:a16="http://schemas.microsoft.com/office/drawing/2014/main" id="{47E75CCB-7293-444D-B22B-99FF5F44CB03}"/>
               </a:ext>
             </a:extLst>
           </p:cNvPr>
@@ -6537,29 +6906,25 @@
             <p:ph type="title"/>
           </p:nvPr>
         </p:nvSpPr>
-        <p:spPr>
-          <a:xfrm>
-            <a:off x="0" y="-258729"/>
-            <a:ext cx="10515600" cy="1325563"/>
-          </a:xfrm>
-        </p:spPr>
-        <p:txBody>
-          <a:bodyPr/>
-          <a:lstStyle/>
-          <a:p>
+        <p:spPr/>
+        <p:txBody>
+          <a:bodyPr/>
+          <a:lstStyle/>
+          <a:p>
+            <a:pPr algn="ctr"/>
             <a:r>
               <a:rPr lang="ru-RU" dirty="0"/>
-              <a:t>Алгоритм синхронизации устройств</a:t>
+              <a:t>Структурная схема работы ПО</a:t>
             </a:r>
           </a:p>
         </p:txBody>
       </p:sp>
       <p:pic>
         <p:nvPicPr>
-          <p:cNvPr id="13" name="Объект 12">
-            <a:extLst>
-              <a:ext uri="{FF2B5EF4-FFF2-40B4-BE49-F238E27FC236}">
-                <a16:creationId xmlns:a16="http://schemas.microsoft.com/office/drawing/2014/main" id="{4BF92414-0AD7-4407-A376-F85BB82E67F2}"/>
+          <p:cNvPr id="8" name="Объект 7">
+            <a:extLst>
+              <a:ext uri="{FF2B5EF4-FFF2-40B4-BE49-F238E27FC236}">
+                <a16:creationId xmlns:a16="http://schemas.microsoft.com/office/drawing/2014/main" id="{2CFA75FF-D37F-4ED6-B9F6-C5A7620FC031}"/>
               </a:ext>
             </a:extLst>
           </p:cNvPr>
@@ -6584,98 +6949,25 @@
         </p:blipFill>
         <p:spPr>
           <a:xfrm>
-            <a:off x="2128348" y="689565"/>
-            <a:ext cx="8387252" cy="6002252"/>
+            <a:off x="2398070" y="1302884"/>
+            <a:ext cx="7395860" cy="5189991"/>
           </a:xfrm>
         </p:spPr>
       </p:pic>
       <p:sp>
         <p:nvSpPr>
-          <p:cNvPr id="3" name="TextBox 2">
-            <a:extLst>
-              <a:ext uri="{FF2B5EF4-FFF2-40B4-BE49-F238E27FC236}">
-                <a16:creationId xmlns:a16="http://schemas.microsoft.com/office/drawing/2014/main" id="{FC92E169-71FF-464E-B631-E71E76C9B764}"/>
-              </a:ext>
-            </a:extLst>
-          </p:cNvPr>
-          <p:cNvSpPr txBox="1"/>
-          <p:nvPr/>
-        </p:nvSpPr>
-        <p:spPr>
-          <a:xfrm>
-            <a:off x="520700" y="1066834"/>
-            <a:ext cx="5575300" cy="2862322"/>
-          </a:xfrm>
-          <a:prstGeom prst="rect">
-            <a:avLst/>
-          </a:prstGeom>
-          <a:noFill/>
-        </p:spPr>
-        <p:txBody>
-          <a:bodyPr wrap="square" rtlCol="0">
-            <a:spAutoFit/>
-          </a:bodyPr>
-          <a:lstStyle/>
-          <a:p>
-            <a:r>
-              <a:rPr lang="ru-RU" sz="2000" dirty="0"/>
-              <a:t>В процессе синхронизации участвуют два сообщения: </a:t>
-            </a:r>
-            <a:r>
-              <a:rPr lang="en-US" sz="2000" dirty="0"/>
-              <a:t>MASTER_REQ</a:t>
-            </a:r>
-            <a:r>
-              <a:rPr lang="ru-RU" sz="2000" dirty="0"/>
-              <a:t> и </a:t>
-            </a:r>
-            <a:r>
-              <a:rPr lang="en-US" sz="2000" dirty="0"/>
-              <a:t>SLAVE_RESP</a:t>
-            </a:r>
-          </a:p>
-          <a:p>
-            <a:endParaRPr lang="en-US" sz="2000" dirty="0"/>
-          </a:p>
-          <a:p>
-            <a:r>
-              <a:rPr lang="ru-RU" sz="2000" dirty="0"/>
-              <a:t>К событиям приема относятся события</a:t>
-            </a:r>
-            <a:r>
-              <a:rPr lang="en-US" sz="2000" dirty="0"/>
-              <a:t> </a:t>
-            </a:r>
-            <a:r>
-              <a:rPr lang="ru-RU" sz="2000" dirty="0"/>
-              <a:t>успешного приема, тайм-аута приема и приема с ошибкой</a:t>
-            </a:r>
-          </a:p>
-          <a:p>
-            <a:endParaRPr lang="ru-RU" sz="2000" dirty="0"/>
-          </a:p>
-          <a:p>
-            <a:r>
-              <a:rPr lang="ru-RU" sz="2000" dirty="0"/>
-              <a:t>К событиям передачи относятся события успешной передачи и ошибочной передачи</a:t>
-            </a:r>
-          </a:p>
-        </p:txBody>
-      </p:sp>
-      <p:sp>
-        <p:nvSpPr>
-          <p:cNvPr id="4" name="Нижний колонтитул 3">
-            <a:extLst>
-              <a:ext uri="{FF2B5EF4-FFF2-40B4-BE49-F238E27FC236}">
-                <a16:creationId xmlns:a16="http://schemas.microsoft.com/office/drawing/2014/main" id="{ADC1A330-63DB-4843-910D-45EADD442C99}"/>
-              </a:ext>
-            </a:extLst>
-          </p:cNvPr>
-          <p:cNvSpPr>
-            <a:spLocks noGrp="1"/>
-          </p:cNvSpPr>
-          <p:nvPr>
-            <p:ph type="ftr" sz="quarter" idx="11"/>
+          <p:cNvPr id="9" name="Номер слайда 8">
+            <a:extLst>
+              <a:ext uri="{FF2B5EF4-FFF2-40B4-BE49-F238E27FC236}">
+                <a16:creationId xmlns:a16="http://schemas.microsoft.com/office/drawing/2014/main" id="{7AFDAC7C-A6A7-4879-ABF2-6159457DBBB9}"/>
+              </a:ext>
+            </a:extLst>
+          </p:cNvPr>
+          <p:cNvSpPr>
+            <a:spLocks noGrp="1"/>
+          </p:cNvSpPr>
+          <p:nvPr>
+            <p:ph type="sldNum" sz="quarter" idx="12"/>
           </p:nvPr>
         </p:nvSpPr>
         <p:spPr/>
@@ -6683,6 +6975,10 @@
           <a:bodyPr/>
           <a:lstStyle/>
           <a:p>
+            <a:fld id="{A013AB5D-EDEA-43F7-8D2F-8FF4FE69EAFF}" type="slidenum">
+              <a:rPr lang="ru-RU" smtClean="0"/>
+              <a:t>9</a:t>
+            </a:fld>
             <a:endParaRPr lang="ru-RU"/>
           </a:p>
         </p:txBody>
@@ -6690,7 +6986,7 @@
     </p:spTree>
     <p:extLst>
       <p:ext uri="{BB962C8B-B14F-4D97-AF65-F5344CB8AC3E}">
-        <p14:creationId xmlns:p14="http://schemas.microsoft.com/office/powerpoint/2010/main" val="242446589"/>
+        <p14:creationId xmlns:p14="http://schemas.microsoft.com/office/powerpoint/2010/main" val="782455063"/>
       </p:ext>
     </p:extLst>
   </p:cSld>

--- a/предзащита.pptx
+++ b/предзащита.pptx
@@ -5,10 +5,10 @@
     <p:sldMasterId id="2147483648" r:id="rId1"/>
   </p:sldMasterIdLst>
   <p:notesMasterIdLst>
-    <p:notesMasterId r:id="rId17"/>
+    <p:notesMasterId r:id="rId18"/>
   </p:notesMasterIdLst>
   <p:sldIdLst>
-    <p:sldId id="256" r:id="rId2"/>
+    <p:sldId id="277" r:id="rId2"/>
     <p:sldId id="258" r:id="rId3"/>
     <p:sldId id="259" r:id="rId4"/>
     <p:sldId id="263" r:id="rId5"/>
@@ -17,12 +17,13 @@
     <p:sldId id="270" r:id="rId8"/>
     <p:sldId id="274" r:id="rId9"/>
     <p:sldId id="266" r:id="rId10"/>
-    <p:sldId id="267" r:id="rId11"/>
-    <p:sldId id="269" r:id="rId12"/>
+    <p:sldId id="269" r:id="rId11"/>
+    <p:sldId id="276" r:id="rId12"/>
     <p:sldId id="275" r:id="rId13"/>
     <p:sldId id="272" r:id="rId14"/>
     <p:sldId id="273" r:id="rId15"/>
-    <p:sldId id="271" r:id="rId16"/>
+    <p:sldId id="267" r:id="rId16"/>
+    <p:sldId id="271" r:id="rId17"/>
   </p:sldIdLst>
   <p:sldSz cx="12192000" cy="6858000"/>
   <p:notesSz cx="6858000" cy="9144000"/>
@@ -126,7 +127,7 @@
       <p14:sectionLst xmlns:p14="http://schemas.microsoft.com/office/powerpoint/2010/main">
         <p14:section name="Раздел по умолчанию" id="{AA0FDAB8-4F55-450B-AAD9-467A35DB651C}">
           <p14:sldIdLst>
-            <p14:sldId id="256"/>
+            <p14:sldId id="277"/>
             <p14:sldId id="258"/>
             <p14:sldId id="259"/>
             <p14:sldId id="263"/>
@@ -135,11 +136,12 @@
             <p14:sldId id="270"/>
             <p14:sldId id="274"/>
             <p14:sldId id="266"/>
-            <p14:sldId id="267"/>
             <p14:sldId id="269"/>
+            <p14:sldId id="276"/>
             <p14:sldId id="275"/>
             <p14:sldId id="272"/>
             <p14:sldId id="273"/>
+            <p14:sldId id="267"/>
             <p14:sldId id="271"/>
           </p14:sldIdLst>
         </p14:section>
@@ -157,12 +159,12 @@
   <pc:docChgLst>
     <pc:chgData name="Бурлаков Илья" userId="421651f7c7e77a74" providerId="LiveId" clId="{D3BFDA4D-75E1-4BB0-88EA-4C8450DA5B7C}"/>
     <pc:docChg chg="undo custSel addSld delSld modSld sldOrd modSection">
-      <pc:chgData name="Бурлаков Илья" userId="421651f7c7e77a74" providerId="LiveId" clId="{D3BFDA4D-75E1-4BB0-88EA-4C8450DA5B7C}" dt="2023-01-08T08:23:54.816" v="1839" actId="122"/>
+      <pc:chgData name="Бурлаков Илья" userId="421651f7c7e77a74" providerId="LiveId" clId="{D3BFDA4D-75E1-4BB0-88EA-4C8450DA5B7C}" dt="2023-01-11T19:38:16.469" v="1978" actId="20577"/>
       <pc:docMkLst>
         <pc:docMk/>
       </pc:docMkLst>
-      <pc:sldChg chg="modSp mod">
-        <pc:chgData name="Бурлаков Илья" userId="421651f7c7e77a74" providerId="LiveId" clId="{D3BFDA4D-75E1-4BB0-88EA-4C8450DA5B7C}" dt="2023-01-07T12:10:19.142" v="116" actId="20577"/>
+      <pc:sldChg chg="modSp del mod">
+        <pc:chgData name="Бурлаков Илья" userId="421651f7c7e77a74" providerId="LiveId" clId="{D3BFDA4D-75E1-4BB0-88EA-4C8450DA5B7C}" dt="2023-01-11T19:37:35.941" v="1974" actId="47"/>
         <pc:sldMkLst>
           <pc:docMk/>
           <pc:sldMk cId="1370489536" sldId="256"/>
@@ -208,7 +210,7 @@
         </pc:spChg>
       </pc:sldChg>
       <pc:sldChg chg="addSp delSp modSp mod">
-        <pc:chgData name="Бурлаков Илья" userId="421651f7c7e77a74" providerId="LiveId" clId="{D3BFDA4D-75E1-4BB0-88EA-4C8450DA5B7C}" dt="2023-01-08T08:21:25.704" v="1801"/>
+        <pc:chgData name="Бурлаков Илья" userId="421651f7c7e77a74" providerId="LiveId" clId="{D3BFDA4D-75E1-4BB0-88EA-4C8450DA5B7C}" dt="2023-01-11T19:38:16.469" v="1978" actId="20577"/>
         <pc:sldMkLst>
           <pc:docMk/>
           <pc:sldMk cId="2129993449" sldId="259"/>
@@ -229,6 +231,14 @@
             <ac:spMk id="8" creationId="{131EF971-889E-477D-A017-4D51246596D4}"/>
           </ac:spMkLst>
         </pc:spChg>
+        <pc:graphicFrameChg chg="modGraphic">
+          <ac:chgData name="Бурлаков Илья" userId="421651f7c7e77a74" providerId="LiveId" clId="{D3BFDA4D-75E1-4BB0-88EA-4C8450DA5B7C}" dt="2023-01-11T19:38:16.469" v="1978" actId="20577"/>
+          <ac:graphicFrameMkLst>
+            <pc:docMk/>
+            <pc:sldMk cId="2129993449" sldId="259"/>
+            <ac:graphicFrameMk id="4" creationId="{E2E55A05-8C6F-4EBB-BE0F-8ECBFF85E80B}"/>
+          </ac:graphicFrameMkLst>
+        </pc:graphicFrameChg>
         <pc:picChg chg="del mod">
           <ac:chgData name="Бурлаков Илья" userId="421651f7c7e77a74" providerId="LiveId" clId="{D3BFDA4D-75E1-4BB0-88EA-4C8450DA5B7C}" dt="2023-01-08T06:38:07.850" v="842" actId="478"/>
           <ac:picMkLst>
@@ -355,7 +365,7 @@
         </pc:spChg>
       </pc:sldChg>
       <pc:sldChg chg="addSp modSp mod ord">
-        <pc:chgData name="Бурлаков Илья" userId="421651f7c7e77a74" providerId="LiveId" clId="{D3BFDA4D-75E1-4BB0-88EA-4C8450DA5B7C}" dt="2023-01-08T08:21:25.704" v="1801"/>
+        <pc:chgData name="Бурлаков Илья" userId="421651f7c7e77a74" providerId="LiveId" clId="{D3BFDA4D-75E1-4BB0-88EA-4C8450DA5B7C}" dt="2023-01-11T18:03:41.667" v="1841"/>
         <pc:sldMkLst>
           <pc:docMk/>
           <pc:sldMk cId="242446589" sldId="267"/>
@@ -646,6 +656,205 @@
             <pc:docMk/>
             <pc:sldMk cId="2430972263" sldId="273"/>
             <ac:spMk id="3" creationId="{6E82C032-6673-465F-A13A-C84F7EFD7AA1}"/>
+          </ac:spMkLst>
+        </pc:spChg>
+      </pc:sldChg>
+      <pc:sldChg chg="addSp delSp modSp add mod">
+        <pc:chgData name="Бурлаков Илья" userId="421651f7c7e77a74" providerId="LiveId" clId="{D3BFDA4D-75E1-4BB0-88EA-4C8450DA5B7C}" dt="2023-01-11T19:37:13.816" v="1973" actId="20577"/>
+        <pc:sldMkLst>
+          <pc:docMk/>
+          <pc:sldMk cId="2585881786" sldId="277"/>
+        </pc:sldMkLst>
+        <pc:spChg chg="del">
+          <ac:chgData name="Бурлаков Илья" userId="421651f7c7e77a74" providerId="LiveId" clId="{D3BFDA4D-75E1-4BB0-88EA-4C8450DA5B7C}" dt="2023-01-11T19:35:41.079" v="1845" actId="478"/>
+          <ac:spMkLst>
+            <pc:docMk/>
+            <pc:sldMk cId="2585881786" sldId="277"/>
+            <ac:spMk id="2" creationId="{64E72D3D-ED7D-48C8-AF87-07F9527501E0}"/>
+          </ac:spMkLst>
+        </pc:spChg>
+        <pc:spChg chg="del">
+          <ac:chgData name="Бурлаков Илья" userId="421651f7c7e77a74" providerId="LiveId" clId="{D3BFDA4D-75E1-4BB0-88EA-4C8450DA5B7C}" dt="2023-01-11T19:35:41.079" v="1845" actId="478"/>
+          <ac:spMkLst>
+            <pc:docMk/>
+            <pc:sldMk cId="2585881786" sldId="277"/>
+            <ac:spMk id="3" creationId="{1EDEF5E0-C06A-49A4-BCC7-D6465E806C92}"/>
+          </ac:spMkLst>
+        </pc:spChg>
+        <pc:spChg chg="add del mod">
+          <ac:chgData name="Бурлаков Илья" userId="421651f7c7e77a74" providerId="LiveId" clId="{D3BFDA4D-75E1-4BB0-88EA-4C8450DA5B7C}" dt="2023-01-11T19:35:39.250" v="1844"/>
+          <ac:spMkLst>
+            <pc:docMk/>
+            <pc:sldMk cId="2585881786" sldId="277"/>
+            <ac:spMk id="4" creationId="{67708EFF-20C0-47B6-A11A-737422FDD131}"/>
+          </ac:spMkLst>
+        </pc:spChg>
+        <pc:spChg chg="add del mod">
+          <ac:chgData name="Бурлаков Илья" userId="421651f7c7e77a74" providerId="LiveId" clId="{D3BFDA4D-75E1-4BB0-88EA-4C8450DA5B7C}" dt="2023-01-11T19:35:39.250" v="1844"/>
+          <ac:spMkLst>
+            <pc:docMk/>
+            <pc:sldMk cId="2585881786" sldId="277"/>
+            <ac:spMk id="5" creationId="{043862A9-BC2A-4295-A53F-EDBEA301C864}"/>
+          </ac:spMkLst>
+        </pc:spChg>
+        <pc:spChg chg="add del mod">
+          <ac:chgData name="Бурлаков Илья" userId="421651f7c7e77a74" providerId="LiveId" clId="{D3BFDA4D-75E1-4BB0-88EA-4C8450DA5B7C}" dt="2023-01-11T19:35:39.250" v="1844"/>
+          <ac:spMkLst>
+            <pc:docMk/>
+            <pc:sldMk cId="2585881786" sldId="277"/>
+            <ac:spMk id="6" creationId="{19F56239-B8FD-4509-8E0A-C888C6C49AA1}"/>
+          </ac:spMkLst>
+        </pc:spChg>
+        <pc:spChg chg="add del mod">
+          <ac:chgData name="Бурлаков Илья" userId="421651f7c7e77a74" providerId="LiveId" clId="{D3BFDA4D-75E1-4BB0-88EA-4C8450DA5B7C}" dt="2023-01-11T19:35:39.250" v="1844"/>
+          <ac:spMkLst>
+            <pc:docMk/>
+            <pc:sldMk cId="2585881786" sldId="277"/>
+            <ac:spMk id="7" creationId="{C309C4DD-81DB-4158-9168-2C16FC04360F}"/>
+          </ac:spMkLst>
+        </pc:spChg>
+        <pc:spChg chg="add del mod">
+          <ac:chgData name="Бурлаков Илья" userId="421651f7c7e77a74" providerId="LiveId" clId="{D3BFDA4D-75E1-4BB0-88EA-4C8450DA5B7C}" dt="2023-01-11T19:35:39.250" v="1844"/>
+          <ac:spMkLst>
+            <pc:docMk/>
+            <pc:sldMk cId="2585881786" sldId="277"/>
+            <ac:spMk id="8" creationId="{84357C76-6976-4399-A4C8-E97C5E65C113}"/>
+          </ac:spMkLst>
+        </pc:spChg>
+        <pc:spChg chg="add del mod">
+          <ac:chgData name="Бурлаков Илья" userId="421651f7c7e77a74" providerId="LiveId" clId="{D3BFDA4D-75E1-4BB0-88EA-4C8450DA5B7C}" dt="2023-01-11T19:35:39.250" v="1844"/>
+          <ac:spMkLst>
+            <pc:docMk/>
+            <pc:sldMk cId="2585881786" sldId="277"/>
+            <ac:spMk id="9" creationId="{49D5F49F-4C35-44CF-8B0A-0A783B7B74A9}"/>
+          </ac:spMkLst>
+        </pc:spChg>
+        <pc:spChg chg="add del mod">
+          <ac:chgData name="Бурлаков Илья" userId="421651f7c7e77a74" providerId="LiveId" clId="{D3BFDA4D-75E1-4BB0-88EA-4C8450DA5B7C}" dt="2023-01-11T19:35:39.250" v="1844"/>
+          <ac:spMkLst>
+            <pc:docMk/>
+            <pc:sldMk cId="2585881786" sldId="277"/>
+            <ac:spMk id="10" creationId="{0B5A060D-D7A2-40AB-BDBF-5A194B021C74}"/>
+          </ac:spMkLst>
+        </pc:spChg>
+        <pc:spChg chg="add del mod">
+          <ac:chgData name="Бурлаков Илья" userId="421651f7c7e77a74" providerId="LiveId" clId="{D3BFDA4D-75E1-4BB0-88EA-4C8450DA5B7C}" dt="2023-01-11T19:35:39.250" v="1844"/>
+          <ac:spMkLst>
+            <pc:docMk/>
+            <pc:sldMk cId="2585881786" sldId="277"/>
+            <ac:spMk id="11" creationId="{A89A793E-C98D-467E-8052-F38C88CEC770}"/>
+          </ac:spMkLst>
+        </pc:spChg>
+        <pc:spChg chg="add del mod">
+          <ac:chgData name="Бурлаков Илья" userId="421651f7c7e77a74" providerId="LiveId" clId="{D3BFDA4D-75E1-4BB0-88EA-4C8450DA5B7C}" dt="2023-01-11T19:35:39.250" v="1844"/>
+          <ac:spMkLst>
+            <pc:docMk/>
+            <pc:sldMk cId="2585881786" sldId="277"/>
+            <ac:spMk id="12" creationId="{B84F237C-FAF9-42FC-BD92-E01199F7FDB9}"/>
+          </ac:spMkLst>
+        </pc:spChg>
+        <pc:spChg chg="add del mod">
+          <ac:chgData name="Бурлаков Илья" userId="421651f7c7e77a74" providerId="LiveId" clId="{D3BFDA4D-75E1-4BB0-88EA-4C8450DA5B7C}" dt="2023-01-11T19:35:39.250" v="1844"/>
+          <ac:spMkLst>
+            <pc:docMk/>
+            <pc:sldMk cId="2585881786" sldId="277"/>
+            <ac:spMk id="13" creationId="{73649EAB-A7B9-4928-AF08-DE58E4FB1770}"/>
+          </ac:spMkLst>
+        </pc:spChg>
+        <pc:spChg chg="add del mod">
+          <ac:chgData name="Бурлаков Илья" userId="421651f7c7e77a74" providerId="LiveId" clId="{D3BFDA4D-75E1-4BB0-88EA-4C8450DA5B7C}" dt="2023-01-11T19:35:42.861" v="1846" actId="478"/>
+          <ac:spMkLst>
+            <pc:docMk/>
+            <pc:sldMk cId="2585881786" sldId="277"/>
+            <ac:spMk id="15" creationId="{F579602B-C8C0-43D7-A13A-3E967C57F784}"/>
+          </ac:spMkLst>
+        </pc:spChg>
+        <pc:spChg chg="add del mod">
+          <ac:chgData name="Бурлаков Илья" userId="421651f7c7e77a74" providerId="LiveId" clId="{D3BFDA4D-75E1-4BB0-88EA-4C8450DA5B7C}" dt="2023-01-11T19:35:42.861" v="1846" actId="478"/>
+          <ac:spMkLst>
+            <pc:docMk/>
+            <pc:sldMk cId="2585881786" sldId="277"/>
+            <ac:spMk id="17" creationId="{39C00DDF-7826-49F3-B017-EF201F2EDE7A}"/>
+          </ac:spMkLst>
+        </pc:spChg>
+        <pc:spChg chg="add mod">
+          <ac:chgData name="Бурлаков Илья" userId="421651f7c7e77a74" providerId="LiveId" clId="{D3BFDA4D-75E1-4BB0-88EA-4C8450DA5B7C}" dt="2023-01-11T19:36:29.334" v="1935" actId="20577"/>
+          <ac:spMkLst>
+            <pc:docMk/>
+            <pc:sldMk cId="2585881786" sldId="277"/>
+            <ac:spMk id="18" creationId="{A8990C8C-C63E-4C71-A186-7D79863AB39B}"/>
+          </ac:spMkLst>
+        </pc:spChg>
+        <pc:spChg chg="add mod">
+          <ac:chgData name="Бурлаков Илья" userId="421651f7c7e77a74" providerId="LiveId" clId="{D3BFDA4D-75E1-4BB0-88EA-4C8450DA5B7C}" dt="2023-01-11T19:37:13.816" v="1973" actId="20577"/>
+          <ac:spMkLst>
+            <pc:docMk/>
+            <pc:sldMk cId="2585881786" sldId="277"/>
+            <ac:spMk id="19" creationId="{2A14F525-8351-4676-94AC-5FA3BEE8C5D7}"/>
+          </ac:spMkLst>
+        </pc:spChg>
+        <pc:spChg chg="add mod">
+          <ac:chgData name="Бурлаков Илья" userId="421651f7c7e77a74" providerId="LiveId" clId="{D3BFDA4D-75E1-4BB0-88EA-4C8450DA5B7C}" dt="2023-01-11T19:35:49.832" v="1848" actId="1076"/>
+          <ac:spMkLst>
+            <pc:docMk/>
+            <pc:sldMk cId="2585881786" sldId="277"/>
+            <ac:spMk id="20" creationId="{C1039B59-B31C-47C3-BC7A-6038720DE958}"/>
+          </ac:spMkLst>
+        </pc:spChg>
+        <pc:spChg chg="add mod">
+          <ac:chgData name="Бурлаков Илья" userId="421651f7c7e77a74" providerId="LiveId" clId="{D3BFDA4D-75E1-4BB0-88EA-4C8450DA5B7C}" dt="2023-01-11T19:35:49.832" v="1848" actId="1076"/>
+          <ac:spMkLst>
+            <pc:docMk/>
+            <pc:sldMk cId="2585881786" sldId="277"/>
+            <ac:spMk id="21" creationId="{02D70202-B2B4-438E-8CED-90ED54212535}"/>
+          </ac:spMkLst>
+        </pc:spChg>
+        <pc:spChg chg="add mod">
+          <ac:chgData name="Бурлаков Илья" userId="421651f7c7e77a74" providerId="LiveId" clId="{D3BFDA4D-75E1-4BB0-88EA-4C8450DA5B7C}" dt="2023-01-11T19:35:49.832" v="1848" actId="1076"/>
+          <ac:spMkLst>
+            <pc:docMk/>
+            <pc:sldMk cId="2585881786" sldId="277"/>
+            <ac:spMk id="22" creationId="{2469051C-486D-4288-95F6-346F729B64A1}"/>
+          </ac:spMkLst>
+        </pc:spChg>
+        <pc:spChg chg="add mod">
+          <ac:chgData name="Бурлаков Илья" userId="421651f7c7e77a74" providerId="LiveId" clId="{D3BFDA4D-75E1-4BB0-88EA-4C8450DA5B7C}" dt="2023-01-11T19:35:49.832" v="1848" actId="1076"/>
+          <ac:spMkLst>
+            <pc:docMk/>
+            <pc:sldMk cId="2585881786" sldId="277"/>
+            <ac:spMk id="23" creationId="{1F7D9A18-0037-4A6E-B54A-87604FF21037}"/>
+          </ac:spMkLst>
+        </pc:spChg>
+        <pc:spChg chg="add mod">
+          <ac:chgData name="Бурлаков Илья" userId="421651f7c7e77a74" providerId="LiveId" clId="{D3BFDA4D-75E1-4BB0-88EA-4C8450DA5B7C}" dt="2023-01-11T19:35:49.832" v="1848" actId="1076"/>
+          <ac:spMkLst>
+            <pc:docMk/>
+            <pc:sldMk cId="2585881786" sldId="277"/>
+            <ac:spMk id="24" creationId="{16B654F4-F74E-4FCE-9AD9-EED73861F072}"/>
+          </ac:spMkLst>
+        </pc:spChg>
+        <pc:spChg chg="add mod">
+          <ac:chgData name="Бурлаков Илья" userId="421651f7c7e77a74" providerId="LiveId" clId="{D3BFDA4D-75E1-4BB0-88EA-4C8450DA5B7C}" dt="2023-01-11T19:35:49.832" v="1848" actId="1076"/>
+          <ac:spMkLst>
+            <pc:docMk/>
+            <pc:sldMk cId="2585881786" sldId="277"/>
+            <ac:spMk id="25" creationId="{845F3F77-7952-4DB6-B14D-25CBAF1F7829}"/>
+          </ac:spMkLst>
+        </pc:spChg>
+        <pc:spChg chg="add mod">
+          <ac:chgData name="Бурлаков Илья" userId="421651f7c7e77a74" providerId="LiveId" clId="{D3BFDA4D-75E1-4BB0-88EA-4C8450DA5B7C}" dt="2023-01-11T19:35:49.832" v="1848" actId="1076"/>
+          <ac:spMkLst>
+            <pc:docMk/>
+            <pc:sldMk cId="2585881786" sldId="277"/>
+            <ac:spMk id="26" creationId="{1CBEDEBE-C787-4F1D-A89C-810DE9590A95}"/>
+          </ac:spMkLst>
+        </pc:spChg>
+        <pc:spChg chg="add mod">
+          <ac:chgData name="Бурлаков Илья" userId="421651f7c7e77a74" providerId="LiveId" clId="{D3BFDA4D-75E1-4BB0-88EA-4C8450DA5B7C}" dt="2023-01-11T19:35:58.903" v="1849" actId="20577"/>
+          <ac:spMkLst>
+            <pc:docMk/>
+            <pc:sldMk cId="2585881786" sldId="277"/>
+            <ac:spMk id="27" creationId="{4F5B878E-807F-43A7-A0AB-71C47F8F0050}"/>
           </ac:spMkLst>
         </pc:spChg>
       </pc:sldChg>
@@ -4220,10 +4429,10 @@
       </p:grpSpPr>
       <p:sp>
         <p:nvSpPr>
-          <p:cNvPr id="2" name="Заголовок 1">
-            <a:extLst>
-              <a:ext uri="{FF2B5EF4-FFF2-40B4-BE49-F238E27FC236}">
-                <a16:creationId xmlns:a16="http://schemas.microsoft.com/office/drawing/2014/main" id="{64E72D3D-ED7D-48C8-AF87-07F9527501E0}"/>
+          <p:cNvPr id="18" name="Заголовок 1">
+            <a:extLst>
+              <a:ext uri="{FF2B5EF4-FFF2-40B4-BE49-F238E27FC236}">
+                <a16:creationId xmlns:a16="http://schemas.microsoft.com/office/drawing/2014/main" id="{A8990C8C-C63E-4C71-A186-7D79863AB39B}"/>
               </a:ext>
             </a:extLst>
           </p:cNvPr>
@@ -4236,29 +4445,46 @@
         </p:nvSpPr>
         <p:spPr>
           <a:xfrm>
-            <a:off x="1524000" y="1848227"/>
-            <a:ext cx="9144000" cy="2387600"/>
+            <a:off x="1524000" y="3642285"/>
+            <a:ext cx="9144000" cy="785818"/>
           </a:xfrm>
         </p:spPr>
         <p:txBody>
           <a:bodyPr>
-            <a:normAutofit fontScale="90000"/>
+            <a:normAutofit/>
           </a:bodyPr>
           <a:lstStyle/>
           <a:p>
             <a:r>
-              <a:rPr lang="ru-RU" dirty="0"/>
-              <a:t>Разработка низкоскоростной дуплексной системы связи для применения в комплексах БПЛА</a:t>
-            </a:r>
-          </a:p>
-        </p:txBody>
-      </p:sp>
-      <p:sp>
-        <p:nvSpPr>
-          <p:cNvPr id="3" name="Подзаголовок 2">
-            <a:extLst>
-              <a:ext uri="{FF2B5EF4-FFF2-40B4-BE49-F238E27FC236}">
-                <a16:creationId xmlns:a16="http://schemas.microsoft.com/office/drawing/2014/main" id="{1EDEF5E0-C06A-49A4-BCC7-D6465E806C92}"/>
+              <a:rPr lang="ru-RU" sz="2000" b="1" dirty="0">
+                <a:latin typeface="Times New Roman" pitchFamily="18" charset="0"/>
+                <a:cs typeface="Times New Roman" pitchFamily="18" charset="0"/>
+              </a:rPr>
+              <a:t>Тема:</a:t>
+            </a:r>
+            <a:r>
+              <a:rPr lang="ru-RU" sz="2000" dirty="0">
+                <a:latin typeface="Times New Roman" pitchFamily="18" charset="0"/>
+                <a:cs typeface="Times New Roman" pitchFamily="18" charset="0"/>
+              </a:rPr>
+              <a:t> Разработка низкоскоростной дуплексной системы связи для применения в комплексах БПЛА</a:t>
+            </a:r>
+            <a:endParaRPr lang="ru-RU" sz="2000" dirty="0">
+              <a:solidFill>
+                <a:schemeClr val="tx1"/>
+              </a:solidFill>
+              <a:latin typeface="Times New Roman" pitchFamily="18" charset="0"/>
+              <a:cs typeface="Times New Roman" pitchFamily="18" charset="0"/>
+            </a:endParaRPr>
+          </a:p>
+        </p:txBody>
+      </p:sp>
+      <p:sp>
+        <p:nvSpPr>
+          <p:cNvPr id="19" name="Подзаголовок 2">
+            <a:extLst>
+              <a:ext uri="{FF2B5EF4-FFF2-40B4-BE49-F238E27FC236}">
+                <a16:creationId xmlns:a16="http://schemas.microsoft.com/office/drawing/2014/main" id="{2A14F525-8351-4676-94AC-5FA3BEE8C5D7}"/>
               </a:ext>
             </a:extLst>
           </p:cNvPr>
@@ -4271,25 +4497,590 @@
         </p:nvSpPr>
         <p:spPr>
           <a:xfrm>
-            <a:off x="1524000" y="4535292"/>
-            <a:ext cx="9144000" cy="1655762"/>
+            <a:off x="6388022" y="4558382"/>
+            <a:ext cx="4279978" cy="1392225"/>
           </a:xfrm>
         </p:spPr>
         <p:txBody>
-          <a:bodyPr/>
-          <a:lstStyle/>
-          <a:p>
-            <a:r>
-              <a:rPr lang="ru-RU" dirty="0"/>
+          <a:bodyPr>
+            <a:noAutofit/>
+          </a:bodyPr>
+          <a:lstStyle/>
+          <a:p>
+            <a:pPr algn="r">
+              <a:spcBef>
+                <a:spcPts val="0"/>
+              </a:spcBef>
+            </a:pPr>
+            <a:r>
+              <a:rPr lang="ru-RU" sz="1600" b="0" u="sng" dirty="0">
+                <a:solidFill>
+                  <a:schemeClr val="tx1"/>
+                </a:solidFill>
+                <a:latin typeface="Times New Roman" pitchFamily="18" charset="0"/>
+                <a:cs typeface="Times New Roman" pitchFamily="18" charset="0"/>
+              </a:rPr>
+              <a:t>Выполнил:</a:t>
+            </a:r>
+            <a:r>
+              <a:rPr lang="ru-RU" sz="1600" b="0" dirty="0">
+                <a:solidFill>
+                  <a:schemeClr val="tx1"/>
+                </a:solidFill>
+                <a:latin typeface="Times New Roman" pitchFamily="18" charset="0"/>
+                <a:cs typeface="Times New Roman" pitchFamily="18" charset="0"/>
+              </a:rPr>
+              <a:t>          </a:t>
+            </a:r>
+            <a:r>
+              <a:rPr lang="en-US" sz="1600" b="0" dirty="0">
+                <a:solidFill>
+                  <a:schemeClr val="tx1"/>
+                </a:solidFill>
+                <a:latin typeface="Times New Roman" pitchFamily="18" charset="0"/>
+                <a:cs typeface="Times New Roman" pitchFamily="18" charset="0"/>
+              </a:rPr>
+              <a:t>    </a:t>
+            </a:r>
+            <a:r>
+              <a:rPr lang="ru-RU" sz="1600" b="0" dirty="0">
+                <a:solidFill>
+                  <a:schemeClr val="tx1"/>
+                </a:solidFill>
+                <a:latin typeface="Times New Roman" pitchFamily="18" charset="0"/>
+                <a:cs typeface="Times New Roman" pitchFamily="18" charset="0"/>
+              </a:rPr>
+              <a:t>студент г</a:t>
+            </a:r>
+            <a:r>
+              <a:rPr lang="ru-RU" sz="1600" dirty="0">
+                <a:solidFill>
+                  <a:schemeClr val="tx1"/>
+                </a:solidFill>
+                <a:latin typeface="Times New Roman" pitchFamily="18" charset="0"/>
+                <a:cs typeface="Times New Roman" pitchFamily="18" charset="0"/>
+              </a:rPr>
+              <a:t>руппы РФ 17-14 </a:t>
+            </a:r>
+          </a:p>
+          <a:p>
+            <a:pPr algn="r">
+              <a:spcBef>
+                <a:spcPts val="0"/>
+              </a:spcBef>
+            </a:pPr>
+            <a:r>
+              <a:rPr lang="ru-RU" sz="1600" dirty="0">
+                <a:solidFill>
+                  <a:schemeClr val="tx1"/>
+                </a:solidFill>
+                <a:latin typeface="Times New Roman" pitchFamily="18" charset="0"/>
+                <a:cs typeface="Times New Roman" pitchFamily="18" charset="0"/>
+              </a:rPr>
               <a:t>Бурлаков И.Е.</a:t>
             </a:r>
+            <a:endParaRPr lang="ru-RU" sz="1600" b="0" dirty="0">
+              <a:solidFill>
+                <a:schemeClr val="tx1"/>
+              </a:solidFill>
+              <a:latin typeface="Times New Roman" pitchFamily="18" charset="0"/>
+              <a:cs typeface="Times New Roman" pitchFamily="18" charset="0"/>
+            </a:endParaRPr>
+          </a:p>
+          <a:p>
+            <a:pPr algn="r">
+              <a:spcBef>
+                <a:spcPts val="0"/>
+              </a:spcBef>
+            </a:pPr>
+            <a:r>
+              <a:rPr lang="ru-RU" sz="1600" u="sng" dirty="0">
+                <a:solidFill>
+                  <a:schemeClr val="tx1"/>
+                </a:solidFill>
+                <a:latin typeface="Times New Roman" pitchFamily="18" charset="0"/>
+                <a:cs typeface="Times New Roman" pitchFamily="18" charset="0"/>
+              </a:rPr>
+              <a:t>Руководитель:</a:t>
+            </a:r>
+            <a:r>
+              <a:rPr lang="ru-RU" sz="1600" dirty="0">
+                <a:solidFill>
+                  <a:schemeClr val="tx1"/>
+                </a:solidFill>
+                <a:latin typeface="Times New Roman" pitchFamily="18" charset="0"/>
+                <a:cs typeface="Times New Roman" pitchFamily="18" charset="0"/>
+              </a:rPr>
+              <a:t>     кандидат технических наук </a:t>
+            </a:r>
+          </a:p>
+          <a:p>
+            <a:pPr algn="r">
+              <a:spcBef>
+                <a:spcPts val="0"/>
+              </a:spcBef>
+            </a:pPr>
+            <a:r>
+              <a:rPr lang="ru-RU" sz="1600" dirty="0">
+                <a:solidFill>
+                  <a:schemeClr val="tx1"/>
+                </a:solidFill>
+                <a:latin typeface="Times New Roman" pitchFamily="18" charset="0"/>
+                <a:cs typeface="Times New Roman" pitchFamily="18" charset="0"/>
+              </a:rPr>
+              <a:t>Кудинов Д.С.</a:t>
+            </a:r>
+          </a:p>
+        </p:txBody>
+      </p:sp>
+      <p:sp>
+        <p:nvSpPr>
+          <p:cNvPr id="20" name="Text Box 5">
+            <a:extLst>
+              <a:ext uri="{FF2B5EF4-FFF2-40B4-BE49-F238E27FC236}">
+                <a16:creationId xmlns:a16="http://schemas.microsoft.com/office/drawing/2014/main" id="{C1039B59-B31C-47C3-BC7A-6038720DE958}"/>
+              </a:ext>
+            </a:extLst>
+          </p:cNvPr>
+          <p:cNvSpPr txBox="1">
+            <a:spLocks noChangeArrowheads="1"/>
+          </p:cNvSpPr>
+          <p:nvPr/>
+        </p:nvSpPr>
+        <p:spPr bwMode="auto">
+          <a:xfrm>
+            <a:off x="1524000" y="478493"/>
+            <a:ext cx="9144000" cy="1201738"/>
+          </a:xfrm>
+          <a:prstGeom prst="rect">
+            <a:avLst/>
+          </a:prstGeom>
+          <a:noFill/>
+          <a:ln w="9525">
+            <a:noFill/>
+            <a:miter lim="800000"/>
+            <a:headEnd/>
+            <a:tailEnd/>
+          </a:ln>
+        </p:spPr>
+        <p:txBody>
+          <a:bodyPr>
+            <a:spAutoFit/>
+          </a:bodyPr>
+          <a:lstStyle/>
+          <a:p>
+            <a:pPr algn="ctr"/>
+            <a:r>
+              <a:rPr lang="ru-RU" altLang="ru-RU" sz="1800" b="0" dirty="0">
+                <a:latin typeface="Times New Roman" pitchFamily="18" charset="0"/>
+                <a:cs typeface="Times New Roman" pitchFamily="18" charset="0"/>
+              </a:rPr>
+              <a:t>Федеральное государственное автономное</a:t>
+            </a:r>
+          </a:p>
+          <a:p>
+            <a:pPr algn="ctr"/>
+            <a:r>
+              <a:rPr lang="ru-RU" altLang="ru-RU" sz="1800" b="0" dirty="0">
+                <a:latin typeface="Times New Roman" pitchFamily="18" charset="0"/>
+                <a:cs typeface="Times New Roman" pitchFamily="18" charset="0"/>
+              </a:rPr>
+              <a:t>образовательное учреждение </a:t>
+            </a:r>
+          </a:p>
+          <a:p>
+            <a:pPr algn="ctr"/>
+            <a:r>
+              <a:rPr lang="ru-RU" altLang="ru-RU" sz="1800" b="0" dirty="0">
+                <a:latin typeface="Times New Roman" pitchFamily="18" charset="0"/>
+                <a:cs typeface="Times New Roman" pitchFamily="18" charset="0"/>
+              </a:rPr>
+              <a:t>высшего образования</a:t>
+            </a:r>
+          </a:p>
+          <a:p>
+            <a:pPr algn="ctr"/>
+            <a:r>
+              <a:rPr lang="ru-RU" altLang="ru-RU" sz="1800" b="0" dirty="0">
+                <a:latin typeface="Times New Roman" pitchFamily="18" charset="0"/>
+                <a:cs typeface="Times New Roman" pitchFamily="18" charset="0"/>
+              </a:rPr>
+              <a:t>«Сибирский федеральный университет»</a:t>
+            </a:r>
+          </a:p>
+        </p:txBody>
+      </p:sp>
+      <p:sp>
+        <p:nvSpPr>
+          <p:cNvPr id="21" name="Text Box 6">
+            <a:extLst>
+              <a:ext uri="{FF2B5EF4-FFF2-40B4-BE49-F238E27FC236}">
+                <a16:creationId xmlns:a16="http://schemas.microsoft.com/office/drawing/2014/main" id="{02D70202-B2B4-438E-8CED-90ED54212535}"/>
+              </a:ext>
+            </a:extLst>
+          </p:cNvPr>
+          <p:cNvSpPr txBox="1">
+            <a:spLocks noChangeArrowheads="1"/>
+          </p:cNvSpPr>
+          <p:nvPr/>
+        </p:nvSpPr>
+        <p:spPr bwMode="auto">
+          <a:xfrm>
+            <a:off x="1487488" y="1642021"/>
+            <a:ext cx="9180512" cy="369332"/>
+          </a:xfrm>
+          <a:prstGeom prst="rect">
+            <a:avLst/>
+          </a:prstGeom>
+          <a:noFill/>
+          <a:ln w="9525">
+            <a:noFill/>
+            <a:miter lim="800000"/>
+            <a:headEnd/>
+            <a:tailEnd/>
+          </a:ln>
+        </p:spPr>
+        <p:txBody>
+          <a:bodyPr wrap="square">
+            <a:spAutoFit/>
+          </a:bodyPr>
+          <a:lstStyle/>
+          <a:p>
+            <a:pPr algn="ctr"/>
+            <a:r>
+              <a:rPr lang="ru-RU" altLang="ru-RU" sz="1800" b="0" u="sng" dirty="0">
+                <a:latin typeface="Times New Roman" pitchFamily="18" charset="0"/>
+                <a:cs typeface="Times New Roman" pitchFamily="18" charset="0"/>
+              </a:rPr>
+              <a:t>Институт инженерной физики и радиоэлектроники</a:t>
+            </a:r>
+          </a:p>
+        </p:txBody>
+      </p:sp>
+      <p:sp>
+        <p:nvSpPr>
+          <p:cNvPr id="22" name="Text Box 6">
+            <a:extLst>
+              <a:ext uri="{FF2B5EF4-FFF2-40B4-BE49-F238E27FC236}">
+                <a16:creationId xmlns:a16="http://schemas.microsoft.com/office/drawing/2014/main" id="{2469051C-486D-4288-95F6-346F729B64A1}"/>
+              </a:ext>
+            </a:extLst>
+          </p:cNvPr>
+          <p:cNvSpPr txBox="1">
+            <a:spLocks noChangeArrowheads="1"/>
+          </p:cNvSpPr>
+          <p:nvPr/>
+        </p:nvSpPr>
+        <p:spPr bwMode="auto">
+          <a:xfrm>
+            <a:off x="1524000" y="2427839"/>
+            <a:ext cx="9144000" cy="461665"/>
+          </a:xfrm>
+          <a:prstGeom prst="rect">
+            <a:avLst/>
+          </a:prstGeom>
+          <a:noFill/>
+          <a:ln w="9525">
+            <a:noFill/>
+            <a:miter lim="800000"/>
+            <a:headEnd/>
+            <a:tailEnd/>
+          </a:ln>
+        </p:spPr>
+        <p:txBody>
+          <a:bodyPr>
+            <a:spAutoFit/>
+          </a:bodyPr>
+          <a:lstStyle/>
+          <a:p>
+            <a:pPr algn="ctr"/>
+            <a:r>
+              <a:rPr lang="ru-RU" altLang="ru-RU" sz="2400" b="1" dirty="0">
+                <a:latin typeface="Times New Roman" pitchFamily="18" charset="0"/>
+                <a:cs typeface="Times New Roman" pitchFamily="18" charset="0"/>
+              </a:rPr>
+              <a:t>Дипломная работа </a:t>
+            </a:r>
+          </a:p>
+        </p:txBody>
+      </p:sp>
+      <p:sp>
+        <p:nvSpPr>
+          <p:cNvPr id="23" name="Text Box 6">
+            <a:extLst>
+              <a:ext uri="{FF2B5EF4-FFF2-40B4-BE49-F238E27FC236}">
+                <a16:creationId xmlns:a16="http://schemas.microsoft.com/office/drawing/2014/main" id="{1F7D9A18-0037-4A6E-B54A-87604FF21037}"/>
+              </a:ext>
+            </a:extLst>
+          </p:cNvPr>
+          <p:cNvSpPr txBox="1">
+            <a:spLocks noChangeArrowheads="1"/>
+          </p:cNvSpPr>
+          <p:nvPr/>
+        </p:nvSpPr>
+        <p:spPr bwMode="auto">
+          <a:xfrm>
+            <a:off x="1524000" y="5950506"/>
+            <a:ext cx="9144000" cy="369888"/>
+          </a:xfrm>
+          <a:prstGeom prst="rect">
+            <a:avLst/>
+          </a:prstGeom>
+          <a:noFill/>
+          <a:ln w="9525">
+            <a:noFill/>
+            <a:miter lim="800000"/>
+            <a:headEnd/>
+            <a:tailEnd/>
+          </a:ln>
+        </p:spPr>
+        <p:txBody>
+          <a:bodyPr wrap="square">
+            <a:spAutoFit/>
+          </a:bodyPr>
+          <a:lstStyle/>
+          <a:p>
+            <a:pPr algn="ctr"/>
+            <a:r>
+              <a:rPr lang="ru-RU" altLang="ru-RU" sz="1800" b="0" dirty="0">
+                <a:latin typeface="Times New Roman" pitchFamily="18" charset="0"/>
+                <a:cs typeface="Times New Roman" pitchFamily="18" charset="0"/>
+              </a:rPr>
+              <a:t>Красноярск 2023</a:t>
+            </a:r>
+          </a:p>
+        </p:txBody>
+      </p:sp>
+      <p:sp>
+        <p:nvSpPr>
+          <p:cNvPr id="24" name="AutoShape 2" descr="Картинки по запросу космические электростанции">
+            <a:extLst>
+              <a:ext uri="{FF2B5EF4-FFF2-40B4-BE49-F238E27FC236}">
+                <a16:creationId xmlns:a16="http://schemas.microsoft.com/office/drawing/2014/main" id="{16B654F4-F74E-4FCE-9AD9-EED73861F072}"/>
+              </a:ext>
+            </a:extLst>
+          </p:cNvPr>
+          <p:cNvSpPr>
+            <a:spLocks noChangeAspect="1" noChangeArrowheads="1"/>
+          </p:cNvSpPr>
+          <p:nvPr/>
+        </p:nvSpPr>
+        <p:spPr bwMode="auto">
+          <a:xfrm>
+            <a:off x="1679575" y="-502682"/>
+            <a:ext cx="304800" cy="304801"/>
+          </a:xfrm>
+          <a:prstGeom prst="rect">
+            <a:avLst/>
+          </a:prstGeom>
+          <a:noFill/>
+        </p:spPr>
+        <p:txBody>
+          <a:bodyPr vert="horz" wrap="square" lIns="91440" tIns="45720" rIns="91440" bIns="45720" numCol="1" anchor="t" anchorCtr="0" compatLnSpc="1">
+            <a:prstTxWarp prst="textNoShape">
+              <a:avLst/>
+            </a:prstTxWarp>
+          </a:bodyPr>
+          <a:lstStyle/>
+          <a:p>
+            <a:endParaRPr lang="ru-RU"/>
+          </a:p>
+        </p:txBody>
+      </p:sp>
+      <p:sp>
+        <p:nvSpPr>
+          <p:cNvPr id="25" name="AutoShape 4" descr="Картинки по запросу космические электростанции">
+            <a:extLst>
+              <a:ext uri="{FF2B5EF4-FFF2-40B4-BE49-F238E27FC236}">
+                <a16:creationId xmlns:a16="http://schemas.microsoft.com/office/drawing/2014/main" id="{845F3F77-7952-4DB6-B14D-25CBAF1F7829}"/>
+              </a:ext>
+            </a:extLst>
+          </p:cNvPr>
+          <p:cNvSpPr>
+            <a:spLocks noChangeAspect="1" noChangeArrowheads="1"/>
+          </p:cNvSpPr>
+          <p:nvPr/>
+        </p:nvSpPr>
+        <p:spPr bwMode="auto">
+          <a:xfrm>
+            <a:off x="1679575" y="-502682"/>
+            <a:ext cx="304800" cy="304801"/>
+          </a:xfrm>
+          <a:prstGeom prst="rect">
+            <a:avLst/>
+          </a:prstGeom>
+          <a:noFill/>
+        </p:spPr>
+        <p:txBody>
+          <a:bodyPr vert="horz" wrap="square" lIns="91440" tIns="45720" rIns="91440" bIns="45720" numCol="1" anchor="t" anchorCtr="0" compatLnSpc="1">
+            <a:prstTxWarp prst="textNoShape">
+              <a:avLst/>
+            </a:prstTxWarp>
+          </a:bodyPr>
+          <a:lstStyle/>
+          <a:p>
+            <a:endParaRPr lang="ru-RU"/>
+          </a:p>
+        </p:txBody>
+      </p:sp>
+      <p:sp>
+        <p:nvSpPr>
+          <p:cNvPr id="26" name="Text Box 6">
+            <a:extLst>
+              <a:ext uri="{FF2B5EF4-FFF2-40B4-BE49-F238E27FC236}">
+                <a16:creationId xmlns:a16="http://schemas.microsoft.com/office/drawing/2014/main" id="{1CBEDEBE-C787-4F1D-A89C-810DE9590A95}"/>
+              </a:ext>
+            </a:extLst>
+          </p:cNvPr>
+          <p:cNvSpPr txBox="1">
+            <a:spLocks noChangeArrowheads="1"/>
+          </p:cNvSpPr>
+          <p:nvPr/>
+        </p:nvSpPr>
+        <p:spPr bwMode="auto">
+          <a:xfrm>
+            <a:off x="1487488" y="1999211"/>
+            <a:ext cx="9180512" cy="369332"/>
+          </a:xfrm>
+          <a:prstGeom prst="rect">
+            <a:avLst/>
+          </a:prstGeom>
+          <a:noFill/>
+          <a:ln w="9525">
+            <a:noFill/>
+            <a:miter lim="800000"/>
+            <a:headEnd/>
+            <a:tailEnd/>
+          </a:ln>
+        </p:spPr>
+        <p:txBody>
+          <a:bodyPr wrap="square">
+            <a:spAutoFit/>
+          </a:bodyPr>
+          <a:lstStyle/>
+          <a:p>
+            <a:pPr algn="ctr"/>
+            <a:r>
+              <a:rPr lang="ru-RU" altLang="ru-RU" sz="1800" b="0" u="sng" dirty="0">
+                <a:latin typeface="Times New Roman" pitchFamily="18" charset="0"/>
+                <a:cs typeface="Times New Roman" pitchFamily="18" charset="0"/>
+              </a:rPr>
+              <a:t>Кафедра «</a:t>
+            </a:r>
+            <a:r>
+              <a:rPr lang="ru-RU" altLang="ru-RU" u="sng" dirty="0">
+                <a:latin typeface="Times New Roman" pitchFamily="18" charset="0"/>
+                <a:cs typeface="Times New Roman" pitchFamily="18" charset="0"/>
+              </a:rPr>
+              <a:t>Радиоэлектронные системы</a:t>
+            </a:r>
+            <a:r>
+              <a:rPr lang="ru-RU" altLang="ru-RU" sz="1800" b="0" u="sng" dirty="0">
+                <a:latin typeface="Times New Roman" pitchFamily="18" charset="0"/>
+                <a:cs typeface="Times New Roman" pitchFamily="18" charset="0"/>
+              </a:rPr>
+              <a:t>»</a:t>
+            </a:r>
+          </a:p>
+        </p:txBody>
+      </p:sp>
+      <p:sp>
+        <p:nvSpPr>
+          <p:cNvPr id="27" name="Rectangle 1">
+            <a:extLst>
+              <a:ext uri="{FF2B5EF4-FFF2-40B4-BE49-F238E27FC236}">
+                <a16:creationId xmlns:a16="http://schemas.microsoft.com/office/drawing/2014/main" id="{4F5B878E-807F-43A7-A0AB-71C47F8F0050}"/>
+              </a:ext>
+            </a:extLst>
+          </p:cNvPr>
+          <p:cNvSpPr>
+            <a:spLocks noChangeArrowheads="1"/>
+          </p:cNvSpPr>
+          <p:nvPr/>
+        </p:nvSpPr>
+        <p:spPr bwMode="auto">
+          <a:xfrm>
+            <a:off x="1524000" y="3051015"/>
+            <a:ext cx="9144000" cy="338554"/>
+          </a:xfrm>
+          <a:prstGeom prst="rect">
+            <a:avLst/>
+          </a:prstGeom>
+          <a:noFill/>
+          <a:ln w="9525">
+            <a:noFill/>
+            <a:miter lim="800000"/>
+            <a:headEnd/>
+            <a:tailEnd/>
+          </a:ln>
+          <a:effectLst/>
+        </p:spPr>
+        <p:txBody>
+          <a:bodyPr vert="horz" wrap="square" lIns="91440" tIns="45720" rIns="91440" bIns="45720" numCol="1" anchor="ctr" anchorCtr="0" compatLnSpc="1">
+            <a:prstTxWarp prst="textNoShape">
+              <a:avLst/>
+            </a:prstTxWarp>
+            <a:spAutoFit/>
+          </a:bodyPr>
+          <a:lstStyle/>
+          <a:p>
+            <a:pPr marL="0" marR="0" lvl="0" indent="0" algn="ctr" defTabSz="914400" rtl="0" eaLnBrk="1" fontAlgn="base" latinLnBrk="0" hangingPunct="1">
+              <a:lnSpc>
+                <a:spcPct val="100000"/>
+              </a:lnSpc>
+              <a:spcBef>
+                <a:spcPct val="0"/>
+              </a:spcBef>
+              <a:spcAft>
+                <a:spcPct val="0"/>
+              </a:spcAft>
+              <a:buClrTx/>
+              <a:buSzTx/>
+              <a:buFontTx/>
+              <a:buNone/>
+              <a:tabLst/>
+            </a:pPr>
+            <a:r>
+              <a:rPr lang="ru-RU" sz="1600" dirty="0">
+                <a:latin typeface="Times New Roman" pitchFamily="18" charset="0"/>
+                <a:ea typeface="Calibri" pitchFamily="34" charset="0"/>
+                <a:cs typeface="Times New Roman" pitchFamily="18" charset="0"/>
+              </a:rPr>
+              <a:t>25</a:t>
+            </a:r>
+            <a:r>
+              <a:rPr kumimoji="0" lang="ru-RU" sz="1600" b="0" i="0" u="none" strike="noStrike" cap="none" normalizeH="0" baseline="0" dirty="0">
+                <a:ln>
+                  <a:noFill/>
+                </a:ln>
+                <a:solidFill>
+                  <a:schemeClr val="tx1"/>
+                </a:solidFill>
+                <a:effectLst/>
+                <a:latin typeface="Times New Roman" pitchFamily="18" charset="0"/>
+                <a:ea typeface="Calibri" pitchFamily="34" charset="0"/>
+                <a:cs typeface="Times New Roman" pitchFamily="18" charset="0"/>
+              </a:rPr>
+              <a:t>.05.03 Техническая эксплуатация транспортного радиооборудования</a:t>
+            </a:r>
+            <a:endParaRPr kumimoji="0" lang="ru-RU" sz="1600" b="0" i="0" u="none" strike="noStrike" cap="none" normalizeH="0" baseline="0" dirty="0">
+              <a:ln>
+                <a:noFill/>
+              </a:ln>
+              <a:solidFill>
+                <a:schemeClr val="tx1"/>
+              </a:solidFill>
+              <a:effectLst/>
+              <a:latin typeface="Times New Roman" pitchFamily="18" charset="0"/>
+              <a:cs typeface="Times New Roman" pitchFamily="18" charset="0"/>
+            </a:endParaRPr>
           </a:p>
         </p:txBody>
       </p:sp>
     </p:spTree>
     <p:extLst>
       <p:ext uri="{BB962C8B-B14F-4D97-AF65-F5344CB8AC3E}">
-        <p14:creationId xmlns:p14="http://schemas.microsoft.com/office/powerpoint/2010/main" val="1370489536"/>
+        <p14:creationId xmlns:p14="http://schemas.microsoft.com/office/powerpoint/2010/main" val="2585881786"/>
       </p:ext>
     </p:extLst>
   </p:cSld>
@@ -4321,206 +5112,6 @@
           <p:cNvPr id="2" name="Заголовок 1">
             <a:extLst>
               <a:ext uri="{FF2B5EF4-FFF2-40B4-BE49-F238E27FC236}">
-                <a16:creationId xmlns:a16="http://schemas.microsoft.com/office/drawing/2014/main" id="{206A3440-1942-41C6-88D0-3296CEB61B67}"/>
-              </a:ext>
-            </a:extLst>
-          </p:cNvPr>
-          <p:cNvSpPr>
-            <a:spLocks noGrp="1"/>
-          </p:cNvSpPr>
-          <p:nvPr>
-            <p:ph type="title"/>
-          </p:nvPr>
-        </p:nvSpPr>
-        <p:spPr>
-          <a:xfrm>
-            <a:off x="1064174" y="-288387"/>
-            <a:ext cx="10515600" cy="1325563"/>
-          </a:xfrm>
-        </p:spPr>
-        <p:txBody>
-          <a:bodyPr/>
-          <a:lstStyle/>
-          <a:p>
-            <a:r>
-              <a:rPr lang="ru-RU" dirty="0"/>
-              <a:t>Алгоритм синхронизации устройств</a:t>
-            </a:r>
-          </a:p>
-        </p:txBody>
-      </p:sp>
-      <p:pic>
-        <p:nvPicPr>
-          <p:cNvPr id="13" name="Объект 12">
-            <a:extLst>
-              <a:ext uri="{FF2B5EF4-FFF2-40B4-BE49-F238E27FC236}">
-                <a16:creationId xmlns:a16="http://schemas.microsoft.com/office/drawing/2014/main" id="{4BF92414-0AD7-4407-A376-F85BB82E67F2}"/>
-              </a:ext>
-            </a:extLst>
-          </p:cNvPr>
-          <p:cNvPicPr>
-            <a:picLocks noGrp="1" noChangeAspect="1"/>
-          </p:cNvPicPr>
-          <p:nvPr>
-            <p:ph idx="1"/>
-          </p:nvPr>
-        </p:nvPicPr>
-        <p:blipFill>
-          <a:blip r:embed="rId2">
-            <a:extLst>
-              <a:ext uri="{28A0092B-C50C-407E-A947-70E740481C1C}">
-                <a14:useLocalDpi xmlns:a14="http://schemas.microsoft.com/office/drawing/2010/main" val="0"/>
-              </a:ext>
-            </a:extLst>
-          </a:blip>
-          <a:stretch>
-            <a:fillRect/>
-          </a:stretch>
-        </p:blipFill>
-        <p:spPr>
-          <a:xfrm>
-            <a:off x="2128348" y="689565"/>
-            <a:ext cx="8387252" cy="6002252"/>
-          </a:xfrm>
-        </p:spPr>
-      </p:pic>
-      <p:sp>
-        <p:nvSpPr>
-          <p:cNvPr id="3" name="TextBox 2">
-            <a:extLst>
-              <a:ext uri="{FF2B5EF4-FFF2-40B4-BE49-F238E27FC236}">
-                <a16:creationId xmlns:a16="http://schemas.microsoft.com/office/drawing/2014/main" id="{FC92E169-71FF-464E-B631-E71E76C9B764}"/>
-              </a:ext>
-            </a:extLst>
-          </p:cNvPr>
-          <p:cNvSpPr txBox="1"/>
-          <p:nvPr/>
-        </p:nvSpPr>
-        <p:spPr>
-          <a:xfrm>
-            <a:off x="520700" y="1066834"/>
-            <a:ext cx="5575300" cy="2862322"/>
-          </a:xfrm>
-          <a:prstGeom prst="rect">
-            <a:avLst/>
-          </a:prstGeom>
-          <a:noFill/>
-        </p:spPr>
-        <p:txBody>
-          <a:bodyPr wrap="square" rtlCol="0">
-            <a:spAutoFit/>
-          </a:bodyPr>
-          <a:lstStyle/>
-          <a:p>
-            <a:r>
-              <a:rPr lang="ru-RU" sz="2000" dirty="0"/>
-              <a:t>В процессе синхронизации участвуют два сообщения: </a:t>
-            </a:r>
-            <a:r>
-              <a:rPr lang="en-US" sz="2000" dirty="0"/>
-              <a:t>MASTER_REQ</a:t>
-            </a:r>
-            <a:r>
-              <a:rPr lang="ru-RU" sz="2000" dirty="0"/>
-              <a:t> и </a:t>
-            </a:r>
-            <a:r>
-              <a:rPr lang="en-US" sz="2000" dirty="0"/>
-              <a:t>SLAVE_RESP</a:t>
-            </a:r>
-          </a:p>
-          <a:p>
-            <a:endParaRPr lang="en-US" sz="2000" dirty="0"/>
-          </a:p>
-          <a:p>
-            <a:r>
-              <a:rPr lang="ru-RU" sz="2000" dirty="0"/>
-              <a:t>К событиям приема относятся события</a:t>
-            </a:r>
-            <a:r>
-              <a:rPr lang="en-US" sz="2000" dirty="0"/>
-              <a:t> </a:t>
-            </a:r>
-            <a:r>
-              <a:rPr lang="ru-RU" sz="2000" dirty="0"/>
-              <a:t>успешного приема, тайм-аута приема и приема с ошибкой</a:t>
-            </a:r>
-          </a:p>
-          <a:p>
-            <a:endParaRPr lang="ru-RU" sz="2000" dirty="0"/>
-          </a:p>
-          <a:p>
-            <a:r>
-              <a:rPr lang="ru-RU" sz="2000" dirty="0"/>
-              <a:t>К событиям передачи относятся события успешной передачи и ошибочной передачи</a:t>
-            </a:r>
-          </a:p>
-        </p:txBody>
-      </p:sp>
-      <p:sp>
-        <p:nvSpPr>
-          <p:cNvPr id="5" name="Номер слайда 4">
-            <a:extLst>
-              <a:ext uri="{FF2B5EF4-FFF2-40B4-BE49-F238E27FC236}">
-                <a16:creationId xmlns:a16="http://schemas.microsoft.com/office/drawing/2014/main" id="{3D8B77EA-4B7D-4F29-B834-3DF2664A31E2}"/>
-              </a:ext>
-            </a:extLst>
-          </p:cNvPr>
-          <p:cNvSpPr>
-            <a:spLocks noGrp="1"/>
-          </p:cNvSpPr>
-          <p:nvPr>
-            <p:ph type="sldNum" sz="quarter" idx="12"/>
-          </p:nvPr>
-        </p:nvSpPr>
-        <p:spPr/>
-        <p:txBody>
-          <a:bodyPr/>
-          <a:lstStyle/>
-          <a:p>
-            <a:fld id="{A013AB5D-EDEA-43F7-8D2F-8FF4FE69EAFF}" type="slidenum">
-              <a:rPr lang="ru-RU" smtClean="0"/>
-              <a:t>10</a:t>
-            </a:fld>
-            <a:endParaRPr lang="ru-RU"/>
-          </a:p>
-        </p:txBody>
-      </p:sp>
-    </p:spTree>
-    <p:extLst>
-      <p:ext uri="{BB962C8B-B14F-4D97-AF65-F5344CB8AC3E}">
-        <p14:creationId xmlns:p14="http://schemas.microsoft.com/office/powerpoint/2010/main" val="242446589"/>
-      </p:ext>
-    </p:extLst>
-  </p:cSld>
-  <p:clrMapOvr>
-    <a:masterClrMapping/>
-  </p:clrMapOvr>
-</p:sld>
-</file>
-
-<file path=ppt/slides/slide11.xml><?xml version="1.0" encoding="utf-8"?>
-<p:sld xmlns:a="http://schemas.openxmlformats.org/drawingml/2006/main" xmlns:r="http://schemas.openxmlformats.org/officeDocument/2006/relationships" xmlns:p="http://schemas.openxmlformats.org/presentationml/2006/main">
-  <p:cSld>
-    <p:spTree>
-      <p:nvGrpSpPr>
-        <p:cNvPr id="1" name=""/>
-        <p:cNvGrpSpPr/>
-        <p:nvPr/>
-      </p:nvGrpSpPr>
-      <p:grpSpPr>
-        <a:xfrm>
-          <a:off x="0" y="0"/>
-          <a:ext cx="0" cy="0"/>
-          <a:chOff x="0" y="0"/>
-          <a:chExt cx="0" cy="0"/>
-        </a:xfrm>
-      </p:grpSpPr>
-      <p:sp>
-        <p:nvSpPr>
-          <p:cNvPr id="2" name="Заголовок 1">
-            <a:extLst>
-              <a:ext uri="{FF2B5EF4-FFF2-40B4-BE49-F238E27FC236}">
                 <a16:creationId xmlns:a16="http://schemas.microsoft.com/office/drawing/2014/main" id="{50032F43-9947-4602-8A47-2C86092D6306}"/>
               </a:ext>
             </a:extLst>
@@ -4581,8 +5172,8 @@
           </a:xfrm>
         </p:spPr>
       </p:pic>
-      <mc:AlternateContent xmlns:mc="http://schemas.openxmlformats.org/markup-compatibility/2006">
-        <mc:Choice xmlns:a14="http://schemas.microsoft.com/office/drawing/2010/main" Requires="a14">
+      <mc:AlternateContent xmlns:mc="http://schemas.openxmlformats.org/markup-compatibility/2006" xmlns:a14="http://schemas.microsoft.com/office/drawing/2010/main">
+        <mc:Choice Requires="a14">
           <p:sp>
             <p:nvSpPr>
               <p:cNvPr id="13" name="TextBox 12">
@@ -4837,7 +5428,7 @@
             </p:txBody>
           </p:sp>
         </mc:Choice>
-        <mc:Fallback>
+        <mc:Fallback xmlns="">
           <p:sp>
             <p:nvSpPr>
               <p:cNvPr id="13" name="TextBox 12">
@@ -4905,7 +5496,7 @@
           <a:p>
             <a:fld id="{A013AB5D-EDEA-43F7-8D2F-8FF4FE69EAFF}" type="slidenum">
               <a:rPr lang="ru-RU" smtClean="0"/>
-              <a:t>11</a:t>
+              <a:t>10</a:t>
             </a:fld>
             <a:endParaRPr lang="ru-RU"/>
           </a:p>
@@ -4915,6 +5506,213 @@
     <p:extLst>
       <p:ext uri="{BB962C8B-B14F-4D97-AF65-F5344CB8AC3E}">
         <p14:creationId xmlns:p14="http://schemas.microsoft.com/office/powerpoint/2010/main" val="597353075"/>
+      </p:ext>
+    </p:extLst>
+  </p:cSld>
+  <p:clrMapOvr>
+    <a:masterClrMapping/>
+  </p:clrMapOvr>
+</p:sld>
+</file>
+
+<file path=ppt/slides/slide11.xml><?xml version="1.0" encoding="utf-8"?>
+<p:sld xmlns:a="http://schemas.openxmlformats.org/drawingml/2006/main" xmlns:r="http://schemas.openxmlformats.org/officeDocument/2006/relationships" xmlns:p="http://schemas.openxmlformats.org/presentationml/2006/main">
+  <p:cSld>
+    <p:spTree>
+      <p:nvGrpSpPr>
+        <p:cNvPr id="1" name=""/>
+        <p:cNvGrpSpPr/>
+        <p:nvPr/>
+      </p:nvGrpSpPr>
+      <p:grpSpPr>
+        <a:xfrm>
+          <a:off x="0" y="0"/>
+          <a:ext cx="0" cy="0"/>
+          <a:chOff x="0" y="0"/>
+          <a:chExt cx="0" cy="0"/>
+        </a:xfrm>
+      </p:grpSpPr>
+      <p:sp>
+        <p:nvSpPr>
+          <p:cNvPr id="2" name="Заголовок 1">
+            <a:extLst>
+              <a:ext uri="{FF2B5EF4-FFF2-40B4-BE49-F238E27FC236}">
+                <a16:creationId xmlns:a16="http://schemas.microsoft.com/office/drawing/2014/main" id="{DFFE5D9E-9DAD-43FB-A700-99775F53CB6E}"/>
+              </a:ext>
+            </a:extLst>
+          </p:cNvPr>
+          <p:cNvSpPr>
+            <a:spLocks noGrp="1"/>
+          </p:cNvSpPr>
+          <p:nvPr>
+            <p:ph type="title"/>
+          </p:nvPr>
+        </p:nvSpPr>
+        <p:spPr>
+          <a:xfrm>
+            <a:off x="838199" y="18255"/>
+            <a:ext cx="10515600" cy="1325563"/>
+          </a:xfrm>
+        </p:spPr>
+        <p:txBody>
+          <a:bodyPr/>
+          <a:lstStyle/>
+          <a:p>
+            <a:r>
+              <a:rPr lang="ru-RU" dirty="0"/>
+              <a:t>Тестирование дальности</a:t>
+            </a:r>
+          </a:p>
+        </p:txBody>
+      </p:sp>
+      <p:sp>
+        <p:nvSpPr>
+          <p:cNvPr id="3" name="Объект 2">
+            <a:extLst>
+              <a:ext uri="{FF2B5EF4-FFF2-40B4-BE49-F238E27FC236}">
+                <a16:creationId xmlns:a16="http://schemas.microsoft.com/office/drawing/2014/main" id="{AC5384EB-B1E4-4B9E-BCC3-4E9AC36C3361}"/>
+              </a:ext>
+            </a:extLst>
+          </p:cNvPr>
+          <p:cNvSpPr>
+            <a:spLocks noGrp="1"/>
+          </p:cNvSpPr>
+          <p:nvPr>
+            <p:ph idx="1"/>
+          </p:nvPr>
+        </p:nvSpPr>
+        <p:spPr>
+          <a:xfrm>
+            <a:off x="7984502" y="1825625"/>
+            <a:ext cx="3369297" cy="4351338"/>
+          </a:xfrm>
+        </p:spPr>
+        <p:txBody>
+          <a:bodyPr>
+            <a:normAutofit fontScale="92500"/>
+          </a:bodyPr>
+          <a:lstStyle/>
+          <a:p>
+            <a:pPr marL="0" indent="0">
+              <a:buNone/>
+            </a:pPr>
+            <a:r>
+              <a:rPr lang="ru-RU" dirty="0"/>
+              <a:t>Во время тестирования удалось достичь дальности:</a:t>
+            </a:r>
+          </a:p>
+          <a:p>
+            <a:pPr marL="0" indent="0">
+              <a:buNone/>
+            </a:pPr>
+            <a:r>
+              <a:rPr lang="ru-RU" dirty="0"/>
+              <a:t>193.87 км – 430 МГц</a:t>
+            </a:r>
+          </a:p>
+          <a:p>
+            <a:pPr marL="0" indent="0">
+              <a:buNone/>
+            </a:pPr>
+            <a:r>
+              <a:rPr lang="ru-RU" dirty="0"/>
+              <a:t>192.74 км – 863 МГц</a:t>
+            </a:r>
+          </a:p>
+          <a:p>
+            <a:pPr marL="0" indent="0">
+              <a:buNone/>
+            </a:pPr>
+            <a:endParaRPr lang="ru-RU" dirty="0"/>
+          </a:p>
+          <a:p>
+            <a:pPr marL="0" indent="0">
+              <a:buNone/>
+            </a:pPr>
+            <a:r>
+              <a:rPr lang="ru-RU" dirty="0"/>
+              <a:t>Максимальный процент потерь во время тестов составлял 4%</a:t>
+            </a:r>
+          </a:p>
+        </p:txBody>
+      </p:sp>
+      <p:sp>
+        <p:nvSpPr>
+          <p:cNvPr id="4" name="Номер слайда 3">
+            <a:extLst>
+              <a:ext uri="{FF2B5EF4-FFF2-40B4-BE49-F238E27FC236}">
+                <a16:creationId xmlns:a16="http://schemas.microsoft.com/office/drawing/2014/main" id="{46FD7DD9-E148-49EB-A50E-E35E66FE97BC}"/>
+              </a:ext>
+            </a:extLst>
+          </p:cNvPr>
+          <p:cNvSpPr>
+            <a:spLocks noGrp="1"/>
+          </p:cNvSpPr>
+          <p:nvPr>
+            <p:ph type="sldNum" sz="quarter" idx="12"/>
+          </p:nvPr>
+        </p:nvSpPr>
+        <p:spPr/>
+        <p:txBody>
+          <a:bodyPr/>
+          <a:lstStyle/>
+          <a:p>
+            <a:fld id="{A013AB5D-EDEA-43F7-8D2F-8FF4FE69EAFF}" type="slidenum">
+              <a:rPr lang="ru-RU" smtClean="0"/>
+              <a:t>11</a:t>
+            </a:fld>
+            <a:endParaRPr lang="ru-RU"/>
+          </a:p>
+        </p:txBody>
+      </p:sp>
+      <p:pic>
+        <p:nvPicPr>
+          <p:cNvPr id="7" name="Объект 4">
+            <a:extLst>
+              <a:ext uri="{FF2B5EF4-FFF2-40B4-BE49-F238E27FC236}">
+                <a16:creationId xmlns:a16="http://schemas.microsoft.com/office/drawing/2014/main" id="{2A8A46F8-DD9F-4C0A-A845-D9461484F852}"/>
+              </a:ext>
+            </a:extLst>
+          </p:cNvPr>
+          <p:cNvPicPr>
+            <a:picLocks/>
+          </p:cNvPicPr>
+          <p:nvPr/>
+        </p:nvPicPr>
+        <p:blipFill rotWithShape="1">
+          <a:blip r:embed="rId2">
+            <a:extLst>
+              <a:ext uri="{28A0092B-C50C-407E-A947-70E740481C1C}">
+                <a14:useLocalDpi xmlns:a14="http://schemas.microsoft.com/office/drawing/2010/main" val="0"/>
+              </a:ext>
+            </a:extLst>
+          </a:blip>
+          <a:srcRect l="3079" r="2143"/>
+          <a:stretch/>
+        </p:blipFill>
+        <p:spPr bwMode="auto">
+          <a:xfrm>
+            <a:off x="838200" y="1825625"/>
+            <a:ext cx="6693816" cy="4351338"/>
+          </a:xfrm>
+          <a:prstGeom prst="rect">
+            <a:avLst/>
+          </a:prstGeom>
+          <a:noFill/>
+          <a:ln>
+            <a:noFill/>
+          </a:ln>
+          <a:extLst>
+            <a:ext uri="{53640926-AAD7-44D8-BBD7-CCE9431645EC}">
+              <a14:shadowObscured xmlns:a14="http://schemas.microsoft.com/office/drawing/2010/main"/>
+            </a:ext>
+          </a:extLst>
+        </p:spPr>
+      </p:pic>
+    </p:spTree>
+    <p:extLst>
+      <p:ext uri="{BB962C8B-B14F-4D97-AF65-F5344CB8AC3E}">
+        <p14:creationId xmlns:p14="http://schemas.microsoft.com/office/powerpoint/2010/main" val="3612530042"/>
       </p:ext>
     </p:extLst>
   </p:cSld>
@@ -4957,37 +5755,20 @@
             <p:ph type="title"/>
           </p:nvPr>
         </p:nvSpPr>
-        <p:spPr/>
+        <p:spPr>
+          <a:xfrm>
+            <a:off x="838200" y="0"/>
+            <a:ext cx="10515600" cy="1325563"/>
+          </a:xfrm>
+        </p:spPr>
         <p:txBody>
           <a:bodyPr/>
           <a:lstStyle/>
           <a:p>
-            <a:endParaRPr lang="ru-RU"/>
-          </a:p>
-        </p:txBody>
-      </p:sp>
-      <p:sp>
-        <p:nvSpPr>
-          <p:cNvPr id="3" name="Объект 2">
-            <a:extLst>
-              <a:ext uri="{FF2B5EF4-FFF2-40B4-BE49-F238E27FC236}">
-                <a16:creationId xmlns:a16="http://schemas.microsoft.com/office/drawing/2014/main" id="{8A87EC90-D92F-4D37-934B-851BAE0F356E}"/>
-              </a:ext>
-            </a:extLst>
-          </p:cNvPr>
-          <p:cNvSpPr>
-            <a:spLocks noGrp="1"/>
-          </p:cNvSpPr>
-          <p:nvPr>
-            <p:ph idx="1"/>
-          </p:nvPr>
-        </p:nvSpPr>
-        <p:spPr/>
-        <p:txBody>
-          <a:bodyPr/>
-          <a:lstStyle/>
-          <a:p>
-            <a:endParaRPr lang="ru-RU"/>
+            <a:r>
+              <a:rPr lang="ru-RU" dirty="0"/>
+              <a:t> </a:t>
+            </a:r>
           </a:p>
         </p:txBody>
       </p:sp>
@@ -5017,6 +5798,109 @@
               <a:t>12</a:t>
             </a:fld>
             <a:endParaRPr lang="ru-RU"/>
+          </a:p>
+        </p:txBody>
+      </p:sp>
+      <p:pic>
+        <p:nvPicPr>
+          <p:cNvPr id="6" name="Рисунок 5">
+            <a:extLst>
+              <a:ext uri="{FF2B5EF4-FFF2-40B4-BE49-F238E27FC236}">
+                <a16:creationId xmlns:a16="http://schemas.microsoft.com/office/drawing/2014/main" id="{1A97D009-A60A-4BD0-B4FA-E0E6B18A3D51}"/>
+              </a:ext>
+            </a:extLst>
+          </p:cNvPr>
+          <p:cNvPicPr/>
+          <p:nvPr/>
+        </p:nvPicPr>
+        <p:blipFill>
+          <a:blip r:embed="rId2" cstate="print">
+            <a:extLst>
+              <a:ext uri="{28A0092B-C50C-407E-A947-70E740481C1C}">
+                <a14:useLocalDpi xmlns:a14="http://schemas.microsoft.com/office/drawing/2010/main" val="0"/>
+              </a:ext>
+            </a:extLst>
+          </a:blip>
+          <a:srcRect/>
+          <a:stretch>
+            <a:fillRect/>
+          </a:stretch>
+        </p:blipFill>
+        <p:spPr bwMode="auto">
+          <a:xfrm>
+            <a:off x="6834434" y="1325563"/>
+            <a:ext cx="4132868" cy="5274322"/>
+          </a:xfrm>
+          <a:prstGeom prst="rect">
+            <a:avLst/>
+          </a:prstGeom>
+          <a:noFill/>
+          <a:ln>
+            <a:noFill/>
+          </a:ln>
+        </p:spPr>
+      </p:pic>
+      <p:pic>
+        <p:nvPicPr>
+          <p:cNvPr id="7" name="Рисунок 6">
+            <a:extLst>
+              <a:ext uri="{FF2B5EF4-FFF2-40B4-BE49-F238E27FC236}">
+                <a16:creationId xmlns:a16="http://schemas.microsoft.com/office/drawing/2014/main" id="{264047D8-B18C-49BB-BC8D-9696B72A2709}"/>
+              </a:ext>
+            </a:extLst>
+          </p:cNvPr>
+          <p:cNvPicPr/>
+          <p:nvPr/>
+        </p:nvPicPr>
+        <p:blipFill>
+          <a:blip r:embed="rId3">
+            <a:extLst>
+              <a:ext uri="{28A0092B-C50C-407E-A947-70E740481C1C}">
+                <a14:useLocalDpi xmlns:a14="http://schemas.microsoft.com/office/drawing/2010/main" val="0"/>
+              </a:ext>
+            </a:extLst>
+          </a:blip>
+          <a:srcRect/>
+          <a:stretch>
+            <a:fillRect/>
+          </a:stretch>
+        </p:blipFill>
+        <p:spPr bwMode="auto">
+          <a:xfrm>
+            <a:off x="1309539" y="1325563"/>
+            <a:ext cx="4132867" cy="5274321"/>
+          </a:xfrm>
+          <a:prstGeom prst="rect">
+            <a:avLst/>
+          </a:prstGeom>
+          <a:noFill/>
+          <a:ln>
+            <a:noFill/>
+          </a:ln>
+        </p:spPr>
+      </p:pic>
+      <p:sp>
+        <p:nvSpPr>
+          <p:cNvPr id="9" name="Объект 8">
+            <a:extLst>
+              <a:ext uri="{FF2B5EF4-FFF2-40B4-BE49-F238E27FC236}">
+                <a16:creationId xmlns:a16="http://schemas.microsoft.com/office/drawing/2014/main" id="{20254012-C629-499D-A077-3FA2FA34D9D7}"/>
+              </a:ext>
+            </a:extLst>
+          </p:cNvPr>
+          <p:cNvSpPr>
+            <a:spLocks noGrp="1"/>
+          </p:cNvSpPr>
+          <p:nvPr>
+            <p:ph idx="1"/>
+          </p:nvPr>
+        </p:nvSpPr>
+        <p:spPr/>
+        <p:txBody>
+          <a:bodyPr/>
+          <a:lstStyle/>
+          <a:p>
+            <a:endParaRPr lang="ru-RU" dirty="0"/>
           </a:p>
         </p:txBody>
       </p:sp>
@@ -5620,6 +6504,206 @@
           <p:cNvPr id="2" name="Заголовок 1">
             <a:extLst>
               <a:ext uri="{FF2B5EF4-FFF2-40B4-BE49-F238E27FC236}">
+                <a16:creationId xmlns:a16="http://schemas.microsoft.com/office/drawing/2014/main" id="{206A3440-1942-41C6-88D0-3296CEB61B67}"/>
+              </a:ext>
+            </a:extLst>
+          </p:cNvPr>
+          <p:cNvSpPr>
+            <a:spLocks noGrp="1"/>
+          </p:cNvSpPr>
+          <p:nvPr>
+            <p:ph type="title"/>
+          </p:nvPr>
+        </p:nvSpPr>
+        <p:spPr>
+          <a:xfrm>
+            <a:off x="1064174" y="-288387"/>
+            <a:ext cx="10515600" cy="1325563"/>
+          </a:xfrm>
+        </p:spPr>
+        <p:txBody>
+          <a:bodyPr/>
+          <a:lstStyle/>
+          <a:p>
+            <a:r>
+              <a:rPr lang="ru-RU" dirty="0"/>
+              <a:t>Алгоритм синхронизации устройств</a:t>
+            </a:r>
+          </a:p>
+        </p:txBody>
+      </p:sp>
+      <p:pic>
+        <p:nvPicPr>
+          <p:cNvPr id="13" name="Объект 12">
+            <a:extLst>
+              <a:ext uri="{FF2B5EF4-FFF2-40B4-BE49-F238E27FC236}">
+                <a16:creationId xmlns:a16="http://schemas.microsoft.com/office/drawing/2014/main" id="{4BF92414-0AD7-4407-A376-F85BB82E67F2}"/>
+              </a:ext>
+            </a:extLst>
+          </p:cNvPr>
+          <p:cNvPicPr>
+            <a:picLocks noGrp="1" noChangeAspect="1"/>
+          </p:cNvPicPr>
+          <p:nvPr>
+            <p:ph idx="1"/>
+          </p:nvPr>
+        </p:nvPicPr>
+        <p:blipFill>
+          <a:blip r:embed="rId2">
+            <a:extLst>
+              <a:ext uri="{28A0092B-C50C-407E-A947-70E740481C1C}">
+                <a14:useLocalDpi xmlns:a14="http://schemas.microsoft.com/office/drawing/2010/main" val="0"/>
+              </a:ext>
+            </a:extLst>
+          </a:blip>
+          <a:stretch>
+            <a:fillRect/>
+          </a:stretch>
+        </p:blipFill>
+        <p:spPr>
+          <a:xfrm>
+            <a:off x="2128348" y="689565"/>
+            <a:ext cx="8387252" cy="6002252"/>
+          </a:xfrm>
+        </p:spPr>
+      </p:pic>
+      <p:sp>
+        <p:nvSpPr>
+          <p:cNvPr id="3" name="TextBox 2">
+            <a:extLst>
+              <a:ext uri="{FF2B5EF4-FFF2-40B4-BE49-F238E27FC236}">
+                <a16:creationId xmlns:a16="http://schemas.microsoft.com/office/drawing/2014/main" id="{FC92E169-71FF-464E-B631-E71E76C9B764}"/>
+              </a:ext>
+            </a:extLst>
+          </p:cNvPr>
+          <p:cNvSpPr txBox="1"/>
+          <p:nvPr/>
+        </p:nvSpPr>
+        <p:spPr>
+          <a:xfrm>
+            <a:off x="520700" y="1066834"/>
+            <a:ext cx="5575300" cy="2862322"/>
+          </a:xfrm>
+          <a:prstGeom prst="rect">
+            <a:avLst/>
+          </a:prstGeom>
+          <a:noFill/>
+        </p:spPr>
+        <p:txBody>
+          <a:bodyPr wrap="square" rtlCol="0">
+            <a:spAutoFit/>
+          </a:bodyPr>
+          <a:lstStyle/>
+          <a:p>
+            <a:r>
+              <a:rPr lang="ru-RU" sz="2000" dirty="0"/>
+              <a:t>В процессе синхронизации участвуют два сообщения: </a:t>
+            </a:r>
+            <a:r>
+              <a:rPr lang="en-US" sz="2000" dirty="0"/>
+              <a:t>MASTER_REQ</a:t>
+            </a:r>
+            <a:r>
+              <a:rPr lang="ru-RU" sz="2000" dirty="0"/>
+              <a:t> и </a:t>
+            </a:r>
+            <a:r>
+              <a:rPr lang="en-US" sz="2000" dirty="0"/>
+              <a:t>SLAVE_RESP</a:t>
+            </a:r>
+          </a:p>
+          <a:p>
+            <a:endParaRPr lang="en-US" sz="2000" dirty="0"/>
+          </a:p>
+          <a:p>
+            <a:r>
+              <a:rPr lang="ru-RU" sz="2000" dirty="0"/>
+              <a:t>К событиям приема относятся события</a:t>
+            </a:r>
+            <a:r>
+              <a:rPr lang="en-US" sz="2000" dirty="0"/>
+              <a:t> </a:t>
+            </a:r>
+            <a:r>
+              <a:rPr lang="ru-RU" sz="2000" dirty="0"/>
+              <a:t>успешного приема, тайм-аута приема и приема с ошибкой</a:t>
+            </a:r>
+          </a:p>
+          <a:p>
+            <a:endParaRPr lang="ru-RU" sz="2000" dirty="0"/>
+          </a:p>
+          <a:p>
+            <a:r>
+              <a:rPr lang="ru-RU" sz="2000" dirty="0"/>
+              <a:t>К событиям передачи относятся события успешной передачи и ошибочной передачи</a:t>
+            </a:r>
+          </a:p>
+        </p:txBody>
+      </p:sp>
+      <p:sp>
+        <p:nvSpPr>
+          <p:cNvPr id="5" name="Номер слайда 4">
+            <a:extLst>
+              <a:ext uri="{FF2B5EF4-FFF2-40B4-BE49-F238E27FC236}">
+                <a16:creationId xmlns:a16="http://schemas.microsoft.com/office/drawing/2014/main" id="{3D8B77EA-4B7D-4F29-B834-3DF2664A31E2}"/>
+              </a:ext>
+            </a:extLst>
+          </p:cNvPr>
+          <p:cNvSpPr>
+            <a:spLocks noGrp="1"/>
+          </p:cNvSpPr>
+          <p:nvPr>
+            <p:ph type="sldNum" sz="quarter" idx="12"/>
+          </p:nvPr>
+        </p:nvSpPr>
+        <p:spPr/>
+        <p:txBody>
+          <a:bodyPr/>
+          <a:lstStyle/>
+          <a:p>
+            <a:fld id="{A013AB5D-EDEA-43F7-8D2F-8FF4FE69EAFF}" type="slidenum">
+              <a:rPr lang="ru-RU" smtClean="0"/>
+              <a:t>15</a:t>
+            </a:fld>
+            <a:endParaRPr lang="ru-RU"/>
+          </a:p>
+        </p:txBody>
+      </p:sp>
+    </p:spTree>
+    <p:extLst>
+      <p:ext uri="{BB962C8B-B14F-4D97-AF65-F5344CB8AC3E}">
+        <p14:creationId xmlns:p14="http://schemas.microsoft.com/office/powerpoint/2010/main" val="242446589"/>
+      </p:ext>
+    </p:extLst>
+  </p:cSld>
+  <p:clrMapOvr>
+    <a:masterClrMapping/>
+  </p:clrMapOvr>
+</p:sld>
+</file>
+
+<file path=ppt/slides/slide16.xml><?xml version="1.0" encoding="utf-8"?>
+<p:sld xmlns:a="http://schemas.openxmlformats.org/drawingml/2006/main" xmlns:r="http://schemas.openxmlformats.org/officeDocument/2006/relationships" xmlns:p="http://schemas.openxmlformats.org/presentationml/2006/main">
+  <p:cSld>
+    <p:spTree>
+      <p:nvGrpSpPr>
+        <p:cNvPr id="1" name=""/>
+        <p:cNvGrpSpPr/>
+        <p:nvPr/>
+      </p:nvGrpSpPr>
+      <p:grpSpPr>
+        <a:xfrm>
+          <a:off x="0" y="0"/>
+          <a:ext cx="0" cy="0"/>
+          <a:chOff x="0" y="0"/>
+          <a:chExt cx="0" cy="0"/>
+        </a:xfrm>
+      </p:grpSpPr>
+      <p:sp>
+        <p:nvSpPr>
+          <p:cNvPr id="2" name="Заголовок 1">
+            <a:extLst>
+              <a:ext uri="{FF2B5EF4-FFF2-40B4-BE49-F238E27FC236}">
                 <a16:creationId xmlns:a16="http://schemas.microsoft.com/office/drawing/2014/main" id="{E04A7298-58A8-4E77-BF4E-C17E2F183468}"/>
               </a:ext>
             </a:extLst>
@@ -5701,7 +6785,7 @@
           <a:p>
             <a:fld id="{A013AB5D-EDEA-43F7-8D2F-8FF4FE69EAFF}" type="slidenum">
               <a:rPr lang="ru-RU" smtClean="0"/>
-              <a:t>15</a:t>
+              <a:t>16</a:t>
             </a:fld>
             <a:endParaRPr lang="ru-RU"/>
           </a:p>
@@ -5924,31 +7008,461 @@
           </a:p>
         </p:txBody>
       </p:sp>
-      <p:sp>
-        <p:nvSpPr>
-          <p:cNvPr id="5" name="Объект 4">
-            <a:extLst>
-              <a:ext uri="{FF2B5EF4-FFF2-40B4-BE49-F238E27FC236}">
-                <a16:creationId xmlns:a16="http://schemas.microsoft.com/office/drawing/2014/main" id="{B54A280F-DD91-4D39-9E36-C00078E5DF64}"/>
-              </a:ext>
-            </a:extLst>
-          </p:cNvPr>
-          <p:cNvSpPr>
-            <a:spLocks noGrp="1"/>
-          </p:cNvSpPr>
+      <p:graphicFrame>
+        <p:nvGraphicFramePr>
+          <p:cNvPr id="4" name="Таблица 5">
+            <a:extLst>
+              <a:ext uri="{FF2B5EF4-FFF2-40B4-BE49-F238E27FC236}">
+                <a16:creationId xmlns:a16="http://schemas.microsoft.com/office/drawing/2014/main" id="{E2E55A05-8C6F-4EBB-BE0F-8ECBFF85E80B}"/>
+              </a:ext>
+            </a:extLst>
+          </p:cNvPr>
+          <p:cNvGraphicFramePr>
+            <a:graphicFrameLocks noGrp="1"/>
+          </p:cNvGraphicFramePr>
           <p:nvPr>
             <p:ph idx="1"/>
-          </p:nvPr>
-        </p:nvSpPr>
-        <p:spPr/>
-        <p:txBody>
-          <a:bodyPr/>
-          <a:lstStyle/>
-          <a:p>
-            <a:endParaRPr lang="ru-RU"/>
-          </a:p>
-        </p:txBody>
-      </p:sp>
+            <p:extLst>
+              <p:ext uri="{D42A27DB-BD31-4B8C-83A1-F6EECF244321}">
+                <p14:modId xmlns:p14="http://schemas.microsoft.com/office/powerpoint/2010/main" val="3544694230"/>
+              </p:ext>
+            </p:extLst>
+          </p:nvPr>
+        </p:nvGraphicFramePr>
+        <p:xfrm>
+          <a:off x="838200" y="1825625"/>
+          <a:ext cx="10515600" cy="4079240"/>
+        </p:xfrm>
+        <a:graphic>
+          <a:graphicData uri="http://schemas.openxmlformats.org/drawingml/2006/table">
+            <a:tbl>
+              <a:tblPr firstRow="1" bandRow="1">
+                <a:tableStyleId>{5C22544A-7EE6-4342-B048-85BDC9FD1C3A}</a:tableStyleId>
+              </a:tblPr>
+              <a:tblGrid>
+                <a:gridCol w="5257800">
+                  <a:extLst>
+                    <a:ext uri="{9D8B030D-6E8A-4147-A177-3AD203B41FA5}">
+                      <a16:colId xmlns:a16="http://schemas.microsoft.com/office/drawing/2014/main" val="1962440802"/>
+                    </a:ext>
+                  </a:extLst>
+                </a:gridCol>
+                <a:gridCol w="5257800">
+                  <a:extLst>
+                    <a:ext uri="{9D8B030D-6E8A-4147-A177-3AD203B41FA5}">
+                      <a16:colId xmlns:a16="http://schemas.microsoft.com/office/drawing/2014/main" val="332361585"/>
+                    </a:ext>
+                  </a:extLst>
+                </a:gridCol>
+              </a:tblGrid>
+              <a:tr h="370840">
+                <a:tc>
+                  <a:txBody>
+                    <a:bodyPr/>
+                    <a:lstStyle/>
+                    <a:p>
+                      <a:r>
+                        <a:rPr lang="ru-RU" dirty="0"/>
+                        <a:t>Характеристика</a:t>
+                      </a:r>
+                    </a:p>
+                  </a:txBody>
+                  <a:tcPr/>
+                </a:tc>
+                <a:tc>
+                  <a:txBody>
+                    <a:bodyPr/>
+                    <a:lstStyle/>
+                    <a:p>
+                      <a:r>
+                        <a:rPr lang="ru-RU" dirty="0"/>
+                        <a:t>Параметры</a:t>
+                      </a:r>
+                    </a:p>
+                  </a:txBody>
+                  <a:tcPr/>
+                </a:tc>
+                <a:extLst>
+                  <a:ext uri="{0D108BD9-81ED-4DB2-BD59-A6C34878D82A}">
+                    <a16:rowId xmlns:a16="http://schemas.microsoft.com/office/drawing/2014/main" val="1251367439"/>
+                  </a:ext>
+                </a:extLst>
+              </a:tr>
+              <a:tr h="370840">
+                <a:tc>
+                  <a:txBody>
+                    <a:bodyPr/>
+                    <a:lstStyle/>
+                    <a:p>
+                      <a:r>
+                        <a:rPr lang="ru-RU" dirty="0"/>
+                        <a:t>Центральная частота</a:t>
+                      </a:r>
+                    </a:p>
+                  </a:txBody>
+                  <a:tcPr/>
+                </a:tc>
+                <a:tc>
+                  <a:txBody>
+                    <a:bodyPr/>
+                    <a:lstStyle/>
+                    <a:p>
+                      <a:r>
+                        <a:rPr lang="ru-RU" dirty="0"/>
+                        <a:t>430 МГц, 863 МГц</a:t>
+                      </a:r>
+                    </a:p>
+                  </a:txBody>
+                  <a:tcPr/>
+                </a:tc>
+                <a:extLst>
+                  <a:ext uri="{0D108BD9-81ED-4DB2-BD59-A6C34878D82A}">
+                    <a16:rowId xmlns:a16="http://schemas.microsoft.com/office/drawing/2014/main" val="1967373563"/>
+                  </a:ext>
+                </a:extLst>
+              </a:tr>
+              <a:tr h="370840">
+                <a:tc>
+                  <a:txBody>
+                    <a:bodyPr/>
+                    <a:lstStyle/>
+                    <a:p>
+                      <a:r>
+                        <a:rPr lang="ru-RU" dirty="0"/>
+                        <a:t>Ширина полосы сигнала</a:t>
+                      </a:r>
+                    </a:p>
+                  </a:txBody>
+                  <a:tcPr/>
+                </a:tc>
+                <a:tc>
+                  <a:txBody>
+                    <a:bodyPr/>
+                    <a:lstStyle/>
+                    <a:p>
+                      <a:r>
+                        <a:rPr lang="ru-RU" dirty="0"/>
+                        <a:t>125 кГц</a:t>
+                      </a:r>
+                    </a:p>
+                  </a:txBody>
+                  <a:tcPr/>
+                </a:tc>
+                <a:extLst>
+                  <a:ext uri="{0D108BD9-81ED-4DB2-BD59-A6C34878D82A}">
+                    <a16:rowId xmlns:a16="http://schemas.microsoft.com/office/drawing/2014/main" val="509048034"/>
+                  </a:ext>
+                </a:extLst>
+              </a:tr>
+              <a:tr h="370840">
+                <a:tc>
+                  <a:txBody>
+                    <a:bodyPr/>
+                    <a:lstStyle/>
+                    <a:p>
+                      <a:r>
+                        <a:rPr lang="ru-RU" dirty="0"/>
+                        <a:t>Выходная мощность</a:t>
+                      </a:r>
+                    </a:p>
+                  </a:txBody>
+                  <a:tcPr/>
+                </a:tc>
+                <a:tc>
+                  <a:txBody>
+                    <a:bodyPr/>
+                    <a:lstStyle/>
+                    <a:p>
+                      <a:r>
+                        <a:rPr lang="ru-RU" dirty="0"/>
+                        <a:t>30 </a:t>
+                      </a:r>
+                      <a:r>
+                        <a:rPr lang="ru-RU" dirty="0" err="1"/>
+                        <a:t>дБм</a:t>
+                      </a:r>
+                      <a:endParaRPr lang="ru-RU" dirty="0"/>
+                    </a:p>
+                  </a:txBody>
+                  <a:tcPr/>
+                </a:tc>
+                <a:extLst>
+                  <a:ext uri="{0D108BD9-81ED-4DB2-BD59-A6C34878D82A}">
+                    <a16:rowId xmlns:a16="http://schemas.microsoft.com/office/drawing/2014/main" val="2048727246"/>
+                  </a:ext>
+                </a:extLst>
+              </a:tr>
+              <a:tr h="370840">
+                <a:tc>
+                  <a:txBody>
+                    <a:bodyPr/>
+                    <a:lstStyle/>
+                    <a:p>
+                      <a:r>
+                        <a:rPr lang="ru-RU" dirty="0"/>
+                        <a:t>Скорость передачи</a:t>
+                      </a:r>
+                    </a:p>
+                  </a:txBody>
+                  <a:tcPr/>
+                </a:tc>
+                <a:tc>
+                  <a:txBody>
+                    <a:bodyPr/>
+                    <a:lstStyle/>
+                    <a:p>
+                      <a:r>
+                        <a:rPr lang="ru-RU" dirty="0"/>
+                        <a:t>до 40 </a:t>
+                      </a:r>
+                      <a:r>
+                        <a:rPr lang="ru-RU" dirty="0" err="1"/>
+                        <a:t>кБит</a:t>
+                      </a:r>
+                      <a:r>
+                        <a:rPr lang="ru-RU" dirty="0"/>
+                        <a:t>/с</a:t>
+                      </a:r>
+                    </a:p>
+                  </a:txBody>
+                  <a:tcPr/>
+                </a:tc>
+                <a:extLst>
+                  <a:ext uri="{0D108BD9-81ED-4DB2-BD59-A6C34878D82A}">
+                    <a16:rowId xmlns:a16="http://schemas.microsoft.com/office/drawing/2014/main" val="2445950934"/>
+                  </a:ext>
+                </a:extLst>
+              </a:tr>
+              <a:tr h="370840">
+                <a:tc>
+                  <a:txBody>
+                    <a:bodyPr/>
+                    <a:lstStyle/>
+                    <a:p>
+                      <a:r>
+                        <a:rPr lang="ru-RU" dirty="0"/>
+                        <a:t>Модуляция</a:t>
+                      </a:r>
+                    </a:p>
+                  </a:txBody>
+                  <a:tcPr/>
+                </a:tc>
+                <a:tc>
+                  <a:txBody>
+                    <a:bodyPr/>
+                    <a:lstStyle/>
+                    <a:p>
+                      <a:r>
+                        <a:rPr lang="en-US" dirty="0"/>
+                        <a:t>LoRa</a:t>
+                      </a:r>
+                      <a:endParaRPr lang="ru-RU" dirty="0"/>
+                    </a:p>
+                  </a:txBody>
+                  <a:tcPr/>
+                </a:tc>
+                <a:extLst>
+                  <a:ext uri="{0D108BD9-81ED-4DB2-BD59-A6C34878D82A}">
+                    <a16:rowId xmlns:a16="http://schemas.microsoft.com/office/drawing/2014/main" val="3965478787"/>
+                  </a:ext>
+                </a:extLst>
+              </a:tr>
+              <a:tr h="370840">
+                <a:tc>
+                  <a:txBody>
+                    <a:bodyPr/>
+                    <a:lstStyle/>
+                    <a:p>
+                      <a:r>
+                        <a:rPr lang="ru-RU" dirty="0"/>
+                        <a:t>Канальное кодирование</a:t>
+                      </a:r>
+                    </a:p>
+                  </a:txBody>
+                  <a:tcPr/>
+                </a:tc>
+                <a:tc>
+                  <a:txBody>
+                    <a:bodyPr/>
+                    <a:lstStyle/>
+                    <a:p>
+                      <a:r>
+                        <a:rPr lang="ru-RU" dirty="0" err="1"/>
+                        <a:t>сверточный</a:t>
+                      </a:r>
+                      <a:r>
+                        <a:rPr lang="ru-RU" dirty="0"/>
+                        <a:t> код 4/5</a:t>
+                      </a:r>
+                    </a:p>
+                  </a:txBody>
+                  <a:tcPr/>
+                </a:tc>
+                <a:extLst>
+                  <a:ext uri="{0D108BD9-81ED-4DB2-BD59-A6C34878D82A}">
+                    <a16:rowId xmlns:a16="http://schemas.microsoft.com/office/drawing/2014/main" val="2476912837"/>
+                  </a:ext>
+                </a:extLst>
+              </a:tr>
+              <a:tr h="370840">
+                <a:tc>
+                  <a:txBody>
+                    <a:bodyPr/>
+                    <a:lstStyle/>
+                    <a:p>
+                      <a:r>
+                        <a:rPr lang="ru-RU" dirty="0"/>
+                        <a:t>Вероятность битовой ошибки</a:t>
+                      </a:r>
+                    </a:p>
+                  </a:txBody>
+                  <a:tcPr/>
+                </a:tc>
+                <a:tc>
+                  <a:txBody>
+                    <a:bodyPr/>
+                    <a:lstStyle/>
+                    <a:p>
+                      <a:r>
+                        <a:rPr lang="ru-RU"/>
+                        <a:t>10</a:t>
+                      </a:r>
+                      <a:r>
+                        <a:rPr lang="ru-RU" baseline="30000"/>
+                        <a:t>-8</a:t>
+                      </a:r>
+                      <a:r>
+                        <a:rPr lang="ru-RU" baseline="0"/>
+                        <a:t> </a:t>
+                      </a:r>
+                      <a:endParaRPr lang="ru-RU" dirty="0"/>
+                    </a:p>
+                  </a:txBody>
+                  <a:tcPr/>
+                </a:tc>
+                <a:extLst>
+                  <a:ext uri="{0D108BD9-81ED-4DB2-BD59-A6C34878D82A}">
+                    <a16:rowId xmlns:a16="http://schemas.microsoft.com/office/drawing/2014/main" val="2864808968"/>
+                  </a:ext>
+                </a:extLst>
+              </a:tr>
+              <a:tr h="370840">
+                <a:tc>
+                  <a:txBody>
+                    <a:bodyPr/>
+                    <a:lstStyle/>
+                    <a:p>
+                      <a:r>
+                        <a:rPr lang="ru-RU" dirty="0"/>
+                        <a:t>Интерфейсы</a:t>
+                      </a:r>
+                    </a:p>
+                  </a:txBody>
+                  <a:tcPr/>
+                </a:tc>
+                <a:tc>
+                  <a:txBody>
+                    <a:bodyPr/>
+                    <a:lstStyle/>
+                    <a:p>
+                      <a:r>
+                        <a:rPr lang="en-US" dirty="0"/>
+                        <a:t>Ethernet, RS-422, RS-232</a:t>
+                      </a:r>
+                      <a:endParaRPr lang="ru-RU" dirty="0"/>
+                    </a:p>
+                  </a:txBody>
+                  <a:tcPr/>
+                </a:tc>
+                <a:extLst>
+                  <a:ext uri="{0D108BD9-81ED-4DB2-BD59-A6C34878D82A}">
+                    <a16:rowId xmlns:a16="http://schemas.microsoft.com/office/drawing/2014/main" val="2250445909"/>
+                  </a:ext>
+                </a:extLst>
+              </a:tr>
+              <a:tr h="370840">
+                <a:tc>
+                  <a:txBody>
+                    <a:bodyPr/>
+                    <a:lstStyle/>
+                    <a:p>
+                      <a:r>
+                        <a:rPr lang="ru-RU" dirty="0"/>
+                        <a:t>Питание </a:t>
+                      </a:r>
+                    </a:p>
+                  </a:txBody>
+                  <a:tcPr/>
+                </a:tc>
+                <a:tc>
+                  <a:txBody>
+                    <a:bodyPr/>
+                    <a:lstStyle/>
+                    <a:p>
+                      <a:r>
+                        <a:rPr lang="ru-RU" dirty="0"/>
+                        <a:t>от 8 до 36 В</a:t>
+                      </a:r>
+                    </a:p>
+                  </a:txBody>
+                  <a:tcPr/>
+                </a:tc>
+                <a:extLst>
+                  <a:ext uri="{0D108BD9-81ED-4DB2-BD59-A6C34878D82A}">
+                    <a16:rowId xmlns:a16="http://schemas.microsoft.com/office/drawing/2014/main" val="3069013830"/>
+                  </a:ext>
+                </a:extLst>
+              </a:tr>
+              <a:tr h="370840">
+                <a:tc>
+                  <a:txBody>
+                    <a:bodyPr/>
+                    <a:lstStyle/>
+                    <a:p>
+                      <a:r>
+                        <a:rPr lang="ru-RU" dirty="0"/>
+                        <a:t>Рабочий диапазон температур</a:t>
+                      </a:r>
+                    </a:p>
+                  </a:txBody>
+                  <a:tcPr/>
+                </a:tc>
+                <a:tc>
+                  <a:txBody>
+                    <a:bodyPr/>
+                    <a:lstStyle/>
+                    <a:p>
+                      <a:r>
+                        <a:rPr lang="ru-RU" dirty="0"/>
+                        <a:t>от -40 до +60 </a:t>
+                      </a:r>
+                      <a:r>
+                        <a:rPr lang="ru-RU" sz="1800" kern="1200" dirty="0">
+                          <a:solidFill>
+                            <a:schemeClr val="dk1"/>
+                          </a:solidFill>
+                          <a:effectLst/>
+                          <a:latin typeface="+mn-lt"/>
+                          <a:ea typeface="+mn-ea"/>
+                          <a:cs typeface="+mn-cs"/>
+                        </a:rPr>
+                        <a:t>°C</a:t>
+                      </a:r>
+                      <a:endParaRPr lang="ru-RU" dirty="0"/>
+                    </a:p>
+                  </a:txBody>
+                  <a:tcPr/>
+                </a:tc>
+                <a:extLst>
+                  <a:ext uri="{0D108BD9-81ED-4DB2-BD59-A6C34878D82A}">
+                    <a16:rowId xmlns:a16="http://schemas.microsoft.com/office/drawing/2014/main" val="844553429"/>
+                  </a:ext>
+                </a:extLst>
+              </a:tr>
+            </a:tbl>
+          </a:graphicData>
+        </a:graphic>
+      </p:graphicFrame>
     </p:spTree>
     <p:extLst>
       <p:ext uri="{BB962C8B-B14F-4D97-AF65-F5344CB8AC3E}">
@@ -6425,7 +7939,12 @@
             <p:ph type="title"/>
           </p:nvPr>
         </p:nvSpPr>
-        <p:spPr/>
+        <p:spPr>
+          <a:xfrm>
+            <a:off x="838200" y="-4763"/>
+            <a:ext cx="10515600" cy="1325563"/>
+          </a:xfrm>
+        </p:spPr>
         <p:txBody>
           <a:bodyPr/>
           <a:lstStyle/>
@@ -6602,11 +8121,17 @@
             <p:ph type="title"/>
           </p:nvPr>
         </p:nvSpPr>
-        <p:spPr/>
+        <p:spPr>
+          <a:xfrm>
+            <a:off x="932468" y="0"/>
+            <a:ext cx="10515600" cy="1325563"/>
+          </a:xfrm>
+        </p:spPr>
         <p:txBody>
           <a:bodyPr/>
           <a:lstStyle/>
           <a:p>
+            <a:pPr algn="ctr"/>
             <a:r>
               <a:rPr lang="ru-RU" dirty="0"/>
               <a:t>Дуплексный режим работы</a:t>
@@ -6616,10 +8141,69 @@
       </p:sp>
       <p:pic>
         <p:nvPicPr>
-          <p:cNvPr id="5" name="Объект 4">
-            <a:extLst>
-              <a:ext uri="{FF2B5EF4-FFF2-40B4-BE49-F238E27FC236}">
-                <a16:creationId xmlns:a16="http://schemas.microsoft.com/office/drawing/2014/main" id="{4CAEB3C4-FF99-4E2E-BB4A-4735456C3004}"/>
+          <p:cNvPr id="10" name="Рисунок 9">
+            <a:extLst>
+              <a:ext uri="{FF2B5EF4-FFF2-40B4-BE49-F238E27FC236}">
+                <a16:creationId xmlns:a16="http://schemas.microsoft.com/office/drawing/2014/main" id="{053A18BC-AA7D-4DC0-934D-BD70424485C8}"/>
+              </a:ext>
+            </a:extLst>
+          </p:cNvPr>
+          <p:cNvPicPr>
+            <a:picLocks noChangeAspect="1"/>
+          </p:cNvPicPr>
+          <p:nvPr/>
+        </p:nvPicPr>
+        <p:blipFill>
+          <a:blip r:embed="rId2"/>
+          <a:stretch>
+            <a:fillRect/>
+          </a:stretch>
+        </p:blipFill>
+        <p:spPr>
+          <a:xfrm>
+            <a:off x="743932" y="1632469"/>
+            <a:ext cx="4648200" cy="4067175"/>
+          </a:xfrm>
+          <a:prstGeom prst="rect">
+            <a:avLst/>
+          </a:prstGeom>
+        </p:spPr>
+      </p:pic>
+      <p:sp>
+        <p:nvSpPr>
+          <p:cNvPr id="4" name="Номер слайда 3">
+            <a:extLst>
+              <a:ext uri="{FF2B5EF4-FFF2-40B4-BE49-F238E27FC236}">
+                <a16:creationId xmlns:a16="http://schemas.microsoft.com/office/drawing/2014/main" id="{7C886F30-2221-4FE0-A709-9D693C885E95}"/>
+              </a:ext>
+            </a:extLst>
+          </p:cNvPr>
+          <p:cNvSpPr>
+            <a:spLocks noGrp="1"/>
+          </p:cNvSpPr>
+          <p:nvPr>
+            <p:ph type="sldNum" sz="quarter" idx="12"/>
+          </p:nvPr>
+        </p:nvSpPr>
+        <p:spPr/>
+        <p:txBody>
+          <a:bodyPr/>
+          <a:lstStyle/>
+          <a:p>
+            <a:fld id="{A013AB5D-EDEA-43F7-8D2F-8FF4FE69EAFF}" type="slidenum">
+              <a:rPr lang="ru-RU" smtClean="0"/>
+              <a:t>7</a:t>
+            </a:fld>
+            <a:endParaRPr lang="ru-RU"/>
+          </a:p>
+        </p:txBody>
+      </p:sp>
+      <p:pic>
+        <p:nvPicPr>
+          <p:cNvPr id="8" name="Объект 7">
+            <a:extLst>
+              <a:ext uri="{FF2B5EF4-FFF2-40B4-BE49-F238E27FC236}">
+                <a16:creationId xmlns:a16="http://schemas.microsoft.com/office/drawing/2014/main" id="{E9B4C5D4-D152-42F5-8CE3-BB43439A3409}"/>
               </a:ext>
             </a:extLst>
           </p:cNvPr>
@@ -6631,7 +8215,7 @@
           </p:nvPr>
         </p:nvPicPr>
         <p:blipFill>
-          <a:blip r:embed="rId2">
+          <a:blip r:embed="rId3">
             <a:extLst>
               <a:ext uri="{28A0092B-C50C-407E-A947-70E740481C1C}">
                 <a14:useLocalDpi xmlns:a14="http://schemas.microsoft.com/office/drawing/2010/main" val="0"/>
@@ -6644,70 +8228,11 @@
         </p:blipFill>
         <p:spPr>
           <a:xfrm>
-            <a:off x="5440683" y="1690688"/>
-            <a:ext cx="6257981" cy="4008957"/>
+            <a:off x="5392132" y="1632470"/>
+            <a:ext cx="6394514" cy="4067175"/>
           </a:xfrm>
         </p:spPr>
       </p:pic>
-      <p:pic>
-        <p:nvPicPr>
-          <p:cNvPr id="10" name="Рисунок 9">
-            <a:extLst>
-              <a:ext uri="{FF2B5EF4-FFF2-40B4-BE49-F238E27FC236}">
-                <a16:creationId xmlns:a16="http://schemas.microsoft.com/office/drawing/2014/main" id="{053A18BC-AA7D-4DC0-934D-BD70424485C8}"/>
-              </a:ext>
-            </a:extLst>
-          </p:cNvPr>
-          <p:cNvPicPr>
-            <a:picLocks noChangeAspect="1"/>
-          </p:cNvPicPr>
-          <p:nvPr/>
-        </p:nvPicPr>
-        <p:blipFill>
-          <a:blip r:embed="rId3"/>
-          <a:stretch>
-            <a:fillRect/>
-          </a:stretch>
-        </p:blipFill>
-        <p:spPr>
-          <a:xfrm>
-            <a:off x="792483" y="1632470"/>
-            <a:ext cx="4648200" cy="4067175"/>
-          </a:xfrm>
-          <a:prstGeom prst="rect">
-            <a:avLst/>
-          </a:prstGeom>
-        </p:spPr>
-      </p:pic>
-      <p:sp>
-        <p:nvSpPr>
-          <p:cNvPr id="4" name="Номер слайда 3">
-            <a:extLst>
-              <a:ext uri="{FF2B5EF4-FFF2-40B4-BE49-F238E27FC236}">
-                <a16:creationId xmlns:a16="http://schemas.microsoft.com/office/drawing/2014/main" id="{7C886F30-2221-4FE0-A709-9D693C885E95}"/>
-              </a:ext>
-            </a:extLst>
-          </p:cNvPr>
-          <p:cNvSpPr>
-            <a:spLocks noGrp="1"/>
-          </p:cNvSpPr>
-          <p:nvPr>
-            <p:ph type="sldNum" sz="quarter" idx="12"/>
-          </p:nvPr>
-        </p:nvSpPr>
-        <p:spPr/>
-        <p:txBody>
-          <a:bodyPr/>
-          <a:lstStyle/>
-          <a:p>
-            <a:fld id="{A013AB5D-EDEA-43F7-8D2F-8FF4FE69EAFF}" type="slidenum">
-              <a:rPr lang="ru-RU" smtClean="0"/>
-              <a:t>7</a:t>
-            </a:fld>
-            <a:endParaRPr lang="ru-RU"/>
-          </a:p>
-        </p:txBody>
-      </p:sp>
     </p:spTree>
     <p:extLst>
       <p:ext uri="{BB962C8B-B14F-4D97-AF65-F5344CB8AC3E}">
@@ -6754,11 +8279,17 @@
             <p:ph type="title"/>
           </p:nvPr>
         </p:nvSpPr>
-        <p:spPr/>
+        <p:spPr>
+          <a:xfrm>
+            <a:off x="838200" y="0"/>
+            <a:ext cx="10515600" cy="1325563"/>
+          </a:xfrm>
+        </p:spPr>
         <p:txBody>
           <a:bodyPr/>
           <a:lstStyle/>
           <a:p>
+            <a:pPr algn="ctr"/>
             <a:r>
               <a:rPr lang="ru-RU" dirty="0"/>
               <a:t>Полудуплексный режим работы</a:t>
@@ -6906,7 +8437,12 @@
             <p:ph type="title"/>
           </p:nvPr>
         </p:nvSpPr>
-        <p:spPr/>
+        <p:spPr>
+          <a:xfrm>
+            <a:off x="838200" y="-22679"/>
+            <a:ext cx="10515600" cy="1325563"/>
+          </a:xfrm>
+        </p:spPr>
         <p:txBody>
           <a:bodyPr/>
           <a:lstStyle/>
